--- a/docs/Intro to Software Security.pptx
+++ b/docs/Intro to Software Security.pptx
@@ -9,39 +9,40 @@
     <p:sldId id="257" r:id="rId3"/>
     <p:sldId id="259" r:id="rId4"/>
     <p:sldId id="267" r:id="rId5"/>
-    <p:sldId id="260" r:id="rId6"/>
-    <p:sldId id="261" r:id="rId7"/>
-    <p:sldId id="262" r:id="rId8"/>
-    <p:sldId id="263" r:id="rId9"/>
-    <p:sldId id="264" r:id="rId10"/>
-    <p:sldId id="265" r:id="rId11"/>
-    <p:sldId id="268" r:id="rId12"/>
-    <p:sldId id="272" r:id="rId13"/>
-    <p:sldId id="258" r:id="rId14"/>
-    <p:sldId id="273" r:id="rId15"/>
-    <p:sldId id="274" r:id="rId16"/>
-    <p:sldId id="275" r:id="rId17"/>
-    <p:sldId id="276" r:id="rId18"/>
-    <p:sldId id="277" r:id="rId19"/>
-    <p:sldId id="278" r:id="rId20"/>
-    <p:sldId id="279" r:id="rId21"/>
-    <p:sldId id="266" r:id="rId22"/>
-    <p:sldId id="280" r:id="rId23"/>
-    <p:sldId id="281" r:id="rId24"/>
-    <p:sldId id="270" r:id="rId25"/>
-    <p:sldId id="271" r:id="rId26"/>
-    <p:sldId id="282" r:id="rId27"/>
-    <p:sldId id="283" r:id="rId28"/>
-    <p:sldId id="269" r:id="rId29"/>
-    <p:sldId id="284" r:id="rId30"/>
-    <p:sldId id="285" r:id="rId31"/>
-    <p:sldId id="286" r:id="rId32"/>
-    <p:sldId id="287" r:id="rId33"/>
-    <p:sldId id="288" r:id="rId34"/>
-    <p:sldId id="289" r:id="rId35"/>
-    <p:sldId id="290" r:id="rId36"/>
-    <p:sldId id="291" r:id="rId37"/>
-    <p:sldId id="292" r:id="rId38"/>
+    <p:sldId id="293" r:id="rId6"/>
+    <p:sldId id="263" r:id="rId7"/>
+    <p:sldId id="260" r:id="rId8"/>
+    <p:sldId id="261" r:id="rId9"/>
+    <p:sldId id="262" r:id="rId10"/>
+    <p:sldId id="264" r:id="rId11"/>
+    <p:sldId id="265" r:id="rId12"/>
+    <p:sldId id="268" r:id="rId13"/>
+    <p:sldId id="272" r:id="rId14"/>
+    <p:sldId id="258" r:id="rId15"/>
+    <p:sldId id="273" r:id="rId16"/>
+    <p:sldId id="274" r:id="rId17"/>
+    <p:sldId id="275" r:id="rId18"/>
+    <p:sldId id="276" r:id="rId19"/>
+    <p:sldId id="277" r:id="rId20"/>
+    <p:sldId id="278" r:id="rId21"/>
+    <p:sldId id="280" r:id="rId22"/>
+    <p:sldId id="279" r:id="rId23"/>
+    <p:sldId id="266" r:id="rId24"/>
+    <p:sldId id="281" r:id="rId25"/>
+    <p:sldId id="270" r:id="rId26"/>
+    <p:sldId id="271" r:id="rId27"/>
+    <p:sldId id="282" r:id="rId28"/>
+    <p:sldId id="283" r:id="rId29"/>
+    <p:sldId id="269" r:id="rId30"/>
+    <p:sldId id="284" r:id="rId31"/>
+    <p:sldId id="285" r:id="rId32"/>
+    <p:sldId id="286" r:id="rId33"/>
+    <p:sldId id="287" r:id="rId34"/>
+    <p:sldId id="288" r:id="rId35"/>
+    <p:sldId id="289" r:id="rId36"/>
+    <p:sldId id="290" r:id="rId37"/>
+    <p:sldId id="291" r:id="rId38"/>
+    <p:sldId id="292" r:id="rId39"/>
   </p:sldIdLst>
   <p:sldSz cx="6858000" cy="5143500"/>
   <p:notesSz cx="6858000" cy="5143500"/>
@@ -162,7 +163,7 @@
 <file path=ppt/revisionInfo.xml><?xml version="1.0" encoding="utf-8"?>
 <p1510:revInfo xmlns:a="http://schemas.openxmlformats.org/drawingml/2006/main" xmlns:r="http://schemas.openxmlformats.org/officeDocument/2006/relationships" xmlns:p1510="http://schemas.microsoft.com/office/powerpoint/2015/10/main">
   <p1510:revLst>
-    <p1510:client id="{5601230A-EF3C-42B0-84F0-BE9EB17FEAD2}" v="29" dt="2023-03-06T16:00:51.356"/>
+    <p1510:client id="{5601230A-EF3C-42B0-84F0-BE9EB17FEAD2}" v="31" dt="2023-03-09T09:16:26.450"/>
   </p1510:revLst>
 </p1510:revInfo>
 </file>
@@ -171,8 +172,8 @@
 <pc:chgInfo xmlns:a="http://schemas.openxmlformats.org/drawingml/2006/main" xmlns:r="http://schemas.openxmlformats.org/officeDocument/2006/relationships" xmlns:ac="http://schemas.microsoft.com/office/drawing/2013/main/command" xmlns:pc="http://schemas.microsoft.com/office/powerpoint/2013/main/command">
   <pc:docChgLst>
     <pc:chgData name="Sana Belguith" userId="edaa0afb-4621-4165-af1d-05ed505f7999" providerId="ADAL" clId="{5601230A-EF3C-42B0-84F0-BE9EB17FEAD2}"/>
-    <pc:docChg chg="undo custSel addSld delSld modSld modMainMaster">
-      <pc:chgData name="Sana Belguith" userId="edaa0afb-4621-4165-af1d-05ed505f7999" providerId="ADAL" clId="{5601230A-EF3C-42B0-84F0-BE9EB17FEAD2}" dt="2023-03-09T08:40:22.958" v="664" actId="2711"/>
+    <pc:docChg chg="undo custSel addSld delSld modSld sldOrd modMainMaster">
+      <pc:chgData name="Sana Belguith" userId="edaa0afb-4621-4165-af1d-05ed505f7999" providerId="ADAL" clId="{5601230A-EF3C-42B0-84F0-BE9EB17FEAD2}" dt="2023-03-09T09:54:13.114" v="727" actId="108"/>
       <pc:docMkLst>
         <pc:docMk/>
       </pc:docMkLst>
@@ -318,7 +319,7 @@
         </pc:picChg>
       </pc:sldChg>
       <pc:sldChg chg="addSp delSp modSp mod">
-        <pc:chgData name="Sana Belguith" userId="edaa0afb-4621-4165-af1d-05ed505f7999" providerId="ADAL" clId="{5601230A-EF3C-42B0-84F0-BE9EB17FEAD2}" dt="2023-03-06T13:46:30.756" v="346" actId="108"/>
+        <pc:chgData name="Sana Belguith" userId="edaa0afb-4621-4165-af1d-05ed505f7999" providerId="ADAL" clId="{5601230A-EF3C-42B0-84F0-BE9EB17FEAD2}" dt="2023-03-09T09:13:10.894" v="665" actId="20577"/>
         <pc:sldMkLst>
           <pc:docMk/>
           <pc:sldMk cId="0" sldId="259"/>
@@ -332,7 +333,7 @@
           </ac:spMkLst>
         </pc:spChg>
         <pc:spChg chg="mod">
-          <ac:chgData name="Sana Belguith" userId="edaa0afb-4621-4165-af1d-05ed505f7999" providerId="ADAL" clId="{5601230A-EF3C-42B0-84F0-BE9EB17FEAD2}" dt="2023-03-06T13:46:30.756" v="346" actId="108"/>
+          <ac:chgData name="Sana Belguith" userId="edaa0afb-4621-4165-af1d-05ed505f7999" providerId="ADAL" clId="{5601230A-EF3C-42B0-84F0-BE9EB17FEAD2}" dt="2023-03-09T09:13:10.894" v="665" actId="20577"/>
           <ac:spMkLst>
             <pc:docMk/>
             <pc:sldMk cId="0" sldId="259"/>
@@ -529,8 +530,8 @@
           </ac:picMkLst>
         </pc:picChg>
       </pc:sldChg>
-      <pc:sldChg chg="addSp delSp modSp mod">
-        <pc:chgData name="Sana Belguith" userId="edaa0afb-4621-4165-af1d-05ed505f7999" providerId="ADAL" clId="{5601230A-EF3C-42B0-84F0-BE9EB17FEAD2}" dt="2023-03-06T13:58:00.902" v="437" actId="478"/>
+      <pc:sldChg chg="addSp delSp modSp mod ord">
+        <pc:chgData name="Sana Belguith" userId="edaa0afb-4621-4165-af1d-05ed505f7999" providerId="ADAL" clId="{5601230A-EF3C-42B0-84F0-BE9EB17FEAD2}" dt="2023-03-09T09:30:36.202" v="706"/>
         <pc:sldMkLst>
           <pc:docMk/>
           <pc:sldMk cId="0" sldId="263"/>
@@ -632,7 +633,7 @@
         </pc:picChg>
       </pc:sldChg>
       <pc:sldChg chg="addSp delSp modSp mod">
-        <pc:chgData name="Sana Belguith" userId="edaa0afb-4621-4165-af1d-05ed505f7999" providerId="ADAL" clId="{5601230A-EF3C-42B0-84F0-BE9EB17FEAD2}" dt="2023-03-06T14:07:23.813" v="451" actId="108"/>
+        <pc:chgData name="Sana Belguith" userId="edaa0afb-4621-4165-af1d-05ed505f7999" providerId="ADAL" clId="{5601230A-EF3C-42B0-84F0-BE9EB17FEAD2}" dt="2023-03-09T09:32:08.692" v="707" actId="20577"/>
         <pc:sldMkLst>
           <pc:docMk/>
           <pc:sldMk cId="0" sldId="265"/>
@@ -646,7 +647,7 @@
           </ac:spMkLst>
         </pc:spChg>
         <pc:spChg chg="mod">
-          <ac:chgData name="Sana Belguith" userId="edaa0afb-4621-4165-af1d-05ed505f7999" providerId="ADAL" clId="{5601230A-EF3C-42B0-84F0-BE9EB17FEAD2}" dt="2023-03-06T14:07:23.813" v="451" actId="108"/>
+          <ac:chgData name="Sana Belguith" userId="edaa0afb-4621-4165-af1d-05ed505f7999" providerId="ADAL" clId="{5601230A-EF3C-42B0-84F0-BE9EB17FEAD2}" dt="2023-03-09T09:32:08.692" v="707" actId="20577"/>
           <ac:spMkLst>
             <pc:docMk/>
             <pc:sldMk cId="0" sldId="265"/>
@@ -748,7 +749,7 @@
         </pc:spChg>
       </pc:sldChg>
       <pc:sldChg chg="addSp modSp add mod modAnim">
-        <pc:chgData name="Sana Belguith" userId="edaa0afb-4621-4165-af1d-05ed505f7999" providerId="ADAL" clId="{5601230A-EF3C-42B0-84F0-BE9EB17FEAD2}" dt="2023-03-06T14:31:40.876" v="489"/>
+        <pc:chgData name="Sana Belguith" userId="edaa0afb-4621-4165-af1d-05ed505f7999" providerId="ADAL" clId="{5601230A-EF3C-42B0-84F0-BE9EB17FEAD2}" dt="2023-03-09T09:32:38.377" v="723" actId="114"/>
         <pc:sldMkLst>
           <pc:docMk/>
           <pc:sldMk cId="0" sldId="268"/>
@@ -759,6 +760,14 @@
             <pc:docMk/>
             <pc:sldMk cId="0" sldId="268"/>
             <ac:spMk id="2" creationId="{D80803F0-3494-44AD-A55B-D535C6CAD7A8}"/>
+          </ac:spMkLst>
+        </pc:spChg>
+        <pc:spChg chg="mod">
+          <ac:chgData name="Sana Belguith" userId="edaa0afb-4621-4165-af1d-05ed505f7999" providerId="ADAL" clId="{5601230A-EF3C-42B0-84F0-BE9EB17FEAD2}" dt="2023-03-09T09:32:38.377" v="723" actId="114"/>
+          <ac:spMkLst>
+            <pc:docMk/>
+            <pc:sldMk cId="0" sldId="268"/>
+            <ac:spMk id="3" creationId="{00000000-0000-0000-0000-000000000000}"/>
           </ac:spMkLst>
         </pc:spChg>
       </pc:sldChg>
@@ -817,7 +826,7 @@
         </pc:spChg>
       </pc:sldChg>
       <pc:sldChg chg="addSp delSp modSp add mod">
-        <pc:chgData name="Sana Belguith" userId="edaa0afb-4621-4165-af1d-05ed505f7999" providerId="ADAL" clId="{5601230A-EF3C-42B0-84F0-BE9EB17FEAD2}" dt="2023-03-06T14:49:13.220" v="649" actId="20577"/>
+        <pc:chgData name="Sana Belguith" userId="edaa0afb-4621-4165-af1d-05ed505f7999" providerId="ADAL" clId="{5601230A-EF3C-42B0-84F0-BE9EB17FEAD2}" dt="2023-03-09T09:54:13.114" v="727" actId="108"/>
         <pc:sldMkLst>
           <pc:docMk/>
           <pc:sldMk cId="0" sldId="271"/>
@@ -831,7 +840,7 @@
           </ac:spMkLst>
         </pc:spChg>
         <pc:spChg chg="mod">
-          <ac:chgData name="Sana Belguith" userId="edaa0afb-4621-4165-af1d-05ed505f7999" providerId="ADAL" clId="{5601230A-EF3C-42B0-84F0-BE9EB17FEAD2}" dt="2023-03-06T14:49:13.220" v="649" actId="20577"/>
+          <ac:chgData name="Sana Belguith" userId="edaa0afb-4621-4165-af1d-05ed505f7999" providerId="ADAL" clId="{5601230A-EF3C-42B0-84F0-BE9EB17FEAD2}" dt="2023-03-09T09:54:13.114" v="727" actId="108"/>
           <ac:spMkLst>
             <pc:docMk/>
             <pc:sldMk cId="0" sldId="271"/>
@@ -983,8 +992,8 @@
           </ac:spMkLst>
         </pc:spChg>
       </pc:sldChg>
-      <pc:sldChg chg="addSp delSp modSp add mod">
-        <pc:chgData name="Sana Belguith" userId="edaa0afb-4621-4165-af1d-05ed505f7999" providerId="ADAL" clId="{5601230A-EF3C-42B0-84F0-BE9EB17FEAD2}" dt="2023-03-06T14:46:08.539" v="565" actId="20577"/>
+      <pc:sldChg chg="addSp delSp modSp add mod ord">
+        <pc:chgData name="Sana Belguith" userId="edaa0afb-4621-4165-af1d-05ed505f7999" providerId="ADAL" clId="{5601230A-EF3C-42B0-84F0-BE9EB17FEAD2}" dt="2023-03-09T09:50:53.200" v="726"/>
         <pc:sldMkLst>
           <pc:docMk/>
           <pc:sldMk cId="0" sldId="280"/>
@@ -995,6 +1004,14 @@
             <pc:docMk/>
             <pc:sldMk cId="0" sldId="280"/>
             <ac:spMk id="2" creationId="{00000000-0000-0000-0000-000000000000}"/>
+          </ac:spMkLst>
+        </pc:spChg>
+        <pc:spChg chg="mod">
+          <ac:chgData name="Sana Belguith" userId="edaa0afb-4621-4165-af1d-05ed505f7999" providerId="ADAL" clId="{5601230A-EF3C-42B0-84F0-BE9EB17FEAD2}" dt="2023-03-09T09:47:08.685" v="724" actId="20577"/>
+          <ac:spMkLst>
+            <pc:docMk/>
+            <pc:sldMk cId="0" sldId="280"/>
+            <ac:spMk id="3" creationId="{00000000-0000-0000-0000-000000000000}"/>
           </ac:spMkLst>
         </pc:spChg>
         <pc:spChg chg="add mod">
@@ -1178,12 +1195,68 @@
           </ac:spMkLst>
         </pc:spChg>
       </pc:sldChg>
-      <pc:sldChg chg="add del">
-        <pc:chgData name="Sana Belguith" userId="edaa0afb-4621-4165-af1d-05ed505f7999" providerId="ADAL" clId="{5601230A-EF3C-42B0-84F0-BE9EB17FEAD2}" dt="2023-03-09T08:38:44.915" v="651" actId="47"/>
+      <pc:sldChg chg="addSp delSp modSp add del mod">
+        <pc:chgData name="Sana Belguith" userId="edaa0afb-4621-4165-af1d-05ed505f7999" providerId="ADAL" clId="{5601230A-EF3C-42B0-84F0-BE9EB17FEAD2}" dt="2023-03-09T09:18:20.441" v="704" actId="20577"/>
         <pc:sldMkLst>
           <pc:docMk/>
           <pc:sldMk cId="0" sldId="293"/>
         </pc:sldMkLst>
+        <pc:spChg chg="del mod">
+          <ac:chgData name="Sana Belguith" userId="edaa0afb-4621-4165-af1d-05ed505f7999" providerId="ADAL" clId="{5601230A-EF3C-42B0-84F0-BE9EB17FEAD2}" dt="2023-03-09T09:16:20.055" v="669" actId="478"/>
+          <ac:spMkLst>
+            <pc:docMk/>
+            <pc:sldMk cId="0" sldId="293"/>
+            <ac:spMk id="2" creationId="{00000000-0000-0000-0000-000000000000}"/>
+          </ac:spMkLst>
+        </pc:spChg>
+        <pc:spChg chg="del">
+          <ac:chgData name="Sana Belguith" userId="edaa0afb-4621-4165-af1d-05ed505f7999" providerId="ADAL" clId="{5601230A-EF3C-42B0-84F0-BE9EB17FEAD2}" dt="2023-03-09T09:17:22.137" v="682" actId="478"/>
+          <ac:spMkLst>
+            <pc:docMk/>
+            <pc:sldMk cId="0" sldId="293"/>
+            <ac:spMk id="3" creationId="{00000000-0000-0000-0000-000000000000}"/>
+          </ac:spMkLst>
+        </pc:spChg>
+        <pc:spChg chg="mod">
+          <ac:chgData name="Sana Belguith" userId="edaa0afb-4621-4165-af1d-05ed505f7999" providerId="ADAL" clId="{5601230A-EF3C-42B0-84F0-BE9EB17FEAD2}" dt="2023-03-09T09:17:19.466" v="681" actId="12"/>
+          <ac:spMkLst>
+            <pc:docMk/>
+            <pc:sldMk cId="0" sldId="293"/>
+            <ac:spMk id="4" creationId="{00000000-0000-0000-0000-000000000000}"/>
+          </ac:spMkLst>
+        </pc:spChg>
+        <pc:spChg chg="del">
+          <ac:chgData name="Sana Belguith" userId="edaa0afb-4621-4165-af1d-05ed505f7999" providerId="ADAL" clId="{5601230A-EF3C-42B0-84F0-BE9EB17FEAD2}" dt="2023-03-09T09:17:51.647" v="697" actId="478"/>
+          <ac:spMkLst>
+            <pc:docMk/>
+            <pc:sldMk cId="0" sldId="293"/>
+            <ac:spMk id="5" creationId="{00000000-0000-0000-0000-000000000000}"/>
+          </ac:spMkLst>
+        </pc:spChg>
+        <pc:spChg chg="mod">
+          <ac:chgData name="Sana Belguith" userId="edaa0afb-4621-4165-af1d-05ed505f7999" providerId="ADAL" clId="{5601230A-EF3C-42B0-84F0-BE9EB17FEAD2}" dt="2023-03-09T09:18:20.441" v="704" actId="20577"/>
+          <ac:spMkLst>
+            <pc:docMk/>
+            <pc:sldMk cId="0" sldId="293"/>
+            <ac:spMk id="6" creationId="{00000000-0000-0000-0000-000000000000}"/>
+          </ac:spMkLst>
+        </pc:spChg>
+        <pc:spChg chg="add del mod">
+          <ac:chgData name="Sana Belguith" userId="edaa0afb-4621-4165-af1d-05ed505f7999" providerId="ADAL" clId="{5601230A-EF3C-42B0-84F0-BE9EB17FEAD2}" dt="2023-03-09T09:16:21.792" v="670" actId="478"/>
+          <ac:spMkLst>
+            <pc:docMk/>
+            <pc:sldMk cId="0" sldId="293"/>
+            <ac:spMk id="9" creationId="{D731DEDD-C24B-09EC-0EFF-211F4533B2DE}"/>
+          </ac:spMkLst>
+        </pc:spChg>
+        <pc:spChg chg="add mod">
+          <ac:chgData name="Sana Belguith" userId="edaa0afb-4621-4165-af1d-05ed505f7999" providerId="ADAL" clId="{5601230A-EF3C-42B0-84F0-BE9EB17FEAD2}" dt="2023-03-09T09:16:26.450" v="671"/>
+          <ac:spMkLst>
+            <pc:docMk/>
+            <pc:sldMk cId="0" sldId="293"/>
+            <ac:spMk id="10" creationId="{59A098C3-9CAB-E677-A392-C51498C1E41A}"/>
+          </ac:spMkLst>
+        </pc:spChg>
       </pc:sldChg>
       <pc:sldMasterChg chg="modSldLayout">
         <pc:chgData name="Sana Belguith" userId="edaa0afb-4621-4165-af1d-05ed505f7999" providerId="ADAL" clId="{5601230A-EF3C-42B0-84F0-BE9EB17FEAD2}" dt="2023-03-06T12:28:23.227" v="34"/>
@@ -4777,8 +4850,352 @@
         </p:nvSpPr>
         <p:spPr>
           <a:xfrm>
+            <a:off x="356840" y="1314196"/>
+            <a:ext cx="5897880" cy="2741776"/>
+          </a:xfrm>
+          <a:prstGeom prst="rect">
+            <a:avLst/>
+          </a:prstGeom>
+        </p:spPr>
+        <p:txBody>
+          <a:bodyPr vert="horz" wrap="square" lIns="0" tIns="60960" rIns="0" bIns="0" rtlCol="0">
+            <a:spAutoFit/>
+          </a:bodyPr>
+          <a:lstStyle/>
+          <a:p>
+            <a:pPr marL="141605" indent="-128905">
+              <a:lnSpc>
+                <a:spcPct val="100000"/>
+              </a:lnSpc>
+              <a:spcBef>
+                <a:spcPts val="480"/>
+              </a:spcBef>
+              <a:buSzPct val="81250"/>
+              <a:buFont typeface="Wingdings"/>
+              <a:buChar char=""/>
+              <a:tabLst>
+                <a:tab pos="141605" algn="l"/>
+              </a:tabLst>
+            </a:pPr>
+            <a:r>
+              <a:rPr sz="1600" dirty="0">
+                <a:latin typeface="Times New Roman" panose="02020603050405020304" pitchFamily="18" charset="0"/>
+                <a:cs typeface="Times New Roman" panose="02020603050405020304" pitchFamily="18" charset="0"/>
+              </a:rPr>
+              <a:t>C was designed to write operating systems</a:t>
+            </a:r>
+          </a:p>
+          <a:p>
+            <a:pPr marL="141605" indent="-128905">
+              <a:lnSpc>
+                <a:spcPct val="100000"/>
+              </a:lnSpc>
+              <a:spcBef>
+                <a:spcPts val="385"/>
+              </a:spcBef>
+              <a:buSzPct val="81250"/>
+              <a:buFont typeface="Wingdings"/>
+              <a:buChar char=""/>
+              <a:tabLst>
+                <a:tab pos="141605" algn="l"/>
+              </a:tabLst>
+            </a:pPr>
+            <a:r>
+              <a:rPr sz="1600" dirty="0">
+                <a:latin typeface="Times New Roman" panose="02020603050405020304" pitchFamily="18" charset="0"/>
+                <a:cs typeface="Times New Roman" panose="02020603050405020304" pitchFamily="18" charset="0"/>
+              </a:rPr>
+              <a:t>Programmers were expected to know what they were doing</a:t>
+            </a:r>
+          </a:p>
+          <a:p>
+            <a:pPr marL="398780" lvl="1" indent="-128905">
+              <a:lnSpc>
+                <a:spcPct val="100000"/>
+              </a:lnSpc>
+              <a:spcBef>
+                <a:spcPts val="175"/>
+              </a:spcBef>
+              <a:buChar char="–"/>
+              <a:tabLst>
+                <a:tab pos="398780" algn="l"/>
+              </a:tabLst>
+            </a:pPr>
+            <a:r>
+              <a:rPr sz="1600" dirty="0">
+                <a:latin typeface="Times New Roman" panose="02020603050405020304" pitchFamily="18" charset="0"/>
+                <a:cs typeface="Times New Roman" panose="02020603050405020304" pitchFamily="18" charset="0"/>
+              </a:rPr>
+              <a:t>i.e. if you</a:t>
+            </a:r>
+            <a:r>
+              <a:rPr lang="en-US" sz="1600" dirty="0">
+                <a:latin typeface="Times New Roman" panose="02020603050405020304" pitchFamily="18" charset="0"/>
+                <a:cs typeface="Times New Roman" panose="02020603050405020304" pitchFamily="18" charset="0"/>
+              </a:rPr>
+              <a:t> a</a:t>
+            </a:r>
+            <a:r>
+              <a:rPr sz="1600" dirty="0">
+                <a:latin typeface="Times New Roman" panose="02020603050405020304" pitchFamily="18" charset="0"/>
+                <a:cs typeface="Times New Roman" panose="02020603050405020304" pitchFamily="18" charset="0"/>
+              </a:rPr>
+              <a:t>re going off the end of an array its deliberate and not a mistake</a:t>
+            </a:r>
+          </a:p>
+          <a:p>
+            <a:pPr lvl="1">
+              <a:lnSpc>
+                <a:spcPct val="100000"/>
+              </a:lnSpc>
+              <a:buFont typeface="Arial MT"/>
+              <a:buChar char="–"/>
+            </a:pPr>
+            <a:endParaRPr sz="1600" dirty="0">
+              <a:latin typeface="Times New Roman" panose="02020603050405020304" pitchFamily="18" charset="0"/>
+              <a:cs typeface="Times New Roman" panose="02020603050405020304" pitchFamily="18" charset="0"/>
+            </a:endParaRPr>
+          </a:p>
+          <a:p>
+            <a:pPr marL="141605" indent="-128905">
+              <a:lnSpc>
+                <a:spcPct val="100000"/>
+              </a:lnSpc>
+              <a:spcBef>
+                <a:spcPts val="910"/>
+              </a:spcBef>
+              <a:buSzPct val="81250"/>
+              <a:buFont typeface="Wingdings"/>
+              <a:buChar char=""/>
+              <a:tabLst>
+                <a:tab pos="141605" algn="l"/>
+              </a:tabLst>
+            </a:pPr>
+            <a:r>
+              <a:rPr sz="1600" dirty="0">
+                <a:latin typeface="Times New Roman" panose="02020603050405020304" pitchFamily="18" charset="0"/>
+                <a:cs typeface="Times New Roman" panose="02020603050405020304" pitchFamily="18" charset="0"/>
+              </a:rPr>
+              <a:t>If you do</a:t>
+            </a:r>
+            <a:r>
+              <a:rPr lang="en-US" sz="1600" dirty="0">
+                <a:latin typeface="Times New Roman" panose="02020603050405020304" pitchFamily="18" charset="0"/>
+                <a:cs typeface="Times New Roman" panose="02020603050405020304" pitchFamily="18" charset="0"/>
+              </a:rPr>
+              <a:t> </a:t>
+            </a:r>
+            <a:r>
+              <a:rPr sz="1600" dirty="0">
+                <a:latin typeface="Times New Roman" panose="02020603050405020304" pitchFamily="18" charset="0"/>
+                <a:cs typeface="Times New Roman" panose="02020603050405020304" pitchFamily="18" charset="0"/>
+              </a:rPr>
+              <a:t>n</a:t>
+            </a:r>
+            <a:r>
+              <a:rPr lang="en-US" sz="1600" dirty="0">
+                <a:latin typeface="Times New Roman" panose="02020603050405020304" pitchFamily="18" charset="0"/>
+                <a:cs typeface="Times New Roman" panose="02020603050405020304" pitchFamily="18" charset="0"/>
+              </a:rPr>
+              <a:t>o</a:t>
+            </a:r>
+            <a:r>
+              <a:rPr sz="1600" dirty="0">
+                <a:latin typeface="Times New Roman" panose="02020603050405020304" pitchFamily="18" charset="0"/>
+                <a:cs typeface="Times New Roman" panose="02020603050405020304" pitchFamily="18" charset="0"/>
+              </a:rPr>
+              <a:t>t know what you</a:t>
+            </a:r>
+            <a:r>
+              <a:rPr lang="en-US" sz="1600" dirty="0">
+                <a:latin typeface="Times New Roman" panose="02020603050405020304" pitchFamily="18" charset="0"/>
+                <a:cs typeface="Times New Roman" panose="02020603050405020304" pitchFamily="18" charset="0"/>
+              </a:rPr>
+              <a:t> a</a:t>
+            </a:r>
+            <a:r>
+              <a:rPr sz="1600" dirty="0">
+                <a:latin typeface="Times New Roman" panose="02020603050405020304" pitchFamily="18" charset="0"/>
+                <a:cs typeface="Times New Roman" panose="02020603050405020304" pitchFamily="18" charset="0"/>
+              </a:rPr>
+              <a:t>re doing C can be dangerous…</a:t>
+            </a:r>
+          </a:p>
+          <a:p>
+            <a:pPr marL="398780" lvl="1" indent="-128905">
+              <a:lnSpc>
+                <a:spcPct val="100000"/>
+              </a:lnSpc>
+              <a:spcBef>
+                <a:spcPts val="80"/>
+              </a:spcBef>
+              <a:buChar char="–"/>
+              <a:tabLst>
+                <a:tab pos="398780" algn="l"/>
+              </a:tabLst>
+            </a:pPr>
+            <a:r>
+              <a:rPr sz="1600" dirty="0">
+                <a:latin typeface="Times New Roman" panose="02020603050405020304" pitchFamily="18" charset="0"/>
+                <a:cs typeface="Times New Roman" panose="02020603050405020304" pitchFamily="18" charset="0"/>
+              </a:rPr>
+              <a:t>There is no type safety like Java or Haskell</a:t>
+            </a:r>
+          </a:p>
+          <a:p>
+            <a:pPr marL="398780" lvl="1" indent="-128905">
+              <a:lnSpc>
+                <a:spcPct val="100000"/>
+              </a:lnSpc>
+              <a:spcBef>
+                <a:spcPts val="120"/>
+              </a:spcBef>
+              <a:buChar char="–"/>
+              <a:tabLst>
+                <a:tab pos="398780" algn="l"/>
+              </a:tabLst>
+            </a:pPr>
+            <a:r>
+              <a:rPr sz="1600" dirty="0">
+                <a:latin typeface="Times New Roman" panose="02020603050405020304" pitchFamily="18" charset="0"/>
+                <a:cs typeface="Times New Roman" panose="02020603050405020304" pitchFamily="18" charset="0"/>
+              </a:rPr>
+              <a:t>You can do strange maths with pointers</a:t>
+            </a:r>
+          </a:p>
+          <a:p>
+            <a:pPr lvl="1">
+              <a:lnSpc>
+                <a:spcPct val="100000"/>
+              </a:lnSpc>
+              <a:spcBef>
+                <a:spcPts val="40"/>
+              </a:spcBef>
+              <a:buFont typeface="Arial MT"/>
+              <a:buChar char="–"/>
+            </a:pPr>
+            <a:endParaRPr sz="1600" dirty="0">
+              <a:latin typeface="Times New Roman" panose="02020603050405020304" pitchFamily="18" charset="0"/>
+              <a:cs typeface="Times New Roman" panose="02020603050405020304" pitchFamily="18" charset="0"/>
+            </a:endParaRPr>
+          </a:p>
+          <a:p>
+            <a:pPr marL="398780" lvl="1" indent="-128905">
+              <a:lnSpc>
+                <a:spcPct val="100000"/>
+              </a:lnSpc>
+              <a:buChar char="–"/>
+              <a:tabLst>
+                <a:tab pos="398780" algn="l"/>
+              </a:tabLst>
+            </a:pPr>
+            <a:r>
+              <a:rPr sz="1600" dirty="0">
+                <a:latin typeface="Times New Roman" panose="02020603050405020304" pitchFamily="18" charset="0"/>
+                <a:cs typeface="Times New Roman" panose="02020603050405020304" pitchFamily="18" charset="0"/>
+              </a:rPr>
+              <a:t>Programmers have been trained to ignore warnings…</a:t>
+            </a:r>
+          </a:p>
+        </p:txBody>
+      </p:sp>
+      <p:sp>
+        <p:nvSpPr>
+          <p:cNvPr id="5" name="Title 5">
+            <a:extLst>
+              <a:ext uri="{FF2B5EF4-FFF2-40B4-BE49-F238E27FC236}">
+                <a16:creationId xmlns:a16="http://schemas.microsoft.com/office/drawing/2014/main" id="{BA061914-B249-9973-3FF3-FACEB3EF7B4C}"/>
+              </a:ext>
+            </a:extLst>
+          </p:cNvPr>
+          <p:cNvSpPr txBox="1">
+            <a:spLocks/>
+          </p:cNvSpPr>
+          <p:nvPr/>
+        </p:nvSpPr>
+        <p:spPr>
+          <a:xfrm>
+            <a:off x="471487" y="76200"/>
+            <a:ext cx="5915025" cy="697706"/>
+          </a:xfrm>
+          <a:prstGeom prst="rect">
+            <a:avLst/>
+          </a:prstGeom>
+        </p:spPr>
+        <p:txBody>
+          <a:bodyPr vert="horz" lIns="91440" tIns="45720" rIns="91440" bIns="45720" rtlCol="0" anchor="ctr">
+            <a:normAutofit/>
+          </a:bodyPr>
+          <a:lstStyle>
+            <a:lvl1pPr algn="l" defTabSz="514350" rtl="0" eaLnBrk="1" latinLnBrk="0" hangingPunct="1">
+              <a:lnSpc>
+                <a:spcPct val="90000"/>
+              </a:lnSpc>
+              <a:spcBef>
+                <a:spcPct val="0"/>
+              </a:spcBef>
+              <a:buNone/>
+              <a:defRPr sz="2475" kern="1200">
+                <a:solidFill>
+                  <a:schemeClr val="tx1"/>
+                </a:solidFill>
+                <a:latin typeface="+mj-lt"/>
+                <a:ea typeface="+mj-ea"/>
+                <a:cs typeface="+mj-cs"/>
+              </a:defRPr>
+            </a:lvl1pPr>
+          </a:lstStyle>
+          <a:p>
+            <a:pPr algn="ctr"/>
+            <a:r>
+              <a:rPr lang="en-US" sz="3200" spc="-5" dirty="0">
+                <a:latin typeface="Times New Roman" panose="02020603050405020304" pitchFamily="18" charset="0"/>
+                <a:cs typeface="Times New Roman" panose="02020603050405020304" pitchFamily="18" charset="0"/>
+              </a:rPr>
+              <a:t>The problem with C (and C++)</a:t>
+            </a:r>
+            <a:endParaRPr lang="en-GB" sz="3200" dirty="0">
+              <a:latin typeface="Times New Roman" panose="02020603050405020304" pitchFamily="18" charset="0"/>
+              <a:cs typeface="Times New Roman" panose="02020603050405020304" pitchFamily="18" charset="0"/>
+            </a:endParaRPr>
+          </a:p>
+        </p:txBody>
+      </p:sp>
+    </p:spTree>
+  </p:cSld>
+  <p:clrMapOvr>
+    <a:masterClrMapping/>
+  </p:clrMapOvr>
+</p:sld>
+</file>
+
+<file path=ppt/slides/slide11.xml><?xml version="1.0" encoding="utf-8"?>
+<p:sld xmlns:a="http://schemas.openxmlformats.org/drawingml/2006/main" xmlns:r="http://schemas.openxmlformats.org/officeDocument/2006/relationships" xmlns:p="http://schemas.openxmlformats.org/presentationml/2006/main">
+  <p:cSld>
+    <p:spTree>
+      <p:nvGrpSpPr>
+        <p:cNvPr id="1" name=""/>
+        <p:cNvGrpSpPr/>
+        <p:nvPr/>
+      </p:nvGrpSpPr>
+      <p:grpSpPr>
+        <a:xfrm>
+          <a:off x="0" y="0"/>
+          <a:ext cx="0" cy="0"/>
+          <a:chOff x="0" y="0"/>
+          <a:chExt cx="0" cy="0"/>
+        </a:xfrm>
+      </p:grpSpPr>
+      <p:sp>
+        <p:nvSpPr>
+          <p:cNvPr id="3" name="object 3"/>
+          <p:cNvSpPr txBox="1"/>
+          <p:nvPr/>
+        </p:nvSpPr>
+        <p:spPr>
+          <a:xfrm>
             <a:off x="356840" y="1333935"/>
-            <a:ext cx="5902325" cy="2627001"/>
+            <a:ext cx="5902325" cy="1803699"/>
           </a:xfrm>
           <a:prstGeom prst="rect">
             <a:avLst/>
@@ -4952,40 +5369,6 @@
                 <a:cs typeface="Times New Roman" panose="02020603050405020304" pitchFamily="18" charset="0"/>
               </a:rPr>
               <a:t>Language standard, compilers, and tools evolve.</a:t>
-            </a:r>
-          </a:p>
-          <a:p>
-            <a:pPr lvl="1">
-              <a:lnSpc>
-                <a:spcPct val="100000"/>
-              </a:lnSpc>
-              <a:spcBef>
-                <a:spcPts val="20"/>
-              </a:spcBef>
-              <a:buFont typeface="Arial MT"/>
-              <a:buChar char="–"/>
-            </a:pPr>
-            <a:endParaRPr sz="1600" dirty="0">
-              <a:latin typeface="Times New Roman" panose="02020603050405020304" pitchFamily="18" charset="0"/>
-              <a:cs typeface="Times New Roman" panose="02020603050405020304" pitchFamily="18" charset="0"/>
-            </a:endParaRPr>
-          </a:p>
-          <a:p>
-            <a:pPr marL="398145" marR="252729" lvl="1" indent="-128905">
-              <a:lnSpc>
-                <a:spcPts val="1490"/>
-              </a:lnSpc>
-              <a:buChar char="–"/>
-              <a:tabLst>
-                <a:tab pos="398780" algn="l"/>
-              </a:tabLst>
-            </a:pPr>
-            <a:r>
-              <a:rPr sz="1600" dirty="0">
-                <a:latin typeface="Times New Roman" panose="02020603050405020304" pitchFamily="18" charset="0"/>
-                <a:cs typeface="Times New Roman" panose="02020603050405020304" pitchFamily="18" charset="0"/>
-              </a:rPr>
-              <a:t>Will the cost of rewriting 30 year old code in a memory safe language  outweigh the bugs you’ll inevitable introduce rewriting it?</a:t>
             </a:r>
           </a:p>
         </p:txBody>
@@ -5060,7 +5443,7 @@
 </p:sld>
 </file>
 
-<file path=ppt/slides/slide11.xml><?xml version="1.0" encoding="utf-8"?>
+<file path=ppt/slides/slide12.xml><?xml version="1.0" encoding="utf-8"?>
 <p:sld xmlns:a="http://schemas.openxmlformats.org/drawingml/2006/main" xmlns:r="http://schemas.openxmlformats.org/officeDocument/2006/relationships" xmlns:p="http://schemas.openxmlformats.org/presentationml/2006/main">
   <p:cSld>
     <p:spTree>
@@ -5085,8 +5468,8 @@
         </p:nvSpPr>
         <p:spPr>
           <a:xfrm>
-            <a:off x="356840" y="1362964"/>
-            <a:ext cx="6109970" cy="1136208"/>
+            <a:off x="374015" y="1409348"/>
+            <a:ext cx="6109970" cy="1074653"/>
           </a:xfrm>
           <a:prstGeom prst="rect">
             <a:avLst/>
@@ -5113,401 +5496,47 @@
               </a:tabLst>
             </a:pPr>
             <a:r>
-              <a:rPr spc="-165" dirty="0">
-                <a:latin typeface="Times New Roman" panose="02020603050405020304" pitchFamily="18" charset="0"/>
-                <a:cs typeface="Times New Roman" panose="02020603050405020304" pitchFamily="18" charset="0"/>
-              </a:rPr>
-              <a:t>Y</a:t>
-            </a:r>
-            <a:r>
-              <a:rPr spc="-15" dirty="0">
-                <a:latin typeface="Times New Roman" panose="02020603050405020304" pitchFamily="18" charset="0"/>
-                <a:cs typeface="Times New Roman" panose="02020603050405020304" pitchFamily="18" charset="0"/>
-              </a:rPr>
-              <a:t>o</a:t>
-            </a:r>
-            <a:r>
-              <a:rPr dirty="0">
-                <a:latin typeface="Times New Roman" panose="02020603050405020304" pitchFamily="18" charset="0"/>
-                <a:cs typeface="Times New Roman" panose="02020603050405020304" pitchFamily="18" charset="0"/>
-              </a:rPr>
-              <a:t>u</a:t>
-            </a:r>
-            <a:r>
-              <a:rPr spc="-25" dirty="0">
-                <a:latin typeface="Times New Roman" panose="02020603050405020304" pitchFamily="18" charset="0"/>
-                <a:cs typeface="Times New Roman" panose="02020603050405020304" pitchFamily="18" charset="0"/>
-              </a:rPr>
-              <a:t> </a:t>
-            </a:r>
-            <a:r>
-              <a:rPr spc="-15" dirty="0">
-                <a:latin typeface="Times New Roman" panose="02020603050405020304" pitchFamily="18" charset="0"/>
-                <a:cs typeface="Times New Roman" panose="02020603050405020304" pitchFamily="18" charset="0"/>
-              </a:rPr>
-              <a:t>ge</a:t>
-            </a:r>
-            <a:r>
-              <a:rPr dirty="0">
-                <a:latin typeface="Times New Roman" panose="02020603050405020304" pitchFamily="18" charset="0"/>
-                <a:cs typeface="Times New Roman" panose="02020603050405020304" pitchFamily="18" charset="0"/>
-              </a:rPr>
-              <a:t>t</a:t>
-            </a:r>
-            <a:r>
-              <a:rPr spc="-15" dirty="0">
-                <a:latin typeface="Times New Roman" panose="02020603050405020304" pitchFamily="18" charset="0"/>
-                <a:cs typeface="Times New Roman" panose="02020603050405020304" pitchFamily="18" charset="0"/>
-              </a:rPr>
-              <a:t> </a:t>
-            </a:r>
-            <a:r>
-              <a:rPr spc="-10" dirty="0">
-                <a:latin typeface="Times New Roman" panose="02020603050405020304" pitchFamily="18" charset="0"/>
-                <a:cs typeface="Times New Roman" panose="02020603050405020304" pitchFamily="18" charset="0"/>
-              </a:rPr>
-              <a:t>t</a:t>
-            </a:r>
-            <a:r>
-              <a:rPr spc="-15" dirty="0">
-                <a:latin typeface="Times New Roman" panose="02020603050405020304" pitchFamily="18" charset="0"/>
-                <a:cs typeface="Times New Roman" panose="02020603050405020304" pitchFamily="18" charset="0"/>
-              </a:rPr>
-              <a:t>o</a:t>
-            </a:r>
-            <a:r>
-              <a:rPr spc="-10" dirty="0">
-                <a:latin typeface="Times New Roman" panose="02020603050405020304" pitchFamily="18" charset="0"/>
-                <a:cs typeface="Times New Roman" panose="02020603050405020304" pitchFamily="18" charset="0"/>
-              </a:rPr>
-              <a:t>l</a:t>
-            </a:r>
-            <a:r>
-              <a:rPr dirty="0">
-                <a:latin typeface="Times New Roman" panose="02020603050405020304" pitchFamily="18" charset="0"/>
-                <a:cs typeface="Times New Roman" panose="02020603050405020304" pitchFamily="18" charset="0"/>
-              </a:rPr>
-              <a:t>d</a:t>
-            </a:r>
-            <a:r>
-              <a:rPr spc="-25" dirty="0">
-                <a:latin typeface="Times New Roman" panose="02020603050405020304" pitchFamily="18" charset="0"/>
-                <a:cs typeface="Times New Roman" panose="02020603050405020304" pitchFamily="18" charset="0"/>
-              </a:rPr>
-              <a:t> </a:t>
-            </a:r>
-            <a:r>
-              <a:rPr spc="-10" dirty="0">
-                <a:latin typeface="Times New Roman" panose="02020603050405020304" pitchFamily="18" charset="0"/>
-                <a:cs typeface="Times New Roman" panose="02020603050405020304" pitchFamily="18" charset="0"/>
-              </a:rPr>
-              <a:t>t</a:t>
-            </a:r>
-            <a:r>
-              <a:rPr spc="-15" dirty="0">
-                <a:latin typeface="Times New Roman" panose="02020603050405020304" pitchFamily="18" charset="0"/>
-                <a:cs typeface="Times New Roman" panose="02020603050405020304" pitchFamily="18" charset="0"/>
-              </a:rPr>
-              <a:t>ha</a:t>
-            </a:r>
-            <a:r>
-              <a:rPr dirty="0">
-                <a:latin typeface="Times New Roman" panose="02020603050405020304" pitchFamily="18" charset="0"/>
-                <a:cs typeface="Times New Roman" panose="02020603050405020304" pitchFamily="18" charset="0"/>
-              </a:rPr>
-              <a:t>t</a:t>
-            </a:r>
-            <a:r>
-              <a:rPr spc="-15" dirty="0">
-                <a:latin typeface="Times New Roman" panose="02020603050405020304" pitchFamily="18" charset="0"/>
-                <a:cs typeface="Times New Roman" panose="02020603050405020304" pitchFamily="18" charset="0"/>
-              </a:rPr>
-              <a:t> </a:t>
-            </a:r>
-            <a:r>
-              <a:rPr spc="-10" dirty="0">
-                <a:latin typeface="Times New Roman" panose="02020603050405020304" pitchFamily="18" charset="0"/>
-                <a:cs typeface="Times New Roman" panose="02020603050405020304" pitchFamily="18" charset="0"/>
-              </a:rPr>
-              <a:t>f</a:t>
-            </a:r>
-            <a:r>
-              <a:rPr spc="-15" dirty="0">
-                <a:latin typeface="Times New Roman" panose="02020603050405020304" pitchFamily="18" charset="0"/>
-                <a:cs typeface="Times New Roman" panose="02020603050405020304" pitchFamily="18" charset="0"/>
-              </a:rPr>
-              <a:t>unc</a:t>
-            </a:r>
-            <a:r>
-              <a:rPr spc="-10" dirty="0">
-                <a:latin typeface="Times New Roman" panose="02020603050405020304" pitchFamily="18" charset="0"/>
-                <a:cs typeface="Times New Roman" panose="02020603050405020304" pitchFamily="18" charset="0"/>
-              </a:rPr>
-              <a:t>ti</a:t>
-            </a:r>
-            <a:r>
-              <a:rPr spc="-15" dirty="0">
-                <a:latin typeface="Times New Roman" panose="02020603050405020304" pitchFamily="18" charset="0"/>
-                <a:cs typeface="Times New Roman" panose="02020603050405020304" pitchFamily="18" charset="0"/>
-              </a:rPr>
-              <a:t>on</a:t>
-            </a:r>
-            <a:r>
-              <a:rPr dirty="0">
-                <a:latin typeface="Times New Roman" panose="02020603050405020304" pitchFamily="18" charset="0"/>
-                <a:cs typeface="Times New Roman" panose="02020603050405020304" pitchFamily="18" charset="0"/>
-              </a:rPr>
-              <a:t>s</a:t>
-            </a:r>
-            <a:r>
-              <a:rPr spc="-20" dirty="0">
-                <a:latin typeface="Times New Roman" panose="02020603050405020304" pitchFamily="18" charset="0"/>
-                <a:cs typeface="Times New Roman" panose="02020603050405020304" pitchFamily="18" charset="0"/>
-              </a:rPr>
-              <a:t> </a:t>
-            </a:r>
-            <a:r>
-              <a:rPr spc="-10" dirty="0">
-                <a:latin typeface="Times New Roman" panose="02020603050405020304" pitchFamily="18" charset="0"/>
-                <a:cs typeface="Times New Roman" panose="02020603050405020304" pitchFamily="18" charset="0"/>
-              </a:rPr>
-              <a:t>li</a:t>
-            </a:r>
-            <a:r>
-              <a:rPr spc="-15" dirty="0">
-                <a:latin typeface="Times New Roman" panose="02020603050405020304" pitchFamily="18" charset="0"/>
-                <a:cs typeface="Times New Roman" panose="02020603050405020304" pitchFamily="18" charset="0"/>
-              </a:rPr>
-              <a:t>k</a:t>
-            </a:r>
-            <a:r>
-              <a:rPr dirty="0">
-                <a:latin typeface="Times New Roman" panose="02020603050405020304" pitchFamily="18" charset="0"/>
-                <a:cs typeface="Times New Roman" panose="02020603050405020304" pitchFamily="18" charset="0"/>
-              </a:rPr>
-              <a:t>e</a:t>
-            </a:r>
-            <a:r>
-              <a:rPr spc="-35" dirty="0">
-                <a:latin typeface="Times New Roman" panose="02020603050405020304" pitchFamily="18" charset="0"/>
-                <a:cs typeface="Times New Roman" panose="02020603050405020304" pitchFamily="18" charset="0"/>
-              </a:rPr>
-              <a:t> </a:t>
-            </a:r>
-            <a:r>
-              <a:rPr spc="-15" dirty="0">
-                <a:latin typeface="Times New Roman" panose="02020603050405020304" pitchFamily="18" charset="0"/>
-                <a:cs typeface="Times New Roman" panose="02020603050405020304" pitchFamily="18" charset="0"/>
-              </a:rPr>
-              <a:t>get</a:t>
-            </a:r>
-            <a:r>
-              <a:rPr dirty="0">
-                <a:latin typeface="Times New Roman" panose="02020603050405020304" pitchFamily="18" charset="0"/>
-                <a:cs typeface="Times New Roman" panose="02020603050405020304" pitchFamily="18" charset="0"/>
-              </a:rPr>
-              <a:t>s</a:t>
-            </a:r>
-            <a:r>
-              <a:rPr spc="-540" dirty="0">
-                <a:latin typeface="Times New Roman" panose="02020603050405020304" pitchFamily="18" charset="0"/>
-                <a:cs typeface="Times New Roman" panose="02020603050405020304" pitchFamily="18" charset="0"/>
-              </a:rPr>
-              <a:t> </a:t>
-            </a:r>
-            <a:r>
-              <a:rPr spc="-15" dirty="0">
-                <a:latin typeface="Times New Roman" panose="02020603050405020304" pitchFamily="18" charset="0"/>
-                <a:cs typeface="Times New Roman" panose="02020603050405020304" pitchFamily="18" charset="0"/>
-              </a:rPr>
-              <a:t>o</a:t>
-            </a:r>
-            <a:r>
-              <a:rPr dirty="0">
-                <a:latin typeface="Times New Roman" panose="02020603050405020304" pitchFamily="18" charset="0"/>
-                <a:cs typeface="Times New Roman" panose="02020603050405020304" pitchFamily="18" charset="0"/>
-              </a:rPr>
-              <a:t>r</a:t>
-            </a:r>
-            <a:r>
-              <a:rPr spc="-15" dirty="0">
-                <a:latin typeface="Times New Roman" panose="02020603050405020304" pitchFamily="18" charset="0"/>
-                <a:cs typeface="Times New Roman" panose="02020603050405020304" pitchFamily="18" charset="0"/>
-              </a:rPr>
-              <a:t> strcp</a:t>
-            </a:r>
-            <a:r>
-              <a:rPr dirty="0">
-                <a:latin typeface="Times New Roman" panose="02020603050405020304" pitchFamily="18" charset="0"/>
-                <a:cs typeface="Times New Roman" panose="02020603050405020304" pitchFamily="18" charset="0"/>
-              </a:rPr>
-              <a:t>y</a:t>
-            </a:r>
-            <a:r>
-              <a:rPr spc="-540" dirty="0">
-                <a:latin typeface="Times New Roman" panose="02020603050405020304" pitchFamily="18" charset="0"/>
-                <a:cs typeface="Times New Roman" panose="02020603050405020304" pitchFamily="18" charset="0"/>
-              </a:rPr>
-              <a:t> </a:t>
-            </a:r>
-            <a:r>
-              <a:rPr spc="-10" dirty="0">
-                <a:latin typeface="Times New Roman" panose="02020603050405020304" pitchFamily="18" charset="0"/>
-                <a:cs typeface="Times New Roman" panose="02020603050405020304" pitchFamily="18" charset="0"/>
-              </a:rPr>
-              <a:t>i</a:t>
-            </a:r>
-            <a:r>
-              <a:rPr dirty="0">
-                <a:latin typeface="Times New Roman" panose="02020603050405020304" pitchFamily="18" charset="0"/>
-                <a:cs typeface="Times New Roman" panose="02020603050405020304" pitchFamily="18" charset="0"/>
-              </a:rPr>
-              <a:t>n</a:t>
-            </a:r>
-            <a:r>
-              <a:rPr spc="-25" dirty="0">
-                <a:latin typeface="Times New Roman" panose="02020603050405020304" pitchFamily="18" charset="0"/>
-                <a:cs typeface="Times New Roman" panose="02020603050405020304" pitchFamily="18" charset="0"/>
-              </a:rPr>
-              <a:t> </a:t>
-            </a:r>
-            <a:r>
-              <a:rPr dirty="0">
-                <a:latin typeface="Times New Roman" panose="02020603050405020304" pitchFamily="18" charset="0"/>
-                <a:cs typeface="Times New Roman" panose="02020603050405020304" pitchFamily="18" charset="0"/>
-              </a:rPr>
-              <a:t>C</a:t>
-            </a:r>
-            <a:r>
-              <a:rPr spc="-25" dirty="0">
-                <a:latin typeface="Times New Roman" panose="02020603050405020304" pitchFamily="18" charset="0"/>
-                <a:cs typeface="Times New Roman" panose="02020603050405020304" pitchFamily="18" charset="0"/>
-              </a:rPr>
-              <a:t> </a:t>
-            </a:r>
-            <a:r>
-              <a:rPr spc="-15" dirty="0">
-                <a:latin typeface="Times New Roman" panose="02020603050405020304" pitchFamily="18" charset="0"/>
-                <a:cs typeface="Times New Roman" panose="02020603050405020304" pitchFamily="18" charset="0"/>
-              </a:rPr>
-              <a:t>a</a:t>
-            </a:r>
-            <a:r>
-              <a:rPr spc="-10" dirty="0">
-                <a:latin typeface="Times New Roman" panose="02020603050405020304" pitchFamily="18" charset="0"/>
-                <a:cs typeface="Times New Roman" panose="02020603050405020304" pitchFamily="18" charset="0"/>
-              </a:rPr>
-              <a:t>r</a:t>
-            </a:r>
-            <a:r>
-              <a:rPr dirty="0">
-                <a:latin typeface="Times New Roman" panose="02020603050405020304" pitchFamily="18" charset="0"/>
-                <a:cs typeface="Times New Roman" panose="02020603050405020304" pitchFamily="18" charset="0"/>
-              </a:rPr>
-              <a:t>e</a:t>
-            </a:r>
-            <a:r>
-              <a:rPr spc="-25" dirty="0">
-                <a:latin typeface="Times New Roman" panose="02020603050405020304" pitchFamily="18" charset="0"/>
-                <a:cs typeface="Times New Roman" panose="02020603050405020304" pitchFamily="18" charset="0"/>
-              </a:rPr>
-              <a:t> </a:t>
-            </a:r>
-            <a:r>
-              <a:rPr i="1" spc="-15" dirty="0">
-                <a:latin typeface="Times New Roman" panose="02020603050405020304" pitchFamily="18" charset="0"/>
-                <a:cs typeface="Times New Roman" panose="02020603050405020304" pitchFamily="18" charset="0"/>
-              </a:rPr>
-              <a:t>dange</a:t>
-            </a:r>
-            <a:r>
-              <a:rPr i="1" spc="-10" dirty="0">
-                <a:latin typeface="Times New Roman" panose="02020603050405020304" pitchFamily="18" charset="0"/>
-                <a:cs typeface="Times New Roman" panose="02020603050405020304" pitchFamily="18" charset="0"/>
-              </a:rPr>
-              <a:t>r</a:t>
-            </a:r>
-            <a:r>
-              <a:rPr i="1" spc="-15" dirty="0">
-                <a:latin typeface="Times New Roman" panose="02020603050405020304" pitchFamily="18" charset="0"/>
-                <a:cs typeface="Times New Roman" panose="02020603050405020304" pitchFamily="18" charset="0"/>
-              </a:rPr>
-              <a:t>ous  </a:t>
-            </a:r>
-            <a:r>
-              <a:rPr i="1" spc="-10" dirty="0">
-                <a:latin typeface="Times New Roman" panose="02020603050405020304" pitchFamily="18" charset="0"/>
-                <a:cs typeface="Times New Roman" panose="02020603050405020304" pitchFamily="18" charset="0"/>
-              </a:rPr>
-              <a:t>and</a:t>
-            </a:r>
-            <a:r>
-              <a:rPr i="1" spc="-30" dirty="0">
-                <a:latin typeface="Times New Roman" panose="02020603050405020304" pitchFamily="18" charset="0"/>
-                <a:cs typeface="Times New Roman" panose="02020603050405020304" pitchFamily="18" charset="0"/>
-              </a:rPr>
-              <a:t> </a:t>
-            </a:r>
-            <a:r>
-              <a:rPr i="1" spc="-15" dirty="0">
-                <a:latin typeface="Times New Roman" panose="02020603050405020304" pitchFamily="18" charset="0"/>
-                <a:cs typeface="Times New Roman" panose="02020603050405020304" pitchFamily="18" charset="0"/>
-              </a:rPr>
-              <a:t>should</a:t>
-            </a:r>
-            <a:r>
-              <a:rPr i="1" spc="-25" dirty="0">
-                <a:latin typeface="Times New Roman" panose="02020603050405020304" pitchFamily="18" charset="0"/>
-                <a:cs typeface="Times New Roman" panose="02020603050405020304" pitchFamily="18" charset="0"/>
-              </a:rPr>
-              <a:t> </a:t>
-            </a:r>
-            <a:r>
-              <a:rPr i="1" spc="-10" dirty="0">
-                <a:latin typeface="Times New Roman" panose="02020603050405020304" pitchFamily="18" charset="0"/>
-                <a:cs typeface="Times New Roman" panose="02020603050405020304" pitchFamily="18" charset="0"/>
-              </a:rPr>
-              <a:t>not</a:t>
-            </a:r>
-            <a:r>
-              <a:rPr i="1" spc="-15" dirty="0">
-                <a:latin typeface="Times New Roman" panose="02020603050405020304" pitchFamily="18" charset="0"/>
-                <a:cs typeface="Times New Roman" panose="02020603050405020304" pitchFamily="18" charset="0"/>
-              </a:rPr>
-              <a:t> </a:t>
-            </a:r>
-            <a:r>
-              <a:rPr i="1" spc="-10" dirty="0">
-                <a:latin typeface="Times New Roman" panose="02020603050405020304" pitchFamily="18" charset="0"/>
-                <a:cs typeface="Times New Roman" panose="02020603050405020304" pitchFamily="18" charset="0"/>
-              </a:rPr>
-              <a:t>be</a:t>
-            </a:r>
-            <a:r>
-              <a:rPr i="1" spc="-25" dirty="0">
-                <a:latin typeface="Times New Roman" panose="02020603050405020304" pitchFamily="18" charset="0"/>
-                <a:cs typeface="Times New Roman" panose="02020603050405020304" pitchFamily="18" charset="0"/>
-              </a:rPr>
-              <a:t> </a:t>
-            </a:r>
-            <a:r>
-              <a:rPr i="1" spc="-15" dirty="0">
-                <a:latin typeface="Times New Roman" panose="02020603050405020304" pitchFamily="18" charset="0"/>
-                <a:cs typeface="Times New Roman" panose="02020603050405020304" pitchFamily="18" charset="0"/>
-              </a:rPr>
-              <a:t>used</a:t>
-            </a:r>
-            <a:r>
-              <a:rPr spc="-15" dirty="0">
-                <a:latin typeface="Times New Roman" panose="02020603050405020304" pitchFamily="18" charset="0"/>
-                <a:cs typeface="Times New Roman" panose="02020603050405020304" pitchFamily="18" charset="0"/>
-              </a:rPr>
-              <a:t>…</a:t>
-            </a:r>
-            <a:endParaRPr dirty="0">
-              <a:latin typeface="Times New Roman" panose="02020603050405020304" pitchFamily="18" charset="0"/>
-              <a:cs typeface="Times New Roman" panose="02020603050405020304" pitchFamily="18" charset="0"/>
-            </a:endParaRPr>
+              <a:rPr sz="1600" dirty="0">
+                <a:latin typeface="Times New Roman" panose="02020603050405020304" pitchFamily="18" charset="0"/>
+                <a:cs typeface="Times New Roman" panose="02020603050405020304" pitchFamily="18" charset="0"/>
+              </a:rPr>
+              <a:t>You get told that functions like </a:t>
+            </a:r>
+            <a:r>
+              <a:rPr sz="1600" i="1" dirty="0">
+                <a:latin typeface="Times New Roman" panose="02020603050405020304" pitchFamily="18" charset="0"/>
+                <a:cs typeface="Times New Roman" panose="02020603050405020304" pitchFamily="18" charset="0"/>
+              </a:rPr>
+              <a:t>gets</a:t>
+            </a:r>
+            <a:r>
+              <a:rPr lang="en-US" sz="1600" dirty="0">
+                <a:latin typeface="Times New Roman" panose="02020603050405020304" pitchFamily="18" charset="0"/>
+                <a:cs typeface="Times New Roman" panose="02020603050405020304" pitchFamily="18" charset="0"/>
+              </a:rPr>
+              <a:t> </a:t>
+            </a:r>
+            <a:r>
+              <a:rPr sz="1600" dirty="0">
+                <a:latin typeface="Times New Roman" panose="02020603050405020304" pitchFamily="18" charset="0"/>
+                <a:cs typeface="Times New Roman" panose="02020603050405020304" pitchFamily="18" charset="0"/>
+              </a:rPr>
+              <a:t>or </a:t>
+            </a:r>
+            <a:r>
+              <a:rPr sz="1600" i="1" dirty="0">
+                <a:latin typeface="Times New Roman" panose="02020603050405020304" pitchFamily="18" charset="0"/>
+                <a:cs typeface="Times New Roman" panose="02020603050405020304" pitchFamily="18" charset="0"/>
+              </a:rPr>
+              <a:t>strcpy</a:t>
+            </a:r>
+            <a:r>
+              <a:rPr sz="1600" dirty="0">
+                <a:latin typeface="Times New Roman" panose="02020603050405020304" pitchFamily="18" charset="0"/>
+                <a:cs typeface="Times New Roman" panose="02020603050405020304" pitchFamily="18" charset="0"/>
+              </a:rPr>
+              <a:t> in C are dangerous  and should not be used…</a:t>
+            </a:r>
           </a:p>
           <a:p>
             <a:pPr marL="141605" indent="-128905">
@@ -5525,107 +5554,12 @@
               </a:tabLst>
             </a:pPr>
             <a:r>
-              <a:rPr spc="-20" dirty="0">
-                <a:latin typeface="Times New Roman" panose="02020603050405020304" pitchFamily="18" charset="0"/>
-                <a:cs typeface="Times New Roman" panose="02020603050405020304" pitchFamily="18" charset="0"/>
-              </a:rPr>
-              <a:t>…some</a:t>
-            </a:r>
-            <a:r>
-              <a:rPr spc="-25" dirty="0">
-                <a:latin typeface="Times New Roman" panose="02020603050405020304" pitchFamily="18" charset="0"/>
-                <a:cs typeface="Times New Roman" panose="02020603050405020304" pitchFamily="18" charset="0"/>
-              </a:rPr>
-              <a:t> </a:t>
-            </a:r>
-            <a:r>
-              <a:rPr spc="-15" dirty="0">
-                <a:latin typeface="Times New Roman" panose="02020603050405020304" pitchFamily="18" charset="0"/>
-                <a:cs typeface="Times New Roman" panose="02020603050405020304" pitchFamily="18" charset="0"/>
-              </a:rPr>
-              <a:t>OSs</a:t>
-            </a:r>
-            <a:r>
-              <a:rPr spc="-20" dirty="0">
-                <a:latin typeface="Times New Roman" panose="02020603050405020304" pitchFamily="18" charset="0"/>
-                <a:cs typeface="Times New Roman" panose="02020603050405020304" pitchFamily="18" charset="0"/>
-              </a:rPr>
-              <a:t> </a:t>
-            </a:r>
-            <a:r>
-              <a:rPr spc="-10" dirty="0">
-                <a:latin typeface="Times New Roman" panose="02020603050405020304" pitchFamily="18" charset="0"/>
-                <a:cs typeface="Times New Roman" panose="02020603050405020304" pitchFamily="18" charset="0"/>
-              </a:rPr>
-              <a:t>will </a:t>
-            </a:r>
-            <a:r>
-              <a:rPr spc="-15" dirty="0">
-                <a:latin typeface="Times New Roman" panose="02020603050405020304" pitchFamily="18" charset="0"/>
-                <a:cs typeface="Times New Roman" panose="02020603050405020304" pitchFamily="18" charset="0"/>
-              </a:rPr>
-              <a:t>even</a:t>
-            </a:r>
-            <a:r>
-              <a:rPr spc="-25" dirty="0">
-                <a:latin typeface="Times New Roman" panose="02020603050405020304" pitchFamily="18" charset="0"/>
-                <a:cs typeface="Times New Roman" panose="02020603050405020304" pitchFamily="18" charset="0"/>
-              </a:rPr>
-              <a:t> </a:t>
-            </a:r>
-            <a:r>
-              <a:rPr spc="-10" dirty="0">
-                <a:latin typeface="Times New Roman" panose="02020603050405020304" pitchFamily="18" charset="0"/>
-                <a:cs typeface="Times New Roman" panose="02020603050405020304" pitchFamily="18" charset="0"/>
-              </a:rPr>
-              <a:t>start </a:t>
-            </a:r>
-            <a:r>
-              <a:rPr spc="-15" dirty="0">
-                <a:latin typeface="Times New Roman" panose="02020603050405020304" pitchFamily="18" charset="0"/>
-                <a:cs typeface="Times New Roman" panose="02020603050405020304" pitchFamily="18" charset="0"/>
-              </a:rPr>
-              <a:t>outputting</a:t>
-            </a:r>
-            <a:r>
-              <a:rPr spc="-25" dirty="0">
-                <a:latin typeface="Times New Roman" panose="02020603050405020304" pitchFamily="18" charset="0"/>
-                <a:cs typeface="Times New Roman" panose="02020603050405020304" pitchFamily="18" charset="0"/>
-              </a:rPr>
-              <a:t> </a:t>
-            </a:r>
-            <a:r>
-              <a:rPr spc="-15" dirty="0">
-                <a:latin typeface="Times New Roman" panose="02020603050405020304" pitchFamily="18" charset="0"/>
-                <a:cs typeface="Times New Roman" panose="02020603050405020304" pitchFamily="18" charset="0"/>
-              </a:rPr>
-              <a:t>warnings </a:t>
-            </a:r>
-            <a:r>
-              <a:rPr spc="-5" dirty="0">
-                <a:latin typeface="Times New Roman" panose="02020603050405020304" pitchFamily="18" charset="0"/>
-                <a:cs typeface="Times New Roman" panose="02020603050405020304" pitchFamily="18" charset="0"/>
-              </a:rPr>
-              <a:t>to</a:t>
-            </a:r>
-            <a:r>
-              <a:rPr spc="-25" dirty="0">
-                <a:latin typeface="Times New Roman" panose="02020603050405020304" pitchFamily="18" charset="0"/>
-                <a:cs typeface="Times New Roman" panose="02020603050405020304" pitchFamily="18" charset="0"/>
-              </a:rPr>
-              <a:t> </a:t>
-            </a:r>
-            <a:r>
-              <a:rPr spc="-15" dirty="0">
-                <a:latin typeface="Times New Roman" panose="02020603050405020304" pitchFamily="18" charset="0"/>
-                <a:cs typeface="Times New Roman" panose="02020603050405020304" pitchFamily="18" charset="0"/>
-              </a:rPr>
-              <a:t>users!?</a:t>
-            </a:r>
-            <a:endParaRPr dirty="0">
-              <a:latin typeface="Times New Roman" panose="02020603050405020304" pitchFamily="18" charset="0"/>
-              <a:cs typeface="Times New Roman" panose="02020603050405020304" pitchFamily="18" charset="0"/>
-            </a:endParaRPr>
+              <a:rPr sz="1600" dirty="0">
+                <a:latin typeface="Times New Roman" panose="02020603050405020304" pitchFamily="18" charset="0"/>
+                <a:cs typeface="Times New Roman" panose="02020603050405020304" pitchFamily="18" charset="0"/>
+              </a:rPr>
+              <a:t>…some OSs will even start outputting warnings to users!?</a:t>
+            </a:r>
           </a:p>
           <a:p>
             <a:pPr marL="141605" indent="-128905">
@@ -5643,16 +5577,12 @@
               </a:tabLst>
             </a:pPr>
             <a:r>
-              <a:rPr spc="-15" dirty="0">
+              <a:rPr sz="1600" dirty="0">
                 <a:latin typeface="Times New Roman" panose="02020603050405020304" pitchFamily="18" charset="0"/>
                 <a:cs typeface="Times New Roman" panose="02020603050405020304" pitchFamily="18" charset="0"/>
               </a:rPr>
               <a:t>…why?</a:t>
             </a:r>
-            <a:endParaRPr dirty="0">
-              <a:latin typeface="Times New Roman" panose="02020603050405020304" pitchFamily="18" charset="0"/>
-              <a:cs typeface="Times New Roman" panose="02020603050405020304" pitchFamily="18" charset="0"/>
-            </a:endParaRPr>
           </a:p>
         </p:txBody>
       </p:sp>
@@ -5874,7 +5804,7 @@
 </p:sld>
 </file>
 
-<file path=ppt/slides/slide12.xml><?xml version="1.0" encoding="utf-8"?>
+<file path=ppt/slides/slide13.xml><?xml version="1.0" encoding="utf-8"?>
 <p:sld xmlns:a="http://schemas.openxmlformats.org/drawingml/2006/main" xmlns:r="http://schemas.openxmlformats.org/officeDocument/2006/relationships" xmlns:p="http://schemas.openxmlformats.org/presentationml/2006/main">
   <p:cSld>
     <p:spTree>
@@ -6399,7 +6329,7 @@
 </p:sld>
 </file>
 
-<file path=ppt/slides/slide13.xml><?xml version="1.0" encoding="utf-8"?>
+<file path=ppt/slides/slide14.xml><?xml version="1.0" encoding="utf-8"?>
 <p:sld xmlns:a="http://schemas.openxmlformats.org/drawingml/2006/main" xmlns:r="http://schemas.openxmlformats.org/officeDocument/2006/relationships" xmlns:p="http://schemas.openxmlformats.org/presentationml/2006/main">
   <p:cSld>
     <p:spTree>
@@ -7198,7 +7128,7 @@
 </p:sld>
 </file>
 
-<file path=ppt/slides/slide14.xml><?xml version="1.0" encoding="utf-8"?>
+<file path=ppt/slides/slide15.xml><?xml version="1.0" encoding="utf-8"?>
 <p:sld xmlns:a="http://schemas.openxmlformats.org/drawingml/2006/main" xmlns:r="http://schemas.openxmlformats.org/officeDocument/2006/relationships" xmlns:p="http://schemas.openxmlformats.org/presentationml/2006/main">
   <p:cSld>
     <p:spTree>
@@ -7329,7 +7259,7 @@
 </p:sld>
 </file>
 
-<file path=ppt/slides/slide15.xml><?xml version="1.0" encoding="utf-8"?>
+<file path=ppt/slides/slide16.xml><?xml version="1.0" encoding="utf-8"?>
 <p:sld xmlns:a="http://schemas.openxmlformats.org/drawingml/2006/main" xmlns:r="http://schemas.openxmlformats.org/officeDocument/2006/relationships" xmlns:p="http://schemas.openxmlformats.org/presentationml/2006/main">
   <p:cSld>
     <p:spTree>
@@ -7361,612 +7291,6 @@
         <p:spPr>
           <a:xfrm>
             <a:off x="320686" y="1372228"/>
-            <a:ext cx="6088008" cy="2786764"/>
-          </a:xfrm>
-          <a:prstGeom prst="rect">
-            <a:avLst/>
-          </a:prstGeom>
-        </p:spPr>
-      </p:pic>
-    </p:spTree>
-  </p:cSld>
-  <p:clrMapOvr>
-    <a:masterClrMapping/>
-  </p:clrMapOvr>
-</p:sld>
-</file>
-
-<file path=ppt/slides/slide16.xml><?xml version="1.0" encoding="utf-8"?>
-<p:sld xmlns:a="http://schemas.openxmlformats.org/drawingml/2006/main" xmlns:r="http://schemas.openxmlformats.org/officeDocument/2006/relationships" xmlns:p="http://schemas.openxmlformats.org/presentationml/2006/main">
-  <p:cSld>
-    <p:spTree>
-      <p:nvGrpSpPr>
-        <p:cNvPr id="1" name=""/>
-        <p:cNvGrpSpPr/>
-        <p:nvPr/>
-      </p:nvGrpSpPr>
-      <p:grpSpPr>
-        <a:xfrm>
-          <a:off x="0" y="0"/>
-          <a:ext cx="0" cy="0"/>
-          <a:chOff x="0" y="0"/>
-          <a:chExt cx="0" cy="0"/>
-        </a:xfrm>
-      </p:grpSpPr>
-      <p:sp>
-        <p:nvSpPr>
-          <p:cNvPr id="2" name="object 2"/>
-          <p:cNvSpPr txBox="1"/>
-          <p:nvPr/>
-        </p:nvSpPr>
-        <p:spPr>
-          <a:xfrm>
-            <a:off x="356840" y="3188716"/>
-            <a:ext cx="711200" cy="330200"/>
-          </a:xfrm>
-          <a:prstGeom prst="rect">
-            <a:avLst/>
-          </a:prstGeom>
-        </p:spPr>
-        <p:txBody>
-          <a:bodyPr vert="horz" wrap="square" lIns="0" tIns="12700" rIns="0" bIns="0" rtlCol="0">
-            <a:spAutoFit/>
-          </a:bodyPr>
-          <a:lstStyle/>
-          <a:p>
-            <a:pPr marL="12700" marR="5080">
-              <a:lnSpc>
-                <a:spcPct val="100000"/>
-              </a:lnSpc>
-              <a:spcBef>
-                <a:spcPts val="100"/>
-              </a:spcBef>
-            </a:pPr>
-            <a:r>
-              <a:rPr sz="1000" spc="-5" dirty="0">
-                <a:latin typeface="Courier New"/>
-                <a:cs typeface="Courier New"/>
-              </a:rPr>
-              <a:t>bottom</a:t>
-            </a:r>
-            <a:r>
-              <a:rPr sz="1000" spc="-85" dirty="0">
-                <a:latin typeface="Courier New"/>
-                <a:cs typeface="Courier New"/>
-              </a:rPr>
-              <a:t> </a:t>
-            </a:r>
-            <a:r>
-              <a:rPr sz="1000" spc="-5" dirty="0">
-                <a:latin typeface="Courier New"/>
-                <a:cs typeface="Courier New"/>
-              </a:rPr>
-              <a:t>of </a:t>
-            </a:r>
-            <a:r>
-              <a:rPr sz="1000" spc="-585" dirty="0">
-                <a:latin typeface="Courier New"/>
-                <a:cs typeface="Courier New"/>
-              </a:rPr>
-              <a:t> </a:t>
-            </a:r>
-            <a:r>
-              <a:rPr sz="1000" spc="-5" dirty="0">
-                <a:latin typeface="Courier New"/>
-                <a:cs typeface="Courier New"/>
-              </a:rPr>
-              <a:t>memory</a:t>
-            </a:r>
-            <a:endParaRPr sz="1000">
-              <a:latin typeface="Courier New"/>
-              <a:cs typeface="Courier New"/>
-            </a:endParaRPr>
-          </a:p>
-        </p:txBody>
-      </p:sp>
-      <p:sp>
-        <p:nvSpPr>
-          <p:cNvPr id="3" name="object 3"/>
-          <p:cNvSpPr txBox="1"/>
-          <p:nvPr/>
-        </p:nvSpPr>
-        <p:spPr>
-          <a:xfrm>
-            <a:off x="5614587" y="3188716"/>
-            <a:ext cx="483234" cy="330200"/>
-          </a:xfrm>
-          <a:prstGeom prst="rect">
-            <a:avLst/>
-          </a:prstGeom>
-        </p:spPr>
-        <p:txBody>
-          <a:bodyPr vert="horz" wrap="square" lIns="0" tIns="12700" rIns="0" bIns="0" rtlCol="0">
-            <a:spAutoFit/>
-          </a:bodyPr>
-          <a:lstStyle/>
-          <a:p>
-            <a:pPr marL="12700" marR="5080" indent="-635">
-              <a:lnSpc>
-                <a:spcPct val="100000"/>
-              </a:lnSpc>
-              <a:spcBef>
-                <a:spcPts val="100"/>
-              </a:spcBef>
-            </a:pPr>
-            <a:r>
-              <a:rPr sz="1000" spc="-5" dirty="0">
-                <a:latin typeface="Courier New"/>
-                <a:cs typeface="Courier New"/>
-              </a:rPr>
-              <a:t>top</a:t>
-            </a:r>
-            <a:r>
-              <a:rPr sz="1000" spc="-90" dirty="0">
-                <a:latin typeface="Courier New"/>
-                <a:cs typeface="Courier New"/>
-              </a:rPr>
-              <a:t> </a:t>
-            </a:r>
-            <a:r>
-              <a:rPr sz="1000" spc="-5" dirty="0">
-                <a:latin typeface="Courier New"/>
-                <a:cs typeface="Courier New"/>
-              </a:rPr>
-              <a:t>of </a:t>
-            </a:r>
-            <a:r>
-              <a:rPr sz="1000" spc="-585" dirty="0">
-                <a:latin typeface="Courier New"/>
-                <a:cs typeface="Courier New"/>
-              </a:rPr>
-              <a:t> </a:t>
-            </a:r>
-            <a:r>
-              <a:rPr sz="1000" spc="-5" dirty="0">
-                <a:latin typeface="Courier New"/>
-                <a:cs typeface="Courier New"/>
-              </a:rPr>
-              <a:t>memory</a:t>
-            </a:r>
-            <a:endParaRPr sz="1000">
-              <a:latin typeface="Courier New"/>
-              <a:cs typeface="Courier New"/>
-            </a:endParaRPr>
-          </a:p>
-        </p:txBody>
-      </p:sp>
-      <p:sp>
-        <p:nvSpPr>
-          <p:cNvPr id="4" name="object 4"/>
-          <p:cNvSpPr txBox="1"/>
-          <p:nvPr/>
-        </p:nvSpPr>
-        <p:spPr>
-          <a:xfrm>
-            <a:off x="1652239" y="3493516"/>
-            <a:ext cx="1701800" cy="330200"/>
-          </a:xfrm>
-          <a:prstGeom prst="rect">
-            <a:avLst/>
-          </a:prstGeom>
-        </p:spPr>
-        <p:txBody>
-          <a:bodyPr vert="horz" wrap="square" lIns="0" tIns="12700" rIns="0" bIns="0" rtlCol="0">
-            <a:spAutoFit/>
-          </a:bodyPr>
-          <a:lstStyle/>
-          <a:p>
-            <a:pPr marL="88900">
-              <a:lnSpc>
-                <a:spcPct val="100000"/>
-              </a:lnSpc>
-              <a:spcBef>
-                <a:spcPts val="100"/>
-              </a:spcBef>
-              <a:tabLst>
-                <a:tab pos="1459865" algn="l"/>
-              </a:tabLst>
-            </a:pPr>
-            <a:r>
-              <a:rPr sz="1000" spc="-5" dirty="0">
-                <a:latin typeface="Courier New"/>
-                <a:cs typeface="Courier New"/>
-              </a:rPr>
-              <a:t>buffe</a:t>
-            </a:r>
-            <a:r>
-              <a:rPr sz="1000" dirty="0">
-                <a:latin typeface="Courier New"/>
-                <a:cs typeface="Courier New"/>
-              </a:rPr>
-              <a:t>r	</a:t>
-            </a:r>
-            <a:r>
-              <a:rPr sz="1000" spc="-5" dirty="0">
-                <a:latin typeface="Courier New"/>
-                <a:cs typeface="Courier New"/>
-              </a:rPr>
-              <a:t>sfp</a:t>
-            </a:r>
-            <a:endParaRPr sz="1000" dirty="0">
-              <a:latin typeface="Courier New"/>
-              <a:cs typeface="Courier New"/>
-            </a:endParaRPr>
-          </a:p>
-          <a:p>
-            <a:pPr marL="12700">
-              <a:lnSpc>
-                <a:spcPct val="100000"/>
-              </a:lnSpc>
-            </a:pPr>
-            <a:r>
-              <a:rPr sz="1000" spc="-5" dirty="0">
-                <a:latin typeface="Courier New"/>
-                <a:cs typeface="Courier New"/>
-              </a:rPr>
-              <a:t>[AAAAAAAAAAAAAAAA][</a:t>
-            </a:r>
-            <a:endParaRPr sz="1000" dirty="0">
-              <a:latin typeface="Courier New"/>
-              <a:cs typeface="Courier New"/>
-            </a:endParaRPr>
-          </a:p>
-        </p:txBody>
-      </p:sp>
-      <p:sp>
-        <p:nvSpPr>
-          <p:cNvPr id="5" name="object 5"/>
-          <p:cNvSpPr txBox="1"/>
-          <p:nvPr/>
-        </p:nvSpPr>
-        <p:spPr>
-          <a:xfrm>
-            <a:off x="356840" y="3645916"/>
-            <a:ext cx="558800" cy="177800"/>
-          </a:xfrm>
-          <a:prstGeom prst="rect">
-            <a:avLst/>
-          </a:prstGeom>
-        </p:spPr>
-        <p:txBody>
-          <a:bodyPr vert="horz" wrap="square" lIns="0" tIns="12700" rIns="0" bIns="0" rtlCol="0">
-            <a:spAutoFit/>
-          </a:bodyPr>
-          <a:lstStyle/>
-          <a:p>
-            <a:pPr marL="12700">
-              <a:lnSpc>
-                <a:spcPct val="100000"/>
-              </a:lnSpc>
-              <a:spcBef>
-                <a:spcPts val="100"/>
-              </a:spcBef>
-            </a:pPr>
-            <a:r>
-              <a:rPr sz="1000" spc="-5" dirty="0">
-                <a:latin typeface="Courier New"/>
-                <a:cs typeface="Courier New"/>
-              </a:rPr>
-              <a:t>&lt;------</a:t>
-            </a:r>
-            <a:endParaRPr sz="1000">
-              <a:latin typeface="Courier New"/>
-              <a:cs typeface="Courier New"/>
-            </a:endParaRPr>
-          </a:p>
-        </p:txBody>
-      </p:sp>
-      <p:sp>
-        <p:nvSpPr>
-          <p:cNvPr id="6" name="object 6"/>
-          <p:cNvSpPr txBox="1"/>
-          <p:nvPr/>
-        </p:nvSpPr>
-        <p:spPr>
-          <a:xfrm>
-            <a:off x="3404716" y="3645916"/>
-            <a:ext cx="177800" cy="177800"/>
-          </a:xfrm>
-          <a:prstGeom prst="rect">
-            <a:avLst/>
-          </a:prstGeom>
-        </p:spPr>
-        <p:txBody>
-          <a:bodyPr vert="horz" wrap="square" lIns="0" tIns="12700" rIns="0" bIns="0" rtlCol="0">
-            <a:spAutoFit/>
-          </a:bodyPr>
-          <a:lstStyle/>
-          <a:p>
-            <a:pPr marL="12700">
-              <a:lnSpc>
-                <a:spcPct val="100000"/>
-              </a:lnSpc>
-              <a:spcBef>
-                <a:spcPts val="100"/>
-              </a:spcBef>
-            </a:pPr>
-            <a:r>
-              <a:rPr sz="1000" spc="-5" dirty="0">
-                <a:latin typeface="Courier New"/>
-                <a:cs typeface="Courier New"/>
-              </a:rPr>
-              <a:t>][</a:t>
-            </a:r>
-            <a:endParaRPr sz="1000">
-              <a:latin typeface="Courier New"/>
-              <a:cs typeface="Courier New"/>
-            </a:endParaRPr>
-          </a:p>
-        </p:txBody>
-      </p:sp>
-      <p:sp>
-        <p:nvSpPr>
-          <p:cNvPr id="7" name="object 7"/>
-          <p:cNvSpPr txBox="1"/>
-          <p:nvPr/>
-        </p:nvSpPr>
-        <p:spPr>
-          <a:xfrm>
-            <a:off x="3861903" y="3645916"/>
-            <a:ext cx="177800" cy="177800"/>
-          </a:xfrm>
-          <a:prstGeom prst="rect">
-            <a:avLst/>
-          </a:prstGeom>
-        </p:spPr>
-        <p:txBody>
-          <a:bodyPr vert="horz" wrap="square" lIns="0" tIns="12700" rIns="0" bIns="0" rtlCol="0">
-            <a:spAutoFit/>
-          </a:bodyPr>
-          <a:lstStyle/>
-          <a:p>
-            <a:pPr marL="12700">
-              <a:lnSpc>
-                <a:spcPct val="100000"/>
-              </a:lnSpc>
-              <a:spcBef>
-                <a:spcPts val="100"/>
-              </a:spcBef>
-            </a:pPr>
-            <a:r>
-              <a:rPr sz="1000" spc="-5" dirty="0">
-                <a:latin typeface="Courier New"/>
-                <a:cs typeface="Courier New"/>
-              </a:rPr>
-              <a:t>][</a:t>
-            </a:r>
-            <a:endParaRPr sz="1000">
-              <a:latin typeface="Courier New"/>
-              <a:cs typeface="Courier New"/>
-            </a:endParaRPr>
-          </a:p>
-        </p:txBody>
-      </p:sp>
-      <p:sp>
-        <p:nvSpPr>
-          <p:cNvPr id="8" name="object 8"/>
-          <p:cNvSpPr txBox="1"/>
-          <p:nvPr/>
-        </p:nvSpPr>
-        <p:spPr>
-          <a:xfrm>
-            <a:off x="3557239" y="3493516"/>
-            <a:ext cx="864235" cy="330200"/>
-          </a:xfrm>
-          <a:prstGeom prst="rect">
-            <a:avLst/>
-          </a:prstGeom>
-        </p:spPr>
-        <p:txBody>
-          <a:bodyPr vert="horz" wrap="square" lIns="0" tIns="12700" rIns="0" bIns="0" rtlCol="0">
-            <a:spAutoFit/>
-          </a:bodyPr>
-          <a:lstStyle/>
-          <a:p>
-            <a:pPr marL="12700">
-              <a:lnSpc>
-                <a:spcPct val="100000"/>
-              </a:lnSpc>
-              <a:spcBef>
-                <a:spcPts val="100"/>
-              </a:spcBef>
-              <a:tabLst>
-                <a:tab pos="469265" algn="l"/>
-              </a:tabLst>
-            </a:pPr>
-            <a:r>
-              <a:rPr sz="1000" spc="-5" dirty="0">
-                <a:latin typeface="Courier New"/>
-                <a:cs typeface="Courier New"/>
-              </a:rPr>
-              <a:t>ret	*str</a:t>
-            </a:r>
-            <a:endParaRPr sz="1000">
-              <a:latin typeface="Courier New"/>
-              <a:cs typeface="Courier New"/>
-            </a:endParaRPr>
-          </a:p>
-          <a:p>
-            <a:pPr marL="774065">
-              <a:lnSpc>
-                <a:spcPct val="100000"/>
-              </a:lnSpc>
-            </a:pPr>
-            <a:r>
-              <a:rPr sz="1000" dirty="0">
-                <a:latin typeface="Courier New"/>
-                <a:cs typeface="Courier New"/>
-              </a:rPr>
-              <a:t>]</a:t>
-            </a:r>
-            <a:endParaRPr sz="1000">
-              <a:latin typeface="Courier New"/>
-              <a:cs typeface="Courier New"/>
-            </a:endParaRPr>
-          </a:p>
-        </p:txBody>
-      </p:sp>
-      <p:sp>
-        <p:nvSpPr>
-          <p:cNvPr id="9" name="object 9"/>
-          <p:cNvSpPr txBox="1"/>
-          <p:nvPr/>
-        </p:nvSpPr>
-        <p:spPr>
-          <a:xfrm>
-            <a:off x="356840" y="3950716"/>
-            <a:ext cx="482600" cy="330200"/>
-          </a:xfrm>
-          <a:prstGeom prst="rect">
-            <a:avLst/>
-          </a:prstGeom>
-        </p:spPr>
-        <p:txBody>
-          <a:bodyPr vert="horz" wrap="square" lIns="0" tIns="12700" rIns="0" bIns="0" rtlCol="0">
-            <a:spAutoFit/>
-          </a:bodyPr>
-          <a:lstStyle/>
-          <a:p>
-            <a:pPr marL="12700" marR="5080">
-              <a:lnSpc>
-                <a:spcPct val="100000"/>
-              </a:lnSpc>
-              <a:spcBef>
-                <a:spcPts val="100"/>
-              </a:spcBef>
-            </a:pPr>
-            <a:r>
-              <a:rPr sz="1000" spc="-5" dirty="0">
-                <a:latin typeface="Courier New"/>
-                <a:cs typeface="Courier New"/>
-              </a:rPr>
-              <a:t>top</a:t>
-            </a:r>
-            <a:r>
-              <a:rPr sz="1000" spc="-90" dirty="0">
-                <a:latin typeface="Courier New"/>
-                <a:cs typeface="Courier New"/>
-              </a:rPr>
-              <a:t> </a:t>
-            </a:r>
-            <a:r>
-              <a:rPr sz="1000" spc="-5" dirty="0">
-                <a:latin typeface="Courier New"/>
-                <a:cs typeface="Courier New"/>
-              </a:rPr>
-              <a:t>of </a:t>
-            </a:r>
-            <a:r>
-              <a:rPr sz="1000" spc="-585" dirty="0">
-                <a:latin typeface="Courier New"/>
-                <a:cs typeface="Courier New"/>
-              </a:rPr>
-              <a:t> </a:t>
-            </a:r>
-            <a:r>
-              <a:rPr sz="1000" spc="-5" dirty="0">
-                <a:latin typeface="Courier New"/>
-                <a:cs typeface="Courier New"/>
-              </a:rPr>
-              <a:t>stack</a:t>
-            </a:r>
-            <a:endParaRPr sz="1000">
-              <a:latin typeface="Courier New"/>
-              <a:cs typeface="Courier New"/>
-            </a:endParaRPr>
-          </a:p>
-        </p:txBody>
-      </p:sp>
-      <p:sp>
-        <p:nvSpPr>
-          <p:cNvPr id="10" name="object 10"/>
-          <p:cNvSpPr txBox="1"/>
-          <p:nvPr/>
-        </p:nvSpPr>
-        <p:spPr>
-          <a:xfrm>
-            <a:off x="5386007" y="3950716"/>
-            <a:ext cx="711200" cy="330200"/>
-          </a:xfrm>
-          <a:prstGeom prst="rect">
-            <a:avLst/>
-          </a:prstGeom>
-        </p:spPr>
-        <p:txBody>
-          <a:bodyPr vert="horz" wrap="square" lIns="0" tIns="12700" rIns="0" bIns="0" rtlCol="0">
-            <a:spAutoFit/>
-          </a:bodyPr>
-          <a:lstStyle/>
-          <a:p>
-            <a:pPr marR="5080" algn="r">
-              <a:lnSpc>
-                <a:spcPct val="100000"/>
-              </a:lnSpc>
-              <a:spcBef>
-                <a:spcPts val="100"/>
-              </a:spcBef>
-            </a:pPr>
-            <a:r>
-              <a:rPr sz="1000" spc="-5" dirty="0">
-                <a:latin typeface="Courier New"/>
-                <a:cs typeface="Courier New"/>
-              </a:rPr>
-              <a:t>bottom</a:t>
-            </a:r>
-            <a:r>
-              <a:rPr sz="1000" spc="-85" dirty="0">
-                <a:latin typeface="Courier New"/>
-                <a:cs typeface="Courier New"/>
-              </a:rPr>
-              <a:t> </a:t>
-            </a:r>
-            <a:r>
-              <a:rPr sz="1000" spc="-5" dirty="0">
-                <a:latin typeface="Courier New"/>
-                <a:cs typeface="Courier New"/>
-              </a:rPr>
-              <a:t>of</a:t>
-            </a:r>
-            <a:endParaRPr sz="1000">
-              <a:latin typeface="Courier New"/>
-              <a:cs typeface="Courier New"/>
-            </a:endParaRPr>
-          </a:p>
-          <a:p>
-            <a:pPr marR="5080" algn="r">
-              <a:lnSpc>
-                <a:spcPct val="100000"/>
-              </a:lnSpc>
-            </a:pPr>
-            <a:r>
-              <a:rPr sz="1000" spc="-5" dirty="0">
-                <a:latin typeface="Courier New"/>
-                <a:cs typeface="Courier New"/>
-              </a:rPr>
-              <a:t>stack</a:t>
-            </a:r>
-            <a:endParaRPr sz="1000">
-              <a:latin typeface="Courier New"/>
-              <a:cs typeface="Courier New"/>
-            </a:endParaRPr>
-          </a:p>
-        </p:txBody>
-      </p:sp>
-      <p:pic>
-        <p:nvPicPr>
-          <p:cNvPr id="11" name="object 11"/>
-          <p:cNvPicPr/>
-          <p:nvPr/>
-        </p:nvPicPr>
-        <p:blipFill>
-          <a:blip r:embed="rId2" cstate="print"/>
-          <a:stretch>
-            <a:fillRect/>
-          </a:stretch>
-        </p:blipFill>
-        <p:spPr>
-          <a:xfrm>
-            <a:off x="320973" y="273843"/>
             <a:ext cx="6088008" cy="2786764"/>
           </a:xfrm>
           <a:prstGeom prst="rect">
@@ -8150,7 +7474,7 @@
         <p:spPr>
           <a:xfrm>
             <a:off x="1652239" y="3493516"/>
-            <a:ext cx="2769235" cy="330200"/>
+            <a:ext cx="1701800" cy="330200"/>
           </a:xfrm>
           <a:prstGeom prst="rect">
             <a:avLst/>
@@ -8162,7 +7486,7 @@
           </a:bodyPr>
           <a:lstStyle/>
           <a:p>
-            <a:pPr marL="12700" marR="5080" indent="76200">
+            <a:pPr marL="88900">
               <a:lnSpc>
                 <a:spcPct val="100000"/>
               </a:lnSpc>
@@ -8171,10 +7495,6 @@
               </a:spcBef>
               <a:tabLst>
                 <a:tab pos="1459865" algn="l"/>
-                <a:tab pos="1917064" algn="l"/>
-                <a:tab pos="2221865" algn="l"/>
-                <a:tab pos="2374265" algn="l"/>
-                <a:tab pos="2679065" algn="l"/>
               </a:tabLst>
             </a:pPr>
             <a:r>
@@ -8182,30 +7502,41 @@
                 <a:latin typeface="Courier New"/>
                 <a:cs typeface="Courier New"/>
               </a:rPr>
-              <a:t>buffer	sfp	ret		*str </a:t>
-            </a:r>
-            <a:r>
-              <a:rPr sz="1000" spc="-590" dirty="0">
+              <a:t>buffe</a:t>
+            </a:r>
+            <a:r>
+              <a:rPr sz="1000" dirty="0">
                 <a:latin typeface="Courier New"/>
                 <a:cs typeface="Courier New"/>
               </a:rPr>
-              <a:t> </a:t>
+              <a:t>r	</a:t>
             </a:r>
             <a:r>
               <a:rPr sz="1000" spc="-5" dirty="0">
                 <a:latin typeface="Courier New"/>
                 <a:cs typeface="Courier New"/>
               </a:rPr>
-              <a:t>[AAAAAAAAAAAAAAAA][AAAA][	][	</a:t>
-            </a:r>
-            <a:r>
-              <a:rPr sz="1000" dirty="0">
+              <a:t>sfp</a:t>
+            </a:r>
+            <a:endParaRPr sz="1000" dirty="0">
+              <a:latin typeface="Courier New"/>
+              <a:cs typeface="Courier New"/>
+            </a:endParaRPr>
+          </a:p>
+          <a:p>
+            <a:pPr marL="12700">
+              <a:lnSpc>
+                <a:spcPct val="100000"/>
+              </a:lnSpc>
+            </a:pPr>
+            <a:r>
+              <a:rPr sz="1000" spc="-5" dirty="0">
                 <a:latin typeface="Courier New"/>
                 <a:cs typeface="Courier New"/>
               </a:rPr>
-              <a:t>]</a:t>
-            </a:r>
-            <a:endParaRPr sz="1000">
+              <a:t>[AAAAAAAAAAAAAAAA][</a:t>
+            </a:r>
+            <a:endParaRPr sz="1000" dirty="0">
               <a:latin typeface="Courier New"/>
               <a:cs typeface="Courier New"/>
             </a:endParaRPr>
@@ -8263,6 +7594,156 @@
         </p:nvSpPr>
         <p:spPr>
           <a:xfrm>
+            <a:off x="3404716" y="3645916"/>
+            <a:ext cx="177800" cy="177800"/>
+          </a:xfrm>
+          <a:prstGeom prst="rect">
+            <a:avLst/>
+          </a:prstGeom>
+        </p:spPr>
+        <p:txBody>
+          <a:bodyPr vert="horz" wrap="square" lIns="0" tIns="12700" rIns="0" bIns="0" rtlCol="0">
+            <a:spAutoFit/>
+          </a:bodyPr>
+          <a:lstStyle/>
+          <a:p>
+            <a:pPr marL="12700">
+              <a:lnSpc>
+                <a:spcPct val="100000"/>
+              </a:lnSpc>
+              <a:spcBef>
+                <a:spcPts val="100"/>
+              </a:spcBef>
+            </a:pPr>
+            <a:r>
+              <a:rPr sz="1000" spc="-5" dirty="0">
+                <a:latin typeface="Courier New"/>
+                <a:cs typeface="Courier New"/>
+              </a:rPr>
+              <a:t>][</a:t>
+            </a:r>
+            <a:endParaRPr sz="1000">
+              <a:latin typeface="Courier New"/>
+              <a:cs typeface="Courier New"/>
+            </a:endParaRPr>
+          </a:p>
+        </p:txBody>
+      </p:sp>
+      <p:sp>
+        <p:nvSpPr>
+          <p:cNvPr id="7" name="object 7"/>
+          <p:cNvSpPr txBox="1"/>
+          <p:nvPr/>
+        </p:nvSpPr>
+        <p:spPr>
+          <a:xfrm>
+            <a:off x="3861903" y="3645916"/>
+            <a:ext cx="177800" cy="177800"/>
+          </a:xfrm>
+          <a:prstGeom prst="rect">
+            <a:avLst/>
+          </a:prstGeom>
+        </p:spPr>
+        <p:txBody>
+          <a:bodyPr vert="horz" wrap="square" lIns="0" tIns="12700" rIns="0" bIns="0" rtlCol="0">
+            <a:spAutoFit/>
+          </a:bodyPr>
+          <a:lstStyle/>
+          <a:p>
+            <a:pPr marL="12700">
+              <a:lnSpc>
+                <a:spcPct val="100000"/>
+              </a:lnSpc>
+              <a:spcBef>
+                <a:spcPts val="100"/>
+              </a:spcBef>
+            </a:pPr>
+            <a:r>
+              <a:rPr sz="1000" spc="-5" dirty="0">
+                <a:latin typeface="Courier New"/>
+                <a:cs typeface="Courier New"/>
+              </a:rPr>
+              <a:t>][</a:t>
+            </a:r>
+            <a:endParaRPr sz="1000">
+              <a:latin typeface="Courier New"/>
+              <a:cs typeface="Courier New"/>
+            </a:endParaRPr>
+          </a:p>
+        </p:txBody>
+      </p:sp>
+      <p:sp>
+        <p:nvSpPr>
+          <p:cNvPr id="8" name="object 8"/>
+          <p:cNvSpPr txBox="1"/>
+          <p:nvPr/>
+        </p:nvSpPr>
+        <p:spPr>
+          <a:xfrm>
+            <a:off x="3557239" y="3493516"/>
+            <a:ext cx="864235" cy="330200"/>
+          </a:xfrm>
+          <a:prstGeom prst="rect">
+            <a:avLst/>
+          </a:prstGeom>
+        </p:spPr>
+        <p:txBody>
+          <a:bodyPr vert="horz" wrap="square" lIns="0" tIns="12700" rIns="0" bIns="0" rtlCol="0">
+            <a:spAutoFit/>
+          </a:bodyPr>
+          <a:lstStyle/>
+          <a:p>
+            <a:pPr marL="12700">
+              <a:lnSpc>
+                <a:spcPct val="100000"/>
+              </a:lnSpc>
+              <a:spcBef>
+                <a:spcPts val="100"/>
+              </a:spcBef>
+              <a:tabLst>
+                <a:tab pos="469265" algn="l"/>
+              </a:tabLst>
+            </a:pPr>
+            <a:r>
+              <a:rPr sz="1000" spc="-5" dirty="0">
+                <a:latin typeface="Courier New"/>
+                <a:cs typeface="Courier New"/>
+              </a:rPr>
+              <a:t>ret	*str</a:t>
+            </a:r>
+            <a:endParaRPr sz="1000">
+              <a:latin typeface="Courier New"/>
+              <a:cs typeface="Courier New"/>
+            </a:endParaRPr>
+          </a:p>
+          <a:p>
+            <a:pPr marL="774065">
+              <a:lnSpc>
+                <a:spcPct val="100000"/>
+              </a:lnSpc>
+            </a:pPr>
+            <a:r>
+              <a:rPr sz="1000" dirty="0">
+                <a:latin typeface="Courier New"/>
+                <a:cs typeface="Courier New"/>
+              </a:rPr>
+              <a:t>]</a:t>
+            </a:r>
+            <a:endParaRPr sz="1000">
+              <a:latin typeface="Courier New"/>
+              <a:cs typeface="Courier New"/>
+            </a:endParaRPr>
+          </a:p>
+        </p:txBody>
+      </p:sp>
+      <p:sp>
+        <p:nvSpPr>
+          <p:cNvPr id="9" name="object 9"/>
+          <p:cNvSpPr txBox="1"/>
+          <p:nvPr/>
+        </p:nvSpPr>
+        <p:spPr>
+          <a:xfrm>
             <a:off x="356840" y="3950716"/>
             <a:ext cx="482600" cy="330200"/>
           </a:xfrm>
@@ -8328,7 +7809,7 @@
       </p:sp>
       <p:sp>
         <p:nvSpPr>
-          <p:cNvPr id="7" name="object 7"/>
+          <p:cNvPr id="10" name="object 10"/>
           <p:cNvSpPr txBox="1"/>
           <p:nvPr/>
         </p:nvSpPr>
@@ -8403,7 +7884,7 @@
       </p:sp>
       <p:pic>
         <p:nvPicPr>
-          <p:cNvPr id="8" name="object 8"/>
+          <p:cNvPr id="11" name="object 11"/>
           <p:cNvPicPr/>
           <p:nvPr/>
         </p:nvPicPr>
@@ -8598,6 +8079,77 @@
         </p:nvSpPr>
         <p:spPr>
           <a:xfrm>
+            <a:off x="1652239" y="3493516"/>
+            <a:ext cx="2769235" cy="330200"/>
+          </a:xfrm>
+          <a:prstGeom prst="rect">
+            <a:avLst/>
+          </a:prstGeom>
+        </p:spPr>
+        <p:txBody>
+          <a:bodyPr vert="horz" wrap="square" lIns="0" tIns="12700" rIns="0" bIns="0" rtlCol="0">
+            <a:spAutoFit/>
+          </a:bodyPr>
+          <a:lstStyle/>
+          <a:p>
+            <a:pPr marL="12700" marR="5080" indent="76200">
+              <a:lnSpc>
+                <a:spcPct val="100000"/>
+              </a:lnSpc>
+              <a:spcBef>
+                <a:spcPts val="100"/>
+              </a:spcBef>
+              <a:tabLst>
+                <a:tab pos="1459865" algn="l"/>
+                <a:tab pos="1917064" algn="l"/>
+                <a:tab pos="2221865" algn="l"/>
+                <a:tab pos="2374265" algn="l"/>
+                <a:tab pos="2679065" algn="l"/>
+              </a:tabLst>
+            </a:pPr>
+            <a:r>
+              <a:rPr sz="1000" spc="-5" dirty="0">
+                <a:latin typeface="Courier New"/>
+                <a:cs typeface="Courier New"/>
+              </a:rPr>
+              <a:t>buffer	sfp	ret		*str </a:t>
+            </a:r>
+            <a:r>
+              <a:rPr sz="1000" spc="-590" dirty="0">
+                <a:latin typeface="Courier New"/>
+                <a:cs typeface="Courier New"/>
+              </a:rPr>
+              <a:t> </a:t>
+            </a:r>
+            <a:r>
+              <a:rPr sz="1000" spc="-5" dirty="0">
+                <a:latin typeface="Courier New"/>
+                <a:cs typeface="Courier New"/>
+              </a:rPr>
+              <a:t>[AAAAAAAAAAAAAAAA][AAAA][	][	</a:t>
+            </a:r>
+            <a:r>
+              <a:rPr sz="1000" dirty="0">
+                <a:latin typeface="Courier New"/>
+                <a:cs typeface="Courier New"/>
+              </a:rPr>
+              <a:t>]</a:t>
+            </a:r>
+            <a:endParaRPr sz="1000">
+              <a:latin typeface="Courier New"/>
+              <a:cs typeface="Courier New"/>
+            </a:endParaRPr>
+          </a:p>
+        </p:txBody>
+      </p:sp>
+      <p:sp>
+        <p:nvSpPr>
+          <p:cNvPr id="5" name="object 5"/>
+          <p:cNvSpPr txBox="1"/>
+          <p:nvPr/>
+        </p:nvSpPr>
+        <p:spPr>
+          <a:xfrm>
             <a:off x="356840" y="3645916"/>
             <a:ext cx="558800" cy="177800"/>
           </a:xfrm>
@@ -8635,116 +8187,7 @@
       </p:sp>
       <p:sp>
         <p:nvSpPr>
-          <p:cNvPr id="5" name="object 5"/>
-          <p:cNvSpPr txBox="1"/>
-          <p:nvPr/>
-        </p:nvSpPr>
-        <p:spPr>
-          <a:xfrm>
-            <a:off x="1652239" y="3645916"/>
-            <a:ext cx="2387600" cy="177800"/>
-          </a:xfrm>
-          <a:prstGeom prst="rect">
-            <a:avLst/>
-          </a:prstGeom>
-        </p:spPr>
-        <p:txBody>
-          <a:bodyPr vert="horz" wrap="square" lIns="0" tIns="12700" rIns="0" bIns="0" rtlCol="0">
-            <a:spAutoFit/>
-          </a:bodyPr>
-          <a:lstStyle/>
-          <a:p>
-            <a:pPr marL="12700">
-              <a:lnSpc>
-                <a:spcPct val="100000"/>
-              </a:lnSpc>
-              <a:spcBef>
-                <a:spcPts val="100"/>
-              </a:spcBef>
-            </a:pPr>
-            <a:r>
-              <a:rPr sz="1000" spc="-5" dirty="0">
-                <a:latin typeface="Courier New"/>
-                <a:cs typeface="Courier New"/>
-              </a:rPr>
-              <a:t>[AAAAAAAAAAAAAAAA][AAAA][AAAA][</a:t>
-            </a:r>
-            <a:endParaRPr sz="1000">
-              <a:latin typeface="Courier New"/>
-              <a:cs typeface="Courier New"/>
-            </a:endParaRPr>
-          </a:p>
-        </p:txBody>
-      </p:sp>
-      <p:sp>
-        <p:nvSpPr>
           <p:cNvPr id="6" name="object 6"/>
-          <p:cNvSpPr txBox="1"/>
-          <p:nvPr/>
-        </p:nvSpPr>
-        <p:spPr>
-          <a:xfrm>
-            <a:off x="1728439" y="3493516"/>
-            <a:ext cx="2693035" cy="330200"/>
-          </a:xfrm>
-          <a:prstGeom prst="rect">
-            <a:avLst/>
-          </a:prstGeom>
-        </p:spPr>
-        <p:txBody>
-          <a:bodyPr vert="horz" wrap="square" lIns="0" tIns="12700" rIns="0" bIns="0" rtlCol="0">
-            <a:spAutoFit/>
-          </a:bodyPr>
-          <a:lstStyle/>
-          <a:p>
-            <a:pPr marL="12700">
-              <a:lnSpc>
-                <a:spcPct val="100000"/>
-              </a:lnSpc>
-              <a:spcBef>
-                <a:spcPts val="100"/>
-              </a:spcBef>
-              <a:tabLst>
-                <a:tab pos="1383665" algn="l"/>
-                <a:tab pos="1840864" algn="l"/>
-                <a:tab pos="2298065" algn="l"/>
-              </a:tabLst>
-            </a:pPr>
-            <a:r>
-              <a:rPr sz="1000" spc="-5" dirty="0">
-                <a:latin typeface="Courier New"/>
-                <a:cs typeface="Courier New"/>
-              </a:rPr>
-              <a:t>buffer	sfp	ret	*str</a:t>
-            </a:r>
-            <a:endParaRPr sz="1000">
-              <a:latin typeface="Courier New"/>
-              <a:cs typeface="Courier New"/>
-            </a:endParaRPr>
-          </a:p>
-          <a:p>
-            <a:pPr marL="2602865">
-              <a:lnSpc>
-                <a:spcPct val="100000"/>
-              </a:lnSpc>
-            </a:pPr>
-            <a:r>
-              <a:rPr sz="1000" dirty="0">
-                <a:latin typeface="Courier New"/>
-                <a:cs typeface="Courier New"/>
-              </a:rPr>
-              <a:t>]</a:t>
-            </a:r>
-            <a:endParaRPr sz="1000">
-              <a:latin typeface="Courier New"/>
-              <a:cs typeface="Courier New"/>
-            </a:endParaRPr>
-          </a:p>
-        </p:txBody>
-      </p:sp>
-      <p:sp>
-        <p:nvSpPr>
-          <p:cNvPr id="7" name="object 7"/>
           <p:cNvSpPr txBox="1"/>
           <p:nvPr/>
         </p:nvSpPr>
@@ -8815,7 +8258,7 @@
       </p:sp>
       <p:sp>
         <p:nvSpPr>
-          <p:cNvPr id="8" name="object 8"/>
+          <p:cNvPr id="7" name="object 7"/>
           <p:cNvSpPr txBox="1"/>
           <p:nvPr/>
         </p:nvSpPr>
@@ -8890,7 +8333,7 @@
       </p:sp>
       <p:pic>
         <p:nvPicPr>
-          <p:cNvPr id="9" name="object 9"/>
+          <p:cNvPr id="8" name="object 8"/>
           <p:cNvPicPr/>
           <p:nvPr/>
         </p:nvPicPr>
@@ -9085,68 +8528,6 @@
         </p:nvSpPr>
         <p:spPr>
           <a:xfrm>
-            <a:off x="1652239" y="3493516"/>
-            <a:ext cx="5207000" cy="330200"/>
-          </a:xfrm>
-          <a:prstGeom prst="rect">
-            <a:avLst/>
-          </a:prstGeom>
-        </p:spPr>
-        <p:txBody>
-          <a:bodyPr vert="horz" wrap="square" lIns="0" tIns="12700" rIns="0" bIns="0" rtlCol="0">
-            <a:spAutoFit/>
-          </a:bodyPr>
-          <a:lstStyle/>
-          <a:p>
-            <a:pPr marL="12700" marR="5080" indent="76200">
-              <a:lnSpc>
-                <a:spcPct val="100000"/>
-              </a:lnSpc>
-              <a:spcBef>
-                <a:spcPts val="100"/>
-              </a:spcBef>
-              <a:tabLst>
-                <a:tab pos="1459865" algn="l"/>
-                <a:tab pos="1917064" algn="l"/>
-                <a:tab pos="2374265" algn="l"/>
-              </a:tabLst>
-            </a:pPr>
-            <a:r>
-              <a:rPr sz="1000" spc="-5" dirty="0">
-                <a:latin typeface="Courier New"/>
-                <a:cs typeface="Courier New"/>
-              </a:rPr>
-              <a:t>buffer	sfp	ret	*str </a:t>
-            </a:r>
-            <a:r>
-              <a:rPr sz="1000" dirty="0">
-                <a:latin typeface="Courier New"/>
-                <a:cs typeface="Courier New"/>
-              </a:rPr>
-              <a:t> </a:t>
-            </a:r>
-            <a:r>
-              <a:rPr sz="1000" spc="-5" dirty="0">
-                <a:latin typeface="Courier New"/>
-                <a:cs typeface="Courier New"/>
-              </a:rPr>
-              <a:t>[AAAAAAAAAAAAAAAA][AAAA][AAAA][AAAA]AAAAAAAAAAAAAAAAAAAAAAAAAAAAAAAA</a:t>
-            </a:r>
-            <a:endParaRPr sz="1000">
-              <a:latin typeface="Courier New"/>
-              <a:cs typeface="Courier New"/>
-            </a:endParaRPr>
-          </a:p>
-        </p:txBody>
-      </p:sp>
-      <p:sp>
-        <p:nvSpPr>
-          <p:cNvPr id="5" name="object 5"/>
-          <p:cNvSpPr txBox="1"/>
-          <p:nvPr/>
-        </p:nvSpPr>
-        <p:spPr>
-          <a:xfrm>
             <a:off x="356840" y="3645916"/>
             <a:ext cx="558800" cy="177800"/>
           </a:xfrm>
@@ -9184,7 +8565,116 @@
       </p:sp>
       <p:sp>
         <p:nvSpPr>
+          <p:cNvPr id="5" name="object 5"/>
+          <p:cNvSpPr txBox="1"/>
+          <p:nvPr/>
+        </p:nvSpPr>
+        <p:spPr>
+          <a:xfrm>
+            <a:off x="1652239" y="3645916"/>
+            <a:ext cx="2387600" cy="177800"/>
+          </a:xfrm>
+          <a:prstGeom prst="rect">
+            <a:avLst/>
+          </a:prstGeom>
+        </p:spPr>
+        <p:txBody>
+          <a:bodyPr vert="horz" wrap="square" lIns="0" tIns="12700" rIns="0" bIns="0" rtlCol="0">
+            <a:spAutoFit/>
+          </a:bodyPr>
+          <a:lstStyle/>
+          <a:p>
+            <a:pPr marL="12700">
+              <a:lnSpc>
+                <a:spcPct val="100000"/>
+              </a:lnSpc>
+              <a:spcBef>
+                <a:spcPts val="100"/>
+              </a:spcBef>
+            </a:pPr>
+            <a:r>
+              <a:rPr sz="1000" spc="-5" dirty="0">
+                <a:latin typeface="Courier New"/>
+                <a:cs typeface="Courier New"/>
+              </a:rPr>
+              <a:t>[AAAAAAAAAAAAAAAA][AAAA][AAAA][</a:t>
+            </a:r>
+            <a:endParaRPr sz="1000">
+              <a:latin typeface="Courier New"/>
+              <a:cs typeface="Courier New"/>
+            </a:endParaRPr>
+          </a:p>
+        </p:txBody>
+      </p:sp>
+      <p:sp>
+        <p:nvSpPr>
           <p:cNvPr id="6" name="object 6"/>
+          <p:cNvSpPr txBox="1"/>
+          <p:nvPr/>
+        </p:nvSpPr>
+        <p:spPr>
+          <a:xfrm>
+            <a:off x="1728439" y="3493516"/>
+            <a:ext cx="2693035" cy="330200"/>
+          </a:xfrm>
+          <a:prstGeom prst="rect">
+            <a:avLst/>
+          </a:prstGeom>
+        </p:spPr>
+        <p:txBody>
+          <a:bodyPr vert="horz" wrap="square" lIns="0" tIns="12700" rIns="0" bIns="0" rtlCol="0">
+            <a:spAutoFit/>
+          </a:bodyPr>
+          <a:lstStyle/>
+          <a:p>
+            <a:pPr marL="12700">
+              <a:lnSpc>
+                <a:spcPct val="100000"/>
+              </a:lnSpc>
+              <a:spcBef>
+                <a:spcPts val="100"/>
+              </a:spcBef>
+              <a:tabLst>
+                <a:tab pos="1383665" algn="l"/>
+                <a:tab pos="1840864" algn="l"/>
+                <a:tab pos="2298065" algn="l"/>
+              </a:tabLst>
+            </a:pPr>
+            <a:r>
+              <a:rPr sz="1000" spc="-5" dirty="0">
+                <a:latin typeface="Courier New"/>
+                <a:cs typeface="Courier New"/>
+              </a:rPr>
+              <a:t>buffer	sfp	ret	*str</a:t>
+            </a:r>
+            <a:endParaRPr sz="1000">
+              <a:latin typeface="Courier New"/>
+              <a:cs typeface="Courier New"/>
+            </a:endParaRPr>
+          </a:p>
+          <a:p>
+            <a:pPr marL="2602865">
+              <a:lnSpc>
+                <a:spcPct val="100000"/>
+              </a:lnSpc>
+            </a:pPr>
+            <a:r>
+              <a:rPr sz="1000" dirty="0">
+                <a:latin typeface="Courier New"/>
+                <a:cs typeface="Courier New"/>
+              </a:rPr>
+              <a:t>]</a:t>
+            </a:r>
+            <a:endParaRPr sz="1000">
+              <a:latin typeface="Courier New"/>
+              <a:cs typeface="Courier New"/>
+            </a:endParaRPr>
+          </a:p>
+        </p:txBody>
+      </p:sp>
+      <p:sp>
+        <p:nvSpPr>
+          <p:cNvPr id="7" name="object 7"/>
           <p:cNvSpPr txBox="1"/>
           <p:nvPr/>
         </p:nvSpPr>
@@ -9255,7 +8745,7 @@
       </p:sp>
       <p:sp>
         <p:nvSpPr>
-          <p:cNvPr id="7" name="object 7"/>
+          <p:cNvPr id="8" name="object 8"/>
           <p:cNvSpPr txBox="1"/>
           <p:nvPr/>
         </p:nvSpPr>
@@ -9330,7 +8820,7 @@
       </p:sp>
       <p:pic>
         <p:nvPicPr>
-          <p:cNvPr id="8" name="object 8"/>
+          <p:cNvPr id="9" name="object 9"/>
           <p:cNvPicPr/>
           <p:nvPr/>
         </p:nvPicPr>
@@ -10225,6 +9715,944 @@
       </p:grpSpPr>
       <p:sp>
         <p:nvSpPr>
+          <p:cNvPr id="2" name="object 2"/>
+          <p:cNvSpPr txBox="1"/>
+          <p:nvPr/>
+        </p:nvSpPr>
+        <p:spPr>
+          <a:xfrm>
+            <a:off x="356840" y="3188716"/>
+            <a:ext cx="711200" cy="330200"/>
+          </a:xfrm>
+          <a:prstGeom prst="rect">
+            <a:avLst/>
+          </a:prstGeom>
+        </p:spPr>
+        <p:txBody>
+          <a:bodyPr vert="horz" wrap="square" lIns="0" tIns="12700" rIns="0" bIns="0" rtlCol="0">
+            <a:spAutoFit/>
+          </a:bodyPr>
+          <a:lstStyle/>
+          <a:p>
+            <a:pPr marL="12700" marR="5080">
+              <a:lnSpc>
+                <a:spcPct val="100000"/>
+              </a:lnSpc>
+              <a:spcBef>
+                <a:spcPts val="100"/>
+              </a:spcBef>
+            </a:pPr>
+            <a:r>
+              <a:rPr sz="1000" spc="-5" dirty="0">
+                <a:latin typeface="Courier New"/>
+                <a:cs typeface="Courier New"/>
+              </a:rPr>
+              <a:t>bottom</a:t>
+            </a:r>
+            <a:r>
+              <a:rPr sz="1000" spc="-85" dirty="0">
+                <a:latin typeface="Courier New"/>
+                <a:cs typeface="Courier New"/>
+              </a:rPr>
+              <a:t> </a:t>
+            </a:r>
+            <a:r>
+              <a:rPr sz="1000" spc="-5" dirty="0">
+                <a:latin typeface="Courier New"/>
+                <a:cs typeface="Courier New"/>
+              </a:rPr>
+              <a:t>of </a:t>
+            </a:r>
+            <a:r>
+              <a:rPr sz="1000" spc="-585" dirty="0">
+                <a:latin typeface="Courier New"/>
+                <a:cs typeface="Courier New"/>
+              </a:rPr>
+              <a:t> </a:t>
+            </a:r>
+            <a:r>
+              <a:rPr sz="1000" spc="-5" dirty="0">
+                <a:latin typeface="Courier New"/>
+                <a:cs typeface="Courier New"/>
+              </a:rPr>
+              <a:t>memory</a:t>
+            </a:r>
+            <a:endParaRPr sz="1000">
+              <a:latin typeface="Courier New"/>
+              <a:cs typeface="Courier New"/>
+            </a:endParaRPr>
+          </a:p>
+        </p:txBody>
+      </p:sp>
+      <p:sp>
+        <p:nvSpPr>
+          <p:cNvPr id="3" name="object 3"/>
+          <p:cNvSpPr txBox="1"/>
+          <p:nvPr/>
+        </p:nvSpPr>
+        <p:spPr>
+          <a:xfrm>
+            <a:off x="5614587" y="3188716"/>
+            <a:ext cx="483234" cy="330200"/>
+          </a:xfrm>
+          <a:prstGeom prst="rect">
+            <a:avLst/>
+          </a:prstGeom>
+        </p:spPr>
+        <p:txBody>
+          <a:bodyPr vert="horz" wrap="square" lIns="0" tIns="12700" rIns="0" bIns="0" rtlCol="0">
+            <a:spAutoFit/>
+          </a:bodyPr>
+          <a:lstStyle/>
+          <a:p>
+            <a:pPr marL="12700" marR="5080" indent="-635">
+              <a:lnSpc>
+                <a:spcPct val="100000"/>
+              </a:lnSpc>
+              <a:spcBef>
+                <a:spcPts val="100"/>
+              </a:spcBef>
+            </a:pPr>
+            <a:r>
+              <a:rPr sz="1000" spc="-5" dirty="0">
+                <a:latin typeface="Courier New"/>
+                <a:cs typeface="Courier New"/>
+              </a:rPr>
+              <a:t>top</a:t>
+            </a:r>
+            <a:r>
+              <a:rPr sz="1000" spc="-90" dirty="0">
+                <a:latin typeface="Courier New"/>
+                <a:cs typeface="Courier New"/>
+              </a:rPr>
+              <a:t> </a:t>
+            </a:r>
+            <a:r>
+              <a:rPr sz="1000" spc="-5" dirty="0">
+                <a:latin typeface="Courier New"/>
+                <a:cs typeface="Courier New"/>
+              </a:rPr>
+              <a:t>of </a:t>
+            </a:r>
+            <a:r>
+              <a:rPr sz="1000" spc="-585" dirty="0">
+                <a:latin typeface="Courier New"/>
+                <a:cs typeface="Courier New"/>
+              </a:rPr>
+              <a:t> </a:t>
+            </a:r>
+            <a:r>
+              <a:rPr sz="1000" spc="-5" dirty="0">
+                <a:latin typeface="Courier New"/>
+                <a:cs typeface="Courier New"/>
+              </a:rPr>
+              <a:t>memory</a:t>
+            </a:r>
+            <a:endParaRPr sz="1000">
+              <a:latin typeface="Courier New"/>
+              <a:cs typeface="Courier New"/>
+            </a:endParaRPr>
+          </a:p>
+        </p:txBody>
+      </p:sp>
+      <p:sp>
+        <p:nvSpPr>
+          <p:cNvPr id="4" name="object 4"/>
+          <p:cNvSpPr txBox="1"/>
+          <p:nvPr/>
+        </p:nvSpPr>
+        <p:spPr>
+          <a:xfrm>
+            <a:off x="1652239" y="3493516"/>
+            <a:ext cx="5207000" cy="330200"/>
+          </a:xfrm>
+          <a:prstGeom prst="rect">
+            <a:avLst/>
+          </a:prstGeom>
+        </p:spPr>
+        <p:txBody>
+          <a:bodyPr vert="horz" wrap="square" lIns="0" tIns="12700" rIns="0" bIns="0" rtlCol="0">
+            <a:spAutoFit/>
+          </a:bodyPr>
+          <a:lstStyle/>
+          <a:p>
+            <a:pPr marL="12700" marR="5080" indent="76200">
+              <a:lnSpc>
+                <a:spcPct val="100000"/>
+              </a:lnSpc>
+              <a:spcBef>
+                <a:spcPts val="100"/>
+              </a:spcBef>
+              <a:tabLst>
+                <a:tab pos="1459865" algn="l"/>
+                <a:tab pos="1917064" algn="l"/>
+                <a:tab pos="2374265" algn="l"/>
+              </a:tabLst>
+            </a:pPr>
+            <a:r>
+              <a:rPr sz="1000" spc="-5" dirty="0">
+                <a:latin typeface="Courier New"/>
+                <a:cs typeface="Courier New"/>
+              </a:rPr>
+              <a:t>buffer	sfp	ret	*str </a:t>
+            </a:r>
+            <a:r>
+              <a:rPr sz="1000" dirty="0">
+                <a:latin typeface="Courier New"/>
+                <a:cs typeface="Courier New"/>
+              </a:rPr>
+              <a:t> </a:t>
+            </a:r>
+            <a:r>
+              <a:rPr sz="1000" spc="-5" dirty="0">
+                <a:latin typeface="Courier New"/>
+                <a:cs typeface="Courier New"/>
+              </a:rPr>
+              <a:t>[AAAAAAAAAAAAAAAA][AAAA][AAAA][AAAA]AAAAAAAAAAAAAAAAAAAAAAAAAAAAAAAA</a:t>
+            </a:r>
+            <a:endParaRPr sz="1000">
+              <a:latin typeface="Courier New"/>
+              <a:cs typeface="Courier New"/>
+            </a:endParaRPr>
+          </a:p>
+        </p:txBody>
+      </p:sp>
+      <p:sp>
+        <p:nvSpPr>
+          <p:cNvPr id="5" name="object 5"/>
+          <p:cNvSpPr txBox="1"/>
+          <p:nvPr/>
+        </p:nvSpPr>
+        <p:spPr>
+          <a:xfrm>
+            <a:off x="356840" y="3645916"/>
+            <a:ext cx="558800" cy="177800"/>
+          </a:xfrm>
+          <a:prstGeom prst="rect">
+            <a:avLst/>
+          </a:prstGeom>
+        </p:spPr>
+        <p:txBody>
+          <a:bodyPr vert="horz" wrap="square" lIns="0" tIns="12700" rIns="0" bIns="0" rtlCol="0">
+            <a:spAutoFit/>
+          </a:bodyPr>
+          <a:lstStyle/>
+          <a:p>
+            <a:pPr marL="12700">
+              <a:lnSpc>
+                <a:spcPct val="100000"/>
+              </a:lnSpc>
+              <a:spcBef>
+                <a:spcPts val="100"/>
+              </a:spcBef>
+            </a:pPr>
+            <a:r>
+              <a:rPr sz="1000" spc="-5" dirty="0">
+                <a:latin typeface="Courier New"/>
+                <a:cs typeface="Courier New"/>
+              </a:rPr>
+              <a:t>&lt;------</a:t>
+            </a:r>
+            <a:endParaRPr sz="1000">
+              <a:latin typeface="Courier New"/>
+              <a:cs typeface="Courier New"/>
+            </a:endParaRPr>
+          </a:p>
+        </p:txBody>
+      </p:sp>
+      <p:sp>
+        <p:nvSpPr>
+          <p:cNvPr id="6" name="object 6"/>
+          <p:cNvSpPr txBox="1"/>
+          <p:nvPr/>
+        </p:nvSpPr>
+        <p:spPr>
+          <a:xfrm>
+            <a:off x="356840" y="3950716"/>
+            <a:ext cx="482600" cy="330200"/>
+          </a:xfrm>
+          <a:prstGeom prst="rect">
+            <a:avLst/>
+          </a:prstGeom>
+        </p:spPr>
+        <p:txBody>
+          <a:bodyPr vert="horz" wrap="square" lIns="0" tIns="12700" rIns="0" bIns="0" rtlCol="0">
+            <a:spAutoFit/>
+          </a:bodyPr>
+          <a:lstStyle/>
+          <a:p>
+            <a:pPr marL="12700" marR="5080">
+              <a:lnSpc>
+                <a:spcPct val="100000"/>
+              </a:lnSpc>
+              <a:spcBef>
+                <a:spcPts val="100"/>
+              </a:spcBef>
+            </a:pPr>
+            <a:r>
+              <a:rPr sz="1000" spc="-5" dirty="0">
+                <a:latin typeface="Courier New"/>
+                <a:cs typeface="Courier New"/>
+              </a:rPr>
+              <a:t>top</a:t>
+            </a:r>
+            <a:r>
+              <a:rPr sz="1000" spc="-90" dirty="0">
+                <a:latin typeface="Courier New"/>
+                <a:cs typeface="Courier New"/>
+              </a:rPr>
+              <a:t> </a:t>
+            </a:r>
+            <a:r>
+              <a:rPr sz="1000" spc="-5" dirty="0">
+                <a:latin typeface="Courier New"/>
+                <a:cs typeface="Courier New"/>
+              </a:rPr>
+              <a:t>of </a:t>
+            </a:r>
+            <a:r>
+              <a:rPr sz="1000" spc="-585" dirty="0">
+                <a:latin typeface="Courier New"/>
+                <a:cs typeface="Courier New"/>
+              </a:rPr>
+              <a:t> </a:t>
+            </a:r>
+            <a:r>
+              <a:rPr sz="1000" spc="-5" dirty="0">
+                <a:latin typeface="Courier New"/>
+                <a:cs typeface="Courier New"/>
+              </a:rPr>
+              <a:t>stack</a:t>
+            </a:r>
+            <a:endParaRPr sz="1000">
+              <a:latin typeface="Courier New"/>
+              <a:cs typeface="Courier New"/>
+            </a:endParaRPr>
+          </a:p>
+        </p:txBody>
+      </p:sp>
+      <p:sp>
+        <p:nvSpPr>
+          <p:cNvPr id="7" name="object 7"/>
+          <p:cNvSpPr txBox="1"/>
+          <p:nvPr/>
+        </p:nvSpPr>
+        <p:spPr>
+          <a:xfrm>
+            <a:off x="5386007" y="3950716"/>
+            <a:ext cx="711200" cy="330200"/>
+          </a:xfrm>
+          <a:prstGeom prst="rect">
+            <a:avLst/>
+          </a:prstGeom>
+        </p:spPr>
+        <p:txBody>
+          <a:bodyPr vert="horz" wrap="square" lIns="0" tIns="12700" rIns="0" bIns="0" rtlCol="0">
+            <a:spAutoFit/>
+          </a:bodyPr>
+          <a:lstStyle/>
+          <a:p>
+            <a:pPr marR="5080" algn="r">
+              <a:lnSpc>
+                <a:spcPct val="100000"/>
+              </a:lnSpc>
+              <a:spcBef>
+                <a:spcPts val="100"/>
+              </a:spcBef>
+            </a:pPr>
+            <a:r>
+              <a:rPr sz="1000" spc="-5" dirty="0">
+                <a:latin typeface="Courier New"/>
+                <a:cs typeface="Courier New"/>
+              </a:rPr>
+              <a:t>bottom</a:t>
+            </a:r>
+            <a:r>
+              <a:rPr sz="1000" spc="-85" dirty="0">
+                <a:latin typeface="Courier New"/>
+                <a:cs typeface="Courier New"/>
+              </a:rPr>
+              <a:t> </a:t>
+            </a:r>
+            <a:r>
+              <a:rPr sz="1000" spc="-5" dirty="0">
+                <a:latin typeface="Courier New"/>
+                <a:cs typeface="Courier New"/>
+              </a:rPr>
+              <a:t>of</a:t>
+            </a:r>
+            <a:endParaRPr sz="1000">
+              <a:latin typeface="Courier New"/>
+              <a:cs typeface="Courier New"/>
+            </a:endParaRPr>
+          </a:p>
+          <a:p>
+            <a:pPr marR="5080" algn="r">
+              <a:lnSpc>
+                <a:spcPct val="100000"/>
+              </a:lnSpc>
+            </a:pPr>
+            <a:r>
+              <a:rPr sz="1000" spc="-5" dirty="0">
+                <a:latin typeface="Courier New"/>
+                <a:cs typeface="Courier New"/>
+              </a:rPr>
+              <a:t>stack</a:t>
+            </a:r>
+            <a:endParaRPr sz="1000">
+              <a:latin typeface="Courier New"/>
+              <a:cs typeface="Courier New"/>
+            </a:endParaRPr>
+          </a:p>
+        </p:txBody>
+      </p:sp>
+      <p:pic>
+        <p:nvPicPr>
+          <p:cNvPr id="8" name="object 8"/>
+          <p:cNvPicPr/>
+          <p:nvPr/>
+        </p:nvPicPr>
+        <p:blipFill>
+          <a:blip r:embed="rId2" cstate="print"/>
+          <a:stretch>
+            <a:fillRect/>
+          </a:stretch>
+        </p:blipFill>
+        <p:spPr>
+          <a:xfrm>
+            <a:off x="320973" y="273843"/>
+            <a:ext cx="6088008" cy="2786764"/>
+          </a:xfrm>
+          <a:prstGeom prst="rect">
+            <a:avLst/>
+          </a:prstGeom>
+        </p:spPr>
+      </p:pic>
+    </p:spTree>
+  </p:cSld>
+  <p:clrMapOvr>
+    <a:masterClrMapping/>
+  </p:clrMapOvr>
+</p:sld>
+</file>
+
+<file path=ppt/slides/slide21.xml><?xml version="1.0" encoding="utf-8"?>
+<p:sld xmlns:a="http://schemas.openxmlformats.org/drawingml/2006/main" xmlns:r="http://schemas.openxmlformats.org/officeDocument/2006/relationships" xmlns:p="http://schemas.openxmlformats.org/presentationml/2006/main">
+  <p:cSld>
+    <p:spTree>
+      <p:nvGrpSpPr>
+        <p:cNvPr id="1" name=""/>
+        <p:cNvGrpSpPr/>
+        <p:nvPr/>
+      </p:nvGrpSpPr>
+      <p:grpSpPr>
+        <a:xfrm>
+          <a:off x="0" y="0"/>
+          <a:ext cx="0" cy="0"/>
+          <a:chOff x="0" y="0"/>
+          <a:chExt cx="0" cy="0"/>
+        </a:xfrm>
+      </p:grpSpPr>
+      <p:sp>
+        <p:nvSpPr>
+          <p:cNvPr id="3" name="object 3"/>
+          <p:cNvSpPr txBox="1"/>
+          <p:nvPr/>
+        </p:nvSpPr>
+        <p:spPr>
+          <a:xfrm>
+            <a:off x="356840" y="1362964"/>
+            <a:ext cx="5946140" cy="1092607"/>
+          </a:xfrm>
+          <a:prstGeom prst="rect">
+            <a:avLst/>
+          </a:prstGeom>
+        </p:spPr>
+        <p:txBody>
+          <a:bodyPr vert="horz" wrap="square" lIns="0" tIns="12700" rIns="0" bIns="0" rtlCol="0">
+            <a:spAutoFit/>
+          </a:bodyPr>
+          <a:lstStyle/>
+          <a:p>
+            <a:pPr marL="141605" indent="-128905">
+              <a:lnSpc>
+                <a:spcPct val="100000"/>
+              </a:lnSpc>
+              <a:spcBef>
+                <a:spcPts val="100"/>
+              </a:spcBef>
+              <a:buSzPct val="81250"/>
+              <a:buFont typeface="Wingdings"/>
+              <a:buChar char=""/>
+              <a:tabLst>
+                <a:tab pos="141605" algn="l"/>
+              </a:tabLst>
+            </a:pPr>
+            <a:r>
+              <a:rPr sz="1600" spc="-10" dirty="0">
+                <a:latin typeface="Arial MT"/>
+                <a:cs typeface="Arial MT"/>
+              </a:rPr>
+              <a:t>At</a:t>
+            </a:r>
+            <a:r>
+              <a:rPr sz="1600" spc="-15" dirty="0">
+                <a:latin typeface="Arial MT"/>
+                <a:cs typeface="Arial MT"/>
+              </a:rPr>
+              <a:t> </a:t>
+            </a:r>
+            <a:r>
+              <a:rPr sz="1600" spc="-10" dirty="0">
+                <a:latin typeface="Arial MT"/>
+                <a:cs typeface="Arial MT"/>
+              </a:rPr>
+              <a:t>this</a:t>
+            </a:r>
+            <a:r>
+              <a:rPr sz="1600" spc="-20" dirty="0">
+                <a:latin typeface="Arial MT"/>
+                <a:cs typeface="Arial MT"/>
+              </a:rPr>
+              <a:t> </a:t>
+            </a:r>
+            <a:r>
+              <a:rPr sz="1600" spc="-15" dirty="0">
+                <a:latin typeface="Arial MT"/>
+                <a:cs typeface="Arial MT"/>
+              </a:rPr>
+              <a:t>point </a:t>
+            </a:r>
+            <a:r>
+              <a:rPr sz="1600" spc="-10" dirty="0">
+                <a:latin typeface="Arial MT"/>
+                <a:cs typeface="Arial MT"/>
+              </a:rPr>
+              <a:t>the</a:t>
+            </a:r>
+            <a:r>
+              <a:rPr sz="1600" spc="-25" dirty="0">
+                <a:latin typeface="Arial MT"/>
+                <a:cs typeface="Arial MT"/>
+              </a:rPr>
+              <a:t> </a:t>
+            </a:r>
+            <a:r>
+              <a:rPr sz="1600" spc="-15" dirty="0">
+                <a:latin typeface="Arial MT"/>
+                <a:cs typeface="Arial MT"/>
+              </a:rPr>
+              <a:t>program</a:t>
+            </a:r>
+            <a:r>
+              <a:rPr sz="1600" spc="-35" dirty="0">
+                <a:latin typeface="Arial MT"/>
+                <a:cs typeface="Arial MT"/>
+              </a:rPr>
+              <a:t> </a:t>
+            </a:r>
+            <a:r>
+              <a:rPr sz="1600" i="1" spc="-15" dirty="0">
+                <a:latin typeface="Arial"/>
+                <a:cs typeface="Arial"/>
+              </a:rPr>
+              <a:t>probably</a:t>
+            </a:r>
+            <a:r>
+              <a:rPr sz="1600" i="1" spc="-20" dirty="0">
+                <a:latin typeface="Arial"/>
+                <a:cs typeface="Arial"/>
+              </a:rPr>
+              <a:t> </a:t>
+            </a:r>
+            <a:r>
+              <a:rPr sz="1600" spc="-15" dirty="0">
+                <a:latin typeface="Arial MT"/>
+                <a:cs typeface="Arial MT"/>
+              </a:rPr>
+              <a:t>crashes</a:t>
+            </a:r>
+            <a:endParaRPr sz="1600" dirty="0">
+              <a:latin typeface="Arial MT"/>
+              <a:cs typeface="Arial MT"/>
+            </a:endParaRPr>
+          </a:p>
+          <a:p>
+            <a:pPr>
+              <a:lnSpc>
+                <a:spcPct val="100000"/>
+              </a:lnSpc>
+              <a:spcBef>
+                <a:spcPts val="50"/>
+              </a:spcBef>
+              <a:buFont typeface="Wingdings"/>
+              <a:buChar char=""/>
+            </a:pPr>
+            <a:endParaRPr sz="2500" dirty="0">
+              <a:latin typeface="Arial MT"/>
+              <a:cs typeface="Arial MT"/>
+            </a:endParaRPr>
+          </a:p>
+          <a:p>
+            <a:pPr marL="140970" marR="5080" indent="-128905">
+              <a:lnSpc>
+                <a:spcPts val="1700"/>
+              </a:lnSpc>
+              <a:buSzPct val="81250"/>
+              <a:buFont typeface="Wingdings"/>
+              <a:buChar char=""/>
+              <a:tabLst>
+                <a:tab pos="141605" algn="l"/>
+              </a:tabLst>
+            </a:pPr>
+            <a:r>
+              <a:rPr sz="1600" spc="-15" dirty="0">
+                <a:latin typeface="Arial MT"/>
+                <a:cs typeface="Arial MT"/>
+              </a:rPr>
+              <a:t>Unless</a:t>
+            </a:r>
+            <a:r>
+              <a:rPr sz="1600" spc="-20" dirty="0">
+                <a:latin typeface="Arial MT"/>
+                <a:cs typeface="Arial MT"/>
+              </a:rPr>
+              <a:t> </a:t>
+            </a:r>
+            <a:r>
+              <a:rPr sz="1600" spc="-15" dirty="0">
+                <a:latin typeface="Arial MT"/>
+                <a:cs typeface="Arial MT"/>
+              </a:rPr>
+              <a:t>0xAAAA</a:t>
+            </a:r>
+            <a:r>
+              <a:rPr sz="1600" spc="-114" dirty="0">
+                <a:latin typeface="Arial MT"/>
+                <a:cs typeface="Arial MT"/>
+              </a:rPr>
+              <a:t> </a:t>
+            </a:r>
+            <a:r>
+              <a:rPr sz="1600" spc="-15" dirty="0">
+                <a:latin typeface="Arial MT"/>
+                <a:cs typeface="Arial MT"/>
+              </a:rPr>
+              <a:t>contains</a:t>
+            </a:r>
+            <a:r>
+              <a:rPr sz="1600" spc="-20" dirty="0">
+                <a:latin typeface="Arial MT"/>
+                <a:cs typeface="Arial MT"/>
+              </a:rPr>
+              <a:t> </a:t>
+            </a:r>
+            <a:r>
+              <a:rPr sz="1600" spc="-10" dirty="0">
+                <a:latin typeface="Arial MT"/>
+                <a:cs typeface="Arial MT"/>
+              </a:rPr>
+              <a:t>valid</a:t>
+            </a:r>
+            <a:r>
+              <a:rPr sz="1600" spc="-20" dirty="0">
+                <a:latin typeface="Arial MT"/>
+                <a:cs typeface="Arial MT"/>
+              </a:rPr>
+              <a:t> </a:t>
+            </a:r>
+            <a:r>
+              <a:rPr sz="1600" spc="-15" dirty="0">
+                <a:latin typeface="Arial MT"/>
+                <a:cs typeface="Arial MT"/>
+              </a:rPr>
+              <a:t>program</a:t>
+            </a:r>
+            <a:r>
+              <a:rPr sz="1600" spc="-30" dirty="0">
+                <a:latin typeface="Arial MT"/>
+                <a:cs typeface="Arial MT"/>
+              </a:rPr>
+              <a:t> </a:t>
+            </a:r>
+            <a:r>
+              <a:rPr sz="1600" spc="-15" dirty="0">
+                <a:latin typeface="Arial MT"/>
+                <a:cs typeface="Arial MT"/>
+              </a:rPr>
+              <a:t>code…</a:t>
+            </a:r>
+            <a:r>
+              <a:rPr sz="1600" spc="-35" dirty="0">
+                <a:latin typeface="Arial MT"/>
+                <a:cs typeface="Arial MT"/>
+              </a:rPr>
+              <a:t> </a:t>
+            </a:r>
+            <a:r>
+              <a:rPr sz="1600" spc="-10" dirty="0">
+                <a:latin typeface="Arial MT"/>
+                <a:cs typeface="Arial MT"/>
+              </a:rPr>
+              <a:t>the</a:t>
+            </a:r>
+            <a:r>
+              <a:rPr sz="1600" spc="-20" dirty="0">
+                <a:latin typeface="Arial MT"/>
+                <a:cs typeface="Arial MT"/>
+              </a:rPr>
+              <a:t> </a:t>
+            </a:r>
+            <a:r>
+              <a:rPr sz="1600" spc="-15" dirty="0">
+                <a:latin typeface="Arial MT"/>
+                <a:cs typeface="Arial MT"/>
+              </a:rPr>
+              <a:t>CPU</a:t>
+            </a:r>
+            <a:r>
+              <a:rPr sz="1600" spc="-25" dirty="0">
+                <a:latin typeface="Arial MT"/>
+                <a:cs typeface="Arial MT"/>
+              </a:rPr>
+              <a:t> </a:t>
+            </a:r>
+            <a:r>
+              <a:rPr sz="1600" spc="-15" dirty="0">
+                <a:latin typeface="Arial MT"/>
+                <a:cs typeface="Arial MT"/>
+              </a:rPr>
+              <a:t>can’t </a:t>
+            </a:r>
+            <a:r>
+              <a:rPr sz="1600" spc="-10" dirty="0">
+                <a:latin typeface="Arial MT"/>
+                <a:cs typeface="Arial MT"/>
+              </a:rPr>
+              <a:t>run </a:t>
+            </a:r>
+            <a:r>
+              <a:rPr sz="1600" spc="-425" dirty="0">
+                <a:latin typeface="Arial MT"/>
+                <a:cs typeface="Arial MT"/>
+              </a:rPr>
+              <a:t> </a:t>
+            </a:r>
+            <a:r>
+              <a:rPr sz="1600" spc="-10" dirty="0">
+                <a:latin typeface="Arial MT"/>
+                <a:cs typeface="Arial MT"/>
+              </a:rPr>
+              <a:t>from</a:t>
+            </a:r>
+            <a:r>
+              <a:rPr sz="1600" spc="-30" dirty="0">
+                <a:latin typeface="Arial MT"/>
+                <a:cs typeface="Arial MT"/>
+              </a:rPr>
+              <a:t> </a:t>
+            </a:r>
+            <a:r>
+              <a:rPr sz="1600" spc="-15" dirty="0">
+                <a:latin typeface="Arial MT"/>
+                <a:cs typeface="Arial MT"/>
+              </a:rPr>
+              <a:t>there</a:t>
+            </a:r>
+            <a:r>
+              <a:rPr sz="1600" spc="-20" dirty="0">
+                <a:latin typeface="Arial MT"/>
+                <a:cs typeface="Arial MT"/>
+              </a:rPr>
+              <a:t> </a:t>
+            </a:r>
+            <a:r>
+              <a:rPr sz="1600" spc="-10" dirty="0">
+                <a:latin typeface="Arial MT"/>
+                <a:cs typeface="Arial MT"/>
+              </a:rPr>
+              <a:t>so</a:t>
+            </a:r>
+            <a:r>
+              <a:rPr sz="1600" spc="-25" dirty="0">
+                <a:latin typeface="Arial MT"/>
+                <a:cs typeface="Arial MT"/>
+              </a:rPr>
+              <a:t> </a:t>
+            </a:r>
+            <a:r>
+              <a:rPr sz="1600" spc="-15" dirty="0">
+                <a:latin typeface="Arial MT"/>
+                <a:cs typeface="Arial MT"/>
+              </a:rPr>
+              <a:t>you’ll</a:t>
+            </a:r>
+            <a:r>
+              <a:rPr sz="1600" spc="-5" dirty="0">
+                <a:latin typeface="Arial MT"/>
+                <a:cs typeface="Arial MT"/>
+              </a:rPr>
+              <a:t> </a:t>
+            </a:r>
+            <a:r>
+              <a:rPr sz="1600" i="1" spc="-15" dirty="0">
+                <a:latin typeface="Arial"/>
+                <a:cs typeface="Arial"/>
+              </a:rPr>
+              <a:t>probably </a:t>
+            </a:r>
+            <a:r>
+              <a:rPr sz="1600" spc="-10" dirty="0">
+                <a:latin typeface="Arial MT"/>
+                <a:cs typeface="Arial MT"/>
+              </a:rPr>
+              <a:t>get an</a:t>
+            </a:r>
+            <a:r>
+              <a:rPr sz="1600" spc="-25" dirty="0">
+                <a:latin typeface="Arial MT"/>
+                <a:cs typeface="Arial MT"/>
+              </a:rPr>
+              <a:t> </a:t>
+            </a:r>
+            <a:r>
+              <a:rPr sz="1600" spc="-15" dirty="0">
+                <a:latin typeface="Arial MT"/>
+                <a:cs typeface="Arial MT"/>
+              </a:rPr>
+              <a:t>illegal</a:t>
+            </a:r>
+            <a:r>
+              <a:rPr sz="1600" spc="-10" dirty="0">
+                <a:latin typeface="Arial MT"/>
+                <a:cs typeface="Arial MT"/>
+              </a:rPr>
+              <a:t> </a:t>
+            </a:r>
+            <a:r>
+              <a:rPr sz="1600" spc="-15" dirty="0">
+                <a:latin typeface="Arial MT"/>
+                <a:cs typeface="Arial MT"/>
+              </a:rPr>
+              <a:t>instruction</a:t>
+            </a:r>
+            <a:r>
+              <a:rPr sz="1600" spc="-20" dirty="0">
+                <a:latin typeface="Arial MT"/>
+                <a:cs typeface="Arial MT"/>
+              </a:rPr>
+              <a:t> </a:t>
+            </a:r>
+            <a:r>
+              <a:rPr sz="1600" spc="-15" dirty="0">
+                <a:latin typeface="Arial MT"/>
+                <a:cs typeface="Arial MT"/>
+              </a:rPr>
+              <a:t>exception</a:t>
+            </a:r>
+            <a:endParaRPr sz="1600" dirty="0">
+              <a:latin typeface="Arial MT"/>
+              <a:cs typeface="Arial MT"/>
+            </a:endParaRPr>
+          </a:p>
+        </p:txBody>
+      </p:sp>
+      <p:sp>
+        <p:nvSpPr>
+          <p:cNvPr id="4" name="Title 5">
+            <a:extLst>
+              <a:ext uri="{FF2B5EF4-FFF2-40B4-BE49-F238E27FC236}">
+                <a16:creationId xmlns:a16="http://schemas.microsoft.com/office/drawing/2014/main" id="{16ED3C95-B19A-E7E4-DEB8-9C9B93EC9A2D}"/>
+              </a:ext>
+            </a:extLst>
+          </p:cNvPr>
+          <p:cNvSpPr txBox="1">
+            <a:spLocks/>
+          </p:cNvSpPr>
+          <p:nvPr/>
+        </p:nvSpPr>
+        <p:spPr>
+          <a:xfrm>
+            <a:off x="471487" y="76200"/>
+            <a:ext cx="5915025" cy="697706"/>
+          </a:xfrm>
+          <a:prstGeom prst="rect">
+            <a:avLst/>
+          </a:prstGeom>
+        </p:spPr>
+        <p:txBody>
+          <a:bodyPr vert="horz" lIns="91440" tIns="45720" rIns="91440" bIns="45720" rtlCol="0" anchor="ctr">
+            <a:normAutofit/>
+          </a:bodyPr>
+          <a:lstStyle>
+            <a:lvl1pPr algn="l" defTabSz="514350" rtl="0" eaLnBrk="1" latinLnBrk="0" hangingPunct="1">
+              <a:lnSpc>
+                <a:spcPct val="90000"/>
+              </a:lnSpc>
+              <a:spcBef>
+                <a:spcPct val="0"/>
+              </a:spcBef>
+              <a:buNone/>
+              <a:defRPr sz="2475" kern="1200">
+                <a:solidFill>
+                  <a:schemeClr val="tx1"/>
+                </a:solidFill>
+                <a:latin typeface="+mj-lt"/>
+                <a:ea typeface="+mj-ea"/>
+                <a:cs typeface="+mj-cs"/>
+              </a:defRPr>
+            </a:lvl1pPr>
+          </a:lstStyle>
+          <a:p>
+            <a:pPr algn="ctr"/>
+            <a:r>
+              <a:rPr lang="en-US" sz="3200" spc="-5" dirty="0" err="1">
+                <a:latin typeface="Times New Roman" panose="02020603050405020304" pitchFamily="18" charset="0"/>
+                <a:cs typeface="Times New Roman" panose="02020603050405020304" pitchFamily="18" charset="0"/>
+              </a:rPr>
+              <a:t>BoF</a:t>
+            </a:r>
+            <a:r>
+              <a:rPr lang="en-US" sz="3200" spc="-5" dirty="0">
+                <a:latin typeface="Times New Roman" panose="02020603050405020304" pitchFamily="18" charset="0"/>
+                <a:cs typeface="Times New Roman" panose="02020603050405020304" pitchFamily="18" charset="0"/>
+              </a:rPr>
+              <a:t> Consequences</a:t>
+            </a:r>
+            <a:endParaRPr lang="en-GB" sz="3200" spc="-5" dirty="0">
+              <a:latin typeface="Times New Roman" panose="02020603050405020304" pitchFamily="18" charset="0"/>
+              <a:cs typeface="Times New Roman" panose="02020603050405020304" pitchFamily="18" charset="0"/>
+            </a:endParaRPr>
+          </a:p>
+        </p:txBody>
+      </p:sp>
+    </p:spTree>
+  </p:cSld>
+  <p:clrMapOvr>
+    <a:masterClrMapping/>
+  </p:clrMapOvr>
+</p:sld>
+</file>
+
+<file path=ppt/slides/slide22.xml><?xml version="1.0" encoding="utf-8"?>
+<p:sld xmlns:a="http://schemas.openxmlformats.org/drawingml/2006/main" xmlns:r="http://schemas.openxmlformats.org/officeDocument/2006/relationships" xmlns:p="http://schemas.openxmlformats.org/presentationml/2006/main">
+  <p:cSld>
+    <p:spTree>
+      <p:nvGrpSpPr>
+        <p:cNvPr id="1" name=""/>
+        <p:cNvGrpSpPr/>
+        <p:nvPr/>
+      </p:nvGrpSpPr>
+      <p:grpSpPr>
+        <a:xfrm>
+          <a:off x="0" y="0"/>
+          <a:ext cx="0" cy="0"/>
+          <a:chOff x="0" y="0"/>
+          <a:chExt cx="0" cy="0"/>
+        </a:xfrm>
+      </p:grpSpPr>
+      <p:sp>
+        <p:nvSpPr>
           <p:cNvPr id="3" name="object 3"/>
           <p:cNvSpPr txBox="1"/>
           <p:nvPr/>
@@ -10884,7 +11312,7 @@
 </p:sld>
 </file>
 
-<file path=ppt/slides/slide21.xml><?xml version="1.0" encoding="utf-8"?>
+<file path=ppt/slides/slide23.xml><?xml version="1.0" encoding="utf-8"?>
 <p:sld xmlns:a="http://schemas.openxmlformats.org/drawingml/2006/main" xmlns:r="http://schemas.openxmlformats.org/officeDocument/2006/relationships" xmlns:p="http://schemas.openxmlformats.org/presentationml/2006/main">
   <p:cSld>
     <p:spTree>
@@ -11407,545 +11835,7 @@
 </p:sld>
 </file>
 
-<file path=ppt/slides/slide22.xml><?xml version="1.0" encoding="utf-8"?>
-<p:sld xmlns:a="http://schemas.openxmlformats.org/drawingml/2006/main" xmlns:r="http://schemas.openxmlformats.org/officeDocument/2006/relationships" xmlns:p="http://schemas.openxmlformats.org/presentationml/2006/main">
-  <p:cSld>
-    <p:spTree>
-      <p:nvGrpSpPr>
-        <p:cNvPr id="1" name=""/>
-        <p:cNvGrpSpPr/>
-        <p:nvPr/>
-      </p:nvGrpSpPr>
-      <p:grpSpPr>
-        <a:xfrm>
-          <a:off x="0" y="0"/>
-          <a:ext cx="0" cy="0"/>
-          <a:chOff x="0" y="0"/>
-          <a:chExt cx="0" cy="0"/>
-        </a:xfrm>
-      </p:grpSpPr>
-      <p:sp>
-        <p:nvSpPr>
-          <p:cNvPr id="3" name="object 3"/>
-          <p:cNvSpPr txBox="1"/>
-          <p:nvPr/>
-        </p:nvSpPr>
-        <p:spPr>
-          <a:xfrm>
-            <a:off x="356840" y="1362964"/>
-            <a:ext cx="5946140" cy="1656080"/>
-          </a:xfrm>
-          <a:prstGeom prst="rect">
-            <a:avLst/>
-          </a:prstGeom>
-        </p:spPr>
-        <p:txBody>
-          <a:bodyPr vert="horz" wrap="square" lIns="0" tIns="12700" rIns="0" bIns="0" rtlCol="0">
-            <a:spAutoFit/>
-          </a:bodyPr>
-          <a:lstStyle/>
-          <a:p>
-            <a:pPr marL="141605" indent="-128905">
-              <a:lnSpc>
-                <a:spcPct val="100000"/>
-              </a:lnSpc>
-              <a:spcBef>
-                <a:spcPts val="100"/>
-              </a:spcBef>
-              <a:buSzPct val="81250"/>
-              <a:buFont typeface="Wingdings"/>
-              <a:buChar char=""/>
-              <a:tabLst>
-                <a:tab pos="141605" algn="l"/>
-              </a:tabLst>
-            </a:pPr>
-            <a:r>
-              <a:rPr sz="1600" spc="-10" dirty="0">
-                <a:latin typeface="Arial MT"/>
-                <a:cs typeface="Arial MT"/>
-              </a:rPr>
-              <a:t>At</a:t>
-            </a:r>
-            <a:r>
-              <a:rPr sz="1600" spc="-15" dirty="0">
-                <a:latin typeface="Arial MT"/>
-                <a:cs typeface="Arial MT"/>
-              </a:rPr>
-              <a:t> </a:t>
-            </a:r>
-            <a:r>
-              <a:rPr sz="1600" spc="-10" dirty="0">
-                <a:latin typeface="Arial MT"/>
-                <a:cs typeface="Arial MT"/>
-              </a:rPr>
-              <a:t>this</a:t>
-            </a:r>
-            <a:r>
-              <a:rPr sz="1600" spc="-20" dirty="0">
-                <a:latin typeface="Arial MT"/>
-                <a:cs typeface="Arial MT"/>
-              </a:rPr>
-              <a:t> </a:t>
-            </a:r>
-            <a:r>
-              <a:rPr sz="1600" spc="-15" dirty="0">
-                <a:latin typeface="Arial MT"/>
-                <a:cs typeface="Arial MT"/>
-              </a:rPr>
-              <a:t>point </a:t>
-            </a:r>
-            <a:r>
-              <a:rPr sz="1600" spc="-10" dirty="0">
-                <a:latin typeface="Arial MT"/>
-                <a:cs typeface="Arial MT"/>
-              </a:rPr>
-              <a:t>the</a:t>
-            </a:r>
-            <a:r>
-              <a:rPr sz="1600" spc="-25" dirty="0">
-                <a:latin typeface="Arial MT"/>
-                <a:cs typeface="Arial MT"/>
-              </a:rPr>
-              <a:t> </a:t>
-            </a:r>
-            <a:r>
-              <a:rPr sz="1600" spc="-15" dirty="0">
-                <a:latin typeface="Arial MT"/>
-                <a:cs typeface="Arial MT"/>
-              </a:rPr>
-              <a:t>program</a:t>
-            </a:r>
-            <a:r>
-              <a:rPr sz="1600" spc="-35" dirty="0">
-                <a:latin typeface="Arial MT"/>
-                <a:cs typeface="Arial MT"/>
-              </a:rPr>
-              <a:t> </a:t>
-            </a:r>
-            <a:r>
-              <a:rPr sz="1600" i="1" spc="-15" dirty="0">
-                <a:latin typeface="Arial"/>
-                <a:cs typeface="Arial"/>
-              </a:rPr>
-              <a:t>probably</a:t>
-            </a:r>
-            <a:r>
-              <a:rPr sz="1600" i="1" spc="-20" dirty="0">
-                <a:latin typeface="Arial"/>
-                <a:cs typeface="Arial"/>
-              </a:rPr>
-              <a:t> </a:t>
-            </a:r>
-            <a:r>
-              <a:rPr sz="1600" spc="-15" dirty="0">
-                <a:latin typeface="Arial MT"/>
-                <a:cs typeface="Arial MT"/>
-              </a:rPr>
-              <a:t>crashes</a:t>
-            </a:r>
-            <a:endParaRPr sz="1600">
-              <a:latin typeface="Arial MT"/>
-              <a:cs typeface="Arial MT"/>
-            </a:endParaRPr>
-          </a:p>
-          <a:p>
-            <a:pPr>
-              <a:lnSpc>
-                <a:spcPct val="100000"/>
-              </a:lnSpc>
-              <a:spcBef>
-                <a:spcPts val="50"/>
-              </a:spcBef>
-              <a:buFont typeface="Wingdings"/>
-              <a:buChar char=""/>
-            </a:pPr>
-            <a:endParaRPr sz="2500">
-              <a:latin typeface="Arial MT"/>
-              <a:cs typeface="Arial MT"/>
-            </a:endParaRPr>
-          </a:p>
-          <a:p>
-            <a:pPr marL="140970" marR="5080" indent="-128905">
-              <a:lnSpc>
-                <a:spcPts val="1700"/>
-              </a:lnSpc>
-              <a:buSzPct val="81250"/>
-              <a:buFont typeface="Wingdings"/>
-              <a:buChar char=""/>
-              <a:tabLst>
-                <a:tab pos="141605" algn="l"/>
-              </a:tabLst>
-            </a:pPr>
-            <a:r>
-              <a:rPr sz="1600" spc="-15" dirty="0">
-                <a:latin typeface="Arial MT"/>
-                <a:cs typeface="Arial MT"/>
-              </a:rPr>
-              <a:t>Unless</a:t>
-            </a:r>
-            <a:r>
-              <a:rPr sz="1600" spc="-20" dirty="0">
-                <a:latin typeface="Arial MT"/>
-                <a:cs typeface="Arial MT"/>
-              </a:rPr>
-              <a:t> </a:t>
-            </a:r>
-            <a:r>
-              <a:rPr sz="1600" spc="-15" dirty="0">
-                <a:latin typeface="Arial MT"/>
-                <a:cs typeface="Arial MT"/>
-              </a:rPr>
-              <a:t>0xAAAA</a:t>
-            </a:r>
-            <a:r>
-              <a:rPr sz="1600" spc="-114" dirty="0">
-                <a:latin typeface="Arial MT"/>
-                <a:cs typeface="Arial MT"/>
-              </a:rPr>
-              <a:t> </a:t>
-            </a:r>
-            <a:r>
-              <a:rPr sz="1600" spc="-15" dirty="0">
-                <a:latin typeface="Arial MT"/>
-                <a:cs typeface="Arial MT"/>
-              </a:rPr>
-              <a:t>contains</a:t>
-            </a:r>
-            <a:r>
-              <a:rPr sz="1600" spc="-20" dirty="0">
-                <a:latin typeface="Arial MT"/>
-                <a:cs typeface="Arial MT"/>
-              </a:rPr>
-              <a:t> </a:t>
-            </a:r>
-            <a:r>
-              <a:rPr sz="1600" spc="-10" dirty="0">
-                <a:latin typeface="Arial MT"/>
-                <a:cs typeface="Arial MT"/>
-              </a:rPr>
-              <a:t>valid</a:t>
-            </a:r>
-            <a:r>
-              <a:rPr sz="1600" spc="-20" dirty="0">
-                <a:latin typeface="Arial MT"/>
-                <a:cs typeface="Arial MT"/>
-              </a:rPr>
-              <a:t> </a:t>
-            </a:r>
-            <a:r>
-              <a:rPr sz="1600" spc="-15" dirty="0">
-                <a:latin typeface="Arial MT"/>
-                <a:cs typeface="Arial MT"/>
-              </a:rPr>
-              <a:t>program</a:t>
-            </a:r>
-            <a:r>
-              <a:rPr sz="1600" spc="-30" dirty="0">
-                <a:latin typeface="Arial MT"/>
-                <a:cs typeface="Arial MT"/>
-              </a:rPr>
-              <a:t> </a:t>
-            </a:r>
-            <a:r>
-              <a:rPr sz="1600" spc="-15" dirty="0">
-                <a:latin typeface="Arial MT"/>
-                <a:cs typeface="Arial MT"/>
-              </a:rPr>
-              <a:t>code…</a:t>
-            </a:r>
-            <a:r>
-              <a:rPr sz="1600" spc="-35" dirty="0">
-                <a:latin typeface="Arial MT"/>
-                <a:cs typeface="Arial MT"/>
-              </a:rPr>
-              <a:t> </a:t>
-            </a:r>
-            <a:r>
-              <a:rPr sz="1600" spc="-10" dirty="0">
-                <a:latin typeface="Arial MT"/>
-                <a:cs typeface="Arial MT"/>
-              </a:rPr>
-              <a:t>the</a:t>
-            </a:r>
-            <a:r>
-              <a:rPr sz="1600" spc="-20" dirty="0">
-                <a:latin typeface="Arial MT"/>
-                <a:cs typeface="Arial MT"/>
-              </a:rPr>
-              <a:t> </a:t>
-            </a:r>
-            <a:r>
-              <a:rPr sz="1600" spc="-15" dirty="0">
-                <a:latin typeface="Arial MT"/>
-                <a:cs typeface="Arial MT"/>
-              </a:rPr>
-              <a:t>CPU</a:t>
-            </a:r>
-            <a:r>
-              <a:rPr sz="1600" spc="-25" dirty="0">
-                <a:latin typeface="Arial MT"/>
-                <a:cs typeface="Arial MT"/>
-              </a:rPr>
-              <a:t> </a:t>
-            </a:r>
-            <a:r>
-              <a:rPr sz="1600" spc="-15" dirty="0">
-                <a:latin typeface="Arial MT"/>
-                <a:cs typeface="Arial MT"/>
-              </a:rPr>
-              <a:t>can’t </a:t>
-            </a:r>
-            <a:r>
-              <a:rPr sz="1600" spc="-10" dirty="0">
-                <a:latin typeface="Arial MT"/>
-                <a:cs typeface="Arial MT"/>
-              </a:rPr>
-              <a:t>run </a:t>
-            </a:r>
-            <a:r>
-              <a:rPr sz="1600" spc="-425" dirty="0">
-                <a:latin typeface="Arial MT"/>
-                <a:cs typeface="Arial MT"/>
-              </a:rPr>
-              <a:t> </a:t>
-            </a:r>
-            <a:r>
-              <a:rPr sz="1600" spc="-10" dirty="0">
-                <a:latin typeface="Arial MT"/>
-                <a:cs typeface="Arial MT"/>
-              </a:rPr>
-              <a:t>from</a:t>
-            </a:r>
-            <a:r>
-              <a:rPr sz="1600" spc="-30" dirty="0">
-                <a:latin typeface="Arial MT"/>
-                <a:cs typeface="Arial MT"/>
-              </a:rPr>
-              <a:t> </a:t>
-            </a:r>
-            <a:r>
-              <a:rPr sz="1600" spc="-15" dirty="0">
-                <a:latin typeface="Arial MT"/>
-                <a:cs typeface="Arial MT"/>
-              </a:rPr>
-              <a:t>there</a:t>
-            </a:r>
-            <a:r>
-              <a:rPr sz="1600" spc="-20" dirty="0">
-                <a:latin typeface="Arial MT"/>
-                <a:cs typeface="Arial MT"/>
-              </a:rPr>
-              <a:t> </a:t>
-            </a:r>
-            <a:r>
-              <a:rPr sz="1600" spc="-10" dirty="0">
-                <a:latin typeface="Arial MT"/>
-                <a:cs typeface="Arial MT"/>
-              </a:rPr>
-              <a:t>so</a:t>
-            </a:r>
-            <a:r>
-              <a:rPr sz="1600" spc="-25" dirty="0">
-                <a:latin typeface="Arial MT"/>
-                <a:cs typeface="Arial MT"/>
-              </a:rPr>
-              <a:t> </a:t>
-            </a:r>
-            <a:r>
-              <a:rPr sz="1600" spc="-15" dirty="0">
-                <a:latin typeface="Arial MT"/>
-                <a:cs typeface="Arial MT"/>
-              </a:rPr>
-              <a:t>you’ll</a:t>
-            </a:r>
-            <a:r>
-              <a:rPr sz="1600" spc="-5" dirty="0">
-                <a:latin typeface="Arial MT"/>
-                <a:cs typeface="Arial MT"/>
-              </a:rPr>
-              <a:t> </a:t>
-            </a:r>
-            <a:r>
-              <a:rPr sz="1600" i="1" spc="-15" dirty="0">
-                <a:latin typeface="Arial"/>
-                <a:cs typeface="Arial"/>
-              </a:rPr>
-              <a:t>probably </a:t>
-            </a:r>
-            <a:r>
-              <a:rPr sz="1600" spc="-10" dirty="0">
-                <a:latin typeface="Arial MT"/>
-                <a:cs typeface="Arial MT"/>
-              </a:rPr>
-              <a:t>get an</a:t>
-            </a:r>
-            <a:r>
-              <a:rPr sz="1600" spc="-25" dirty="0">
-                <a:latin typeface="Arial MT"/>
-                <a:cs typeface="Arial MT"/>
-              </a:rPr>
-              <a:t> </a:t>
-            </a:r>
-            <a:r>
-              <a:rPr sz="1600" spc="-15" dirty="0">
-                <a:latin typeface="Arial MT"/>
-                <a:cs typeface="Arial MT"/>
-              </a:rPr>
-              <a:t>illegal</a:t>
-            </a:r>
-            <a:r>
-              <a:rPr sz="1600" spc="-10" dirty="0">
-                <a:latin typeface="Arial MT"/>
-                <a:cs typeface="Arial MT"/>
-              </a:rPr>
-              <a:t> </a:t>
-            </a:r>
-            <a:r>
-              <a:rPr sz="1600" spc="-15" dirty="0">
-                <a:latin typeface="Arial MT"/>
-                <a:cs typeface="Arial MT"/>
-              </a:rPr>
-              <a:t>instruction</a:t>
-            </a:r>
-            <a:r>
-              <a:rPr sz="1600" spc="-20" dirty="0">
-                <a:latin typeface="Arial MT"/>
-                <a:cs typeface="Arial MT"/>
-              </a:rPr>
-              <a:t> </a:t>
-            </a:r>
-            <a:r>
-              <a:rPr sz="1600" spc="-15" dirty="0">
-                <a:latin typeface="Arial MT"/>
-                <a:cs typeface="Arial MT"/>
-              </a:rPr>
-              <a:t>exception</a:t>
-            </a:r>
-            <a:endParaRPr sz="1600">
-              <a:latin typeface="Arial MT"/>
-              <a:cs typeface="Arial MT"/>
-            </a:endParaRPr>
-          </a:p>
-          <a:p>
-            <a:pPr>
-              <a:lnSpc>
-                <a:spcPct val="100000"/>
-              </a:lnSpc>
-              <a:spcBef>
-                <a:spcPts val="30"/>
-              </a:spcBef>
-              <a:buFont typeface="Wingdings"/>
-              <a:buChar char=""/>
-            </a:pPr>
-            <a:endParaRPr sz="2300">
-              <a:latin typeface="Arial MT"/>
-              <a:cs typeface="Arial MT"/>
-            </a:endParaRPr>
-          </a:p>
-          <a:p>
-            <a:pPr marL="141605" indent="-128905">
-              <a:lnSpc>
-                <a:spcPct val="100000"/>
-              </a:lnSpc>
-              <a:buSzPct val="81250"/>
-              <a:buFont typeface="Wingdings"/>
-              <a:buChar char=""/>
-              <a:tabLst>
-                <a:tab pos="141605" algn="l"/>
-              </a:tabLst>
-            </a:pPr>
-            <a:r>
-              <a:rPr sz="1600" spc="-15" dirty="0">
-                <a:latin typeface="Arial MT"/>
-                <a:cs typeface="Arial MT"/>
-              </a:rPr>
-              <a:t>…Probably</a:t>
-            </a:r>
-            <a:endParaRPr sz="1600">
-              <a:latin typeface="Arial MT"/>
-              <a:cs typeface="Arial MT"/>
-            </a:endParaRPr>
-          </a:p>
-        </p:txBody>
-      </p:sp>
-      <p:sp>
-        <p:nvSpPr>
-          <p:cNvPr id="4" name="Title 5">
-            <a:extLst>
-              <a:ext uri="{FF2B5EF4-FFF2-40B4-BE49-F238E27FC236}">
-                <a16:creationId xmlns:a16="http://schemas.microsoft.com/office/drawing/2014/main" id="{16ED3C95-B19A-E7E4-DEB8-9C9B93EC9A2D}"/>
-              </a:ext>
-            </a:extLst>
-          </p:cNvPr>
-          <p:cNvSpPr txBox="1">
-            <a:spLocks/>
-          </p:cNvSpPr>
-          <p:nvPr/>
-        </p:nvSpPr>
-        <p:spPr>
-          <a:xfrm>
-            <a:off x="471487" y="76200"/>
-            <a:ext cx="5915025" cy="697706"/>
-          </a:xfrm>
-          <a:prstGeom prst="rect">
-            <a:avLst/>
-          </a:prstGeom>
-        </p:spPr>
-        <p:txBody>
-          <a:bodyPr vert="horz" lIns="91440" tIns="45720" rIns="91440" bIns="45720" rtlCol="0" anchor="ctr">
-            <a:normAutofit/>
-          </a:bodyPr>
-          <a:lstStyle>
-            <a:lvl1pPr algn="l" defTabSz="514350" rtl="0" eaLnBrk="1" latinLnBrk="0" hangingPunct="1">
-              <a:lnSpc>
-                <a:spcPct val="90000"/>
-              </a:lnSpc>
-              <a:spcBef>
-                <a:spcPct val="0"/>
-              </a:spcBef>
-              <a:buNone/>
-              <a:defRPr sz="2475" kern="1200">
-                <a:solidFill>
-                  <a:schemeClr val="tx1"/>
-                </a:solidFill>
-                <a:latin typeface="+mj-lt"/>
-                <a:ea typeface="+mj-ea"/>
-                <a:cs typeface="+mj-cs"/>
-              </a:defRPr>
-            </a:lvl1pPr>
-          </a:lstStyle>
-          <a:p>
-            <a:pPr algn="ctr"/>
-            <a:r>
-              <a:rPr lang="en-US" sz="3200" spc="-5" dirty="0" err="1">
-                <a:latin typeface="Times New Roman" panose="02020603050405020304" pitchFamily="18" charset="0"/>
-                <a:cs typeface="Times New Roman" panose="02020603050405020304" pitchFamily="18" charset="0"/>
-              </a:rPr>
-              <a:t>BoF</a:t>
-            </a:r>
-            <a:r>
-              <a:rPr lang="en-US" sz="3200" spc="-5" dirty="0">
-                <a:latin typeface="Times New Roman" panose="02020603050405020304" pitchFamily="18" charset="0"/>
-                <a:cs typeface="Times New Roman" panose="02020603050405020304" pitchFamily="18" charset="0"/>
-              </a:rPr>
-              <a:t> Consequences</a:t>
-            </a:r>
-            <a:endParaRPr lang="en-GB" sz="3200" spc="-5" dirty="0">
-              <a:latin typeface="Times New Roman" panose="02020603050405020304" pitchFamily="18" charset="0"/>
-              <a:cs typeface="Times New Roman" panose="02020603050405020304" pitchFamily="18" charset="0"/>
-            </a:endParaRPr>
-          </a:p>
-        </p:txBody>
-      </p:sp>
-    </p:spTree>
-  </p:cSld>
-  <p:clrMapOvr>
-    <a:masterClrMapping/>
-  </p:clrMapOvr>
-</p:sld>
-</file>
-
-<file path=ppt/slides/slide23.xml><?xml version="1.0" encoding="utf-8"?>
+<file path=ppt/slides/slide24.xml><?xml version="1.0" encoding="utf-8"?>
 <p:sld xmlns:a="http://schemas.openxmlformats.org/drawingml/2006/main" xmlns:r="http://schemas.openxmlformats.org/officeDocument/2006/relationships" xmlns:p="http://schemas.openxmlformats.org/presentationml/2006/main">
   <p:cSld>
     <p:spTree>
@@ -12883,7 +12773,7 @@
 </p:sld>
 </file>
 
-<file path=ppt/slides/slide24.xml><?xml version="1.0" encoding="utf-8"?>
+<file path=ppt/slides/slide25.xml><?xml version="1.0" encoding="utf-8"?>
 <p:sld xmlns:a="http://schemas.openxmlformats.org/drawingml/2006/main" xmlns:r="http://schemas.openxmlformats.org/officeDocument/2006/relationships" xmlns:p="http://schemas.openxmlformats.org/presentationml/2006/main">
   <p:cSld>
     <p:spTree>
@@ -14122,7 +14012,7 @@
 </p:sld>
 </file>
 
-<file path=ppt/slides/slide25.xml><?xml version="1.0" encoding="utf-8"?>
+<file path=ppt/slides/slide26.xml><?xml version="1.0" encoding="utf-8"?>
 <p:sld xmlns:a="http://schemas.openxmlformats.org/drawingml/2006/main" xmlns:r="http://schemas.openxmlformats.org/officeDocument/2006/relationships" xmlns:p="http://schemas.openxmlformats.org/presentationml/2006/main">
   <p:cSld>
     <p:spTree>
@@ -14148,7 +14038,7 @@
         <p:spPr>
           <a:xfrm>
             <a:off x="356840" y="1333935"/>
-            <a:ext cx="6124575" cy="2742802"/>
+            <a:ext cx="6124575" cy="2958246"/>
           </a:xfrm>
           <a:prstGeom prst="rect">
             <a:avLst/>
@@ -14172,212 +14062,19 @@
               </a:tabLst>
             </a:pPr>
             <a:r>
-              <a:rPr sz="1600" spc="-5" dirty="0">
-                <a:latin typeface="Arial MT"/>
-                <a:cs typeface="Arial MT"/>
-              </a:rPr>
-              <a:t>If</a:t>
-            </a:r>
-            <a:r>
-              <a:rPr sz="1600" spc="-20" dirty="0">
-                <a:latin typeface="Arial MT"/>
-                <a:cs typeface="Arial MT"/>
-              </a:rPr>
-              <a:t> </a:t>
-            </a:r>
-            <a:r>
-              <a:rPr sz="1600" spc="-15" dirty="0">
-                <a:latin typeface="Arial MT"/>
-                <a:cs typeface="Arial MT"/>
-              </a:rPr>
-              <a:t>you’re</a:t>
-            </a:r>
-            <a:r>
-              <a:rPr sz="1600" spc="-25" dirty="0">
-                <a:latin typeface="Arial MT"/>
-                <a:cs typeface="Arial MT"/>
-              </a:rPr>
-              <a:t> </a:t>
-            </a:r>
-            <a:r>
-              <a:rPr sz="1600" spc="-15" dirty="0">
-                <a:latin typeface="Arial MT"/>
-                <a:cs typeface="Arial MT"/>
-              </a:rPr>
-              <a:t>using</a:t>
-            </a:r>
-            <a:r>
-              <a:rPr sz="1600" spc="-25" dirty="0">
-                <a:latin typeface="Arial MT"/>
-                <a:cs typeface="Arial MT"/>
-              </a:rPr>
-              <a:t> </a:t>
-            </a:r>
-            <a:r>
-              <a:rPr sz="1600" dirty="0">
-                <a:latin typeface="Arial MT"/>
-                <a:cs typeface="Arial MT"/>
-              </a:rPr>
-              <a:t>C</a:t>
-            </a:r>
-            <a:r>
-              <a:rPr sz="1600" spc="-35" dirty="0">
-                <a:latin typeface="Arial MT"/>
-                <a:cs typeface="Arial MT"/>
-              </a:rPr>
-              <a:t> </a:t>
-            </a:r>
-            <a:r>
-              <a:rPr sz="1600" spc="-15" dirty="0">
-                <a:latin typeface="Arial MT"/>
-                <a:cs typeface="Arial MT"/>
-              </a:rPr>
-              <a:t>use</a:t>
-            </a:r>
-            <a:r>
-              <a:rPr sz="1600" spc="-25" dirty="0">
-                <a:latin typeface="Arial MT"/>
-                <a:cs typeface="Arial MT"/>
-              </a:rPr>
-              <a:t> </a:t>
-            </a:r>
-            <a:r>
-              <a:rPr sz="1600" spc="-10" dirty="0">
-                <a:latin typeface="Arial MT"/>
-                <a:cs typeface="Arial MT"/>
-              </a:rPr>
-              <a:t>the</a:t>
-            </a:r>
-            <a:r>
-              <a:rPr sz="1600" spc="-25" dirty="0">
-                <a:latin typeface="Arial MT"/>
-                <a:cs typeface="Arial MT"/>
-              </a:rPr>
-              <a:t> </a:t>
-            </a:r>
-            <a:r>
-              <a:rPr sz="1600" spc="-20" dirty="0">
-                <a:latin typeface="Arial MT"/>
-                <a:cs typeface="Arial MT"/>
-              </a:rPr>
-              <a:t>bounded</a:t>
-            </a:r>
-            <a:r>
-              <a:rPr sz="1600" spc="-15" dirty="0">
-                <a:latin typeface="Arial MT"/>
-                <a:cs typeface="Arial MT"/>
-              </a:rPr>
-              <a:t> strcpy/gets</a:t>
-            </a:r>
-            <a:r>
-              <a:rPr sz="1600" spc="-20" dirty="0">
-                <a:latin typeface="Arial MT"/>
-                <a:cs typeface="Arial MT"/>
-              </a:rPr>
-              <a:t> </a:t>
-            </a:r>
-            <a:r>
-              <a:rPr sz="1600" spc="-15" dirty="0">
-                <a:latin typeface="Arial MT"/>
-                <a:cs typeface="Arial MT"/>
-              </a:rPr>
-              <a:t>variants</a:t>
-            </a:r>
-            <a:r>
-              <a:rPr lang="en-US" sz="1600" spc="-15" dirty="0">
-                <a:latin typeface="Arial MT"/>
-                <a:cs typeface="Arial MT"/>
-              </a:rPr>
-              <a:t>, </a:t>
-            </a:r>
-            <a:r>
-              <a:rPr lang="en-US" sz="1600" spc="-15" dirty="0">
-                <a:latin typeface="Arial"/>
-                <a:cs typeface="Arial"/>
-              </a:rPr>
-              <a:t>u</a:t>
-            </a:r>
-            <a:r>
-              <a:rPr lang="en-US" sz="1600" dirty="0">
-                <a:latin typeface="Arial"/>
-                <a:cs typeface="Arial"/>
-              </a:rPr>
-              <a:t>se</a:t>
-            </a:r>
-            <a:r>
-              <a:rPr lang="en-US" sz="1600" spc="-10" dirty="0">
-                <a:latin typeface="Arial"/>
-                <a:cs typeface="Arial"/>
-              </a:rPr>
-              <a:t> </a:t>
-            </a:r>
-            <a:r>
-              <a:rPr lang="en-US" sz="1600" dirty="0">
-                <a:latin typeface="Arial"/>
-                <a:cs typeface="Arial"/>
-              </a:rPr>
-              <a:t>safe</a:t>
-            </a:r>
-            <a:r>
-              <a:rPr lang="en-US" sz="1600" spc="-10" dirty="0">
-                <a:latin typeface="Arial"/>
-                <a:cs typeface="Arial"/>
-              </a:rPr>
-              <a:t> </a:t>
-            </a:r>
-            <a:r>
-              <a:rPr lang="en-US" sz="1600" dirty="0">
-                <a:latin typeface="Arial"/>
-                <a:cs typeface="Arial"/>
-              </a:rPr>
-              <a:t>version</a:t>
-            </a:r>
-            <a:r>
-              <a:rPr lang="en-US" sz="1600" spc="-5" dirty="0">
-                <a:latin typeface="Arial"/>
-                <a:cs typeface="Arial"/>
-              </a:rPr>
-              <a:t> </a:t>
-            </a:r>
-            <a:r>
-              <a:rPr lang="en-US" sz="1600" dirty="0">
-                <a:latin typeface="Arial"/>
-                <a:cs typeface="Arial"/>
-              </a:rPr>
-              <a:t>of</a:t>
-            </a:r>
-            <a:r>
-              <a:rPr lang="en-US" sz="1600" spc="-10" dirty="0">
-                <a:latin typeface="Arial"/>
-                <a:cs typeface="Arial"/>
-              </a:rPr>
-              <a:t> </a:t>
-            </a:r>
-            <a:r>
-              <a:rPr lang="en-US" sz="1600" dirty="0">
-                <a:latin typeface="Arial"/>
-                <a:cs typeface="Arial"/>
-              </a:rPr>
-              <a:t>C</a:t>
-            </a:r>
-            <a:r>
-              <a:rPr lang="en-US" sz="1600" spc="-125" dirty="0">
-                <a:latin typeface="Arial"/>
-                <a:cs typeface="Arial"/>
-              </a:rPr>
-              <a:t> </a:t>
-            </a:r>
-            <a:r>
-              <a:rPr lang="en-US" sz="1600" spc="-20" dirty="0">
-                <a:latin typeface="Arial"/>
-                <a:cs typeface="Arial"/>
-              </a:rPr>
-              <a:t>APIs</a:t>
-            </a:r>
-            <a:endParaRPr lang="en-US" sz="1600" dirty="0">
-              <a:latin typeface="Arial"/>
-              <a:cs typeface="Arial"/>
-            </a:endParaRPr>
+              <a:rPr dirty="0">
+                <a:latin typeface="Times New Roman" panose="02020603050405020304" pitchFamily="18" charset="0"/>
+                <a:cs typeface="Times New Roman" panose="02020603050405020304" pitchFamily="18" charset="0"/>
+              </a:rPr>
+              <a:t>If you’re using C use the bounded strcpy/gets variants</a:t>
+            </a:r>
+            <a:r>
+              <a:rPr lang="en-US" dirty="0">
+                <a:latin typeface="Times New Roman" panose="02020603050405020304" pitchFamily="18" charset="0"/>
+                <a:cs typeface="Times New Roman" panose="02020603050405020304" pitchFamily="18" charset="0"/>
+              </a:rPr>
+              <a:t>, use safe version of C APIs</a:t>
+            </a:r>
           </a:p>
           <a:p>
             <a:pPr marL="141605" indent="-128905">
@@ -14394,9 +14091,9 @@
                 <a:tab pos="141605" algn="l"/>
               </a:tabLst>
             </a:pPr>
-            <a:endParaRPr sz="1600" dirty="0">
-              <a:latin typeface="Arial MT"/>
-              <a:cs typeface="Arial MT"/>
+            <a:endParaRPr dirty="0">
+              <a:latin typeface="Times New Roman" panose="02020603050405020304" pitchFamily="18" charset="0"/>
+              <a:cs typeface="Times New Roman" panose="02020603050405020304" pitchFamily="18" charset="0"/>
             </a:endParaRPr>
           </a:p>
           <a:p>
@@ -14409,78 +14106,36 @@
               </a:spcBef>
             </a:pPr>
             <a:r>
-              <a:rPr sz="1400" spc="-25" dirty="0" err="1">
-                <a:latin typeface="Arial MT"/>
-                <a:cs typeface="Arial MT"/>
+              <a:rPr dirty="0" err="1">
+                <a:latin typeface="Times New Roman" panose="02020603050405020304" pitchFamily="18" charset="0"/>
+                <a:cs typeface="Times New Roman" panose="02020603050405020304" pitchFamily="18" charset="0"/>
               </a:rPr>
               <a:t>strnpcy</a:t>
             </a:r>
             <a:r>
-              <a:rPr sz="1400" spc="-40" dirty="0">
-                <a:latin typeface="Arial MT"/>
-                <a:cs typeface="Arial MT"/>
-              </a:rPr>
-              <a:t> </a:t>
-            </a:r>
-            <a:r>
-              <a:rPr sz="1400" spc="-10" dirty="0">
-                <a:latin typeface="Arial MT"/>
-                <a:cs typeface="Arial MT"/>
-              </a:rPr>
-              <a:t>is</a:t>
-            </a:r>
-            <a:r>
-              <a:rPr sz="1400" spc="-35" dirty="0">
-                <a:latin typeface="Arial MT"/>
-                <a:cs typeface="Arial MT"/>
-              </a:rPr>
-              <a:t> </a:t>
-            </a:r>
-            <a:r>
-              <a:rPr sz="1400" spc="-20" dirty="0">
-                <a:latin typeface="Arial MT"/>
-                <a:cs typeface="Arial MT"/>
-              </a:rPr>
-              <a:t>better</a:t>
-            </a:r>
-            <a:r>
-              <a:rPr sz="1400" spc="-25" dirty="0">
-                <a:latin typeface="Arial MT"/>
-                <a:cs typeface="Arial MT"/>
-              </a:rPr>
-              <a:t> </a:t>
-            </a:r>
-            <a:r>
-              <a:rPr sz="1400" spc="-20" dirty="0">
-                <a:latin typeface="Arial MT"/>
-                <a:cs typeface="Arial MT"/>
-              </a:rPr>
-              <a:t>than</a:t>
-            </a:r>
-            <a:r>
-              <a:rPr sz="1400" spc="-45" dirty="0">
-                <a:latin typeface="Arial MT"/>
-                <a:cs typeface="Arial MT"/>
-              </a:rPr>
-              <a:t> </a:t>
-            </a:r>
-            <a:r>
-              <a:rPr sz="1400" spc="-25" dirty="0" err="1">
-                <a:latin typeface="Arial MT"/>
-                <a:cs typeface="Arial MT"/>
+              <a:rPr dirty="0">
+                <a:latin typeface="Times New Roman" panose="02020603050405020304" pitchFamily="18" charset="0"/>
+                <a:cs typeface="Times New Roman" panose="02020603050405020304" pitchFamily="18" charset="0"/>
+              </a:rPr>
+              <a:t> is better than </a:t>
+            </a:r>
+            <a:r>
+              <a:rPr dirty="0" err="1">
+                <a:latin typeface="Times New Roman" panose="02020603050405020304" pitchFamily="18" charset="0"/>
+                <a:cs typeface="Times New Roman" panose="02020603050405020304" pitchFamily="18" charset="0"/>
               </a:rPr>
               <a:t>strcpy</a:t>
             </a:r>
             <a:r>
-              <a:rPr sz="1400" spc="-35" dirty="0">
-                <a:latin typeface="Arial MT"/>
-                <a:cs typeface="Arial MT"/>
-              </a:rPr>
-              <a:t> </a:t>
-            </a:r>
-            <a:endParaRPr lang="en-US" sz="1400" spc="-35" dirty="0">
-              <a:latin typeface="Arial MT"/>
-              <a:cs typeface="Arial MT"/>
+              <a:rPr dirty="0">
+                <a:latin typeface="Times New Roman" panose="02020603050405020304" pitchFamily="18" charset="0"/>
+                <a:cs typeface="Times New Roman" panose="02020603050405020304" pitchFamily="18" charset="0"/>
+              </a:rPr>
+              <a:t> </a:t>
+            </a:r>
+            <a:endParaRPr lang="en-US" dirty="0">
+              <a:latin typeface="Times New Roman" panose="02020603050405020304" pitchFamily="18" charset="0"/>
+              <a:cs typeface="Times New Roman" panose="02020603050405020304" pitchFamily="18" charset="0"/>
             </a:endParaRPr>
           </a:p>
           <a:p>
@@ -14490,14 +14145,16 @@
               </a:spcBef>
             </a:pPr>
             <a:r>
-              <a:rPr lang="en-US" sz="1400" dirty="0" err="1">
-                <a:latin typeface="Arial MT"/>
+              <a:rPr lang="en-US" dirty="0" err="1">
+                <a:latin typeface="Times New Roman" panose="02020603050405020304" pitchFamily="18" charset="0"/>
+                <a:cs typeface="Times New Roman" panose="02020603050405020304" pitchFamily="18" charset="0"/>
               </a:rPr>
               <a:t>fgets</a:t>
             </a:r>
             <a:r>
-              <a:rPr lang="en-US" sz="1400" dirty="0">
-                <a:latin typeface="Arial MT"/>
+              <a:rPr lang="en-US" dirty="0">
+                <a:latin typeface="Times New Roman" panose="02020603050405020304" pitchFamily="18" charset="0"/>
+                <a:cs typeface="Times New Roman" panose="02020603050405020304" pitchFamily="18" charset="0"/>
               </a:rPr>
               <a:t> is better than gets</a:t>
             </a:r>
@@ -14689,7 +14346,7 @@
 </p:sld>
 </file>
 
-<file path=ppt/slides/slide26.xml><?xml version="1.0" encoding="utf-8"?>
+<file path=ppt/slides/slide27.xml><?xml version="1.0" encoding="utf-8"?>
 <p:sld xmlns:a="http://schemas.openxmlformats.org/drawingml/2006/main" xmlns:r="http://schemas.openxmlformats.org/officeDocument/2006/relationships" xmlns:p="http://schemas.openxmlformats.org/presentationml/2006/main">
   <p:cSld>
     <p:spTree>
@@ -15662,7 +15319,7 @@
 </p:sld>
 </file>
 
-<file path=ppt/slides/slide27.xml><?xml version="1.0" encoding="utf-8"?>
+<file path=ppt/slides/slide28.xml><?xml version="1.0" encoding="utf-8"?>
 <p:sld xmlns:a="http://schemas.openxmlformats.org/drawingml/2006/main" xmlns:r="http://schemas.openxmlformats.org/officeDocument/2006/relationships" xmlns:p="http://schemas.openxmlformats.org/presentationml/2006/main">
   <p:cSld>
     <p:spTree>
@@ -15858,7 +15515,7 @@
                   <a:spcPts val="1425"/>
                 </a:lnSpc>
               </a:pPr>
-              <a:t>27</a:t>
+              <a:t>28</a:t>
             </a:fld>
             <a:endParaRPr dirty="0"/>
           </a:p>
@@ -17041,7 +16698,7 @@
 </p:sld>
 </file>
 
-<file path=ppt/slides/slide28.xml><?xml version="1.0" encoding="utf-8"?>
+<file path=ppt/slides/slide29.xml><?xml version="1.0" encoding="utf-8"?>
 <p:sld xmlns:a="http://schemas.openxmlformats.org/drawingml/2006/main" xmlns:r="http://schemas.openxmlformats.org/officeDocument/2006/relationships" xmlns:p="http://schemas.openxmlformats.org/presentationml/2006/main">
   <p:cSld>
     <p:spTree>
@@ -17239,7 +16896,7 @@
                   <a:spcPts val="1425"/>
                 </a:lnSpc>
               </a:pPr>
-              <a:t>28</a:t>
+              <a:t>29</a:t>
             </a:fld>
             <a:endParaRPr dirty="0"/>
           </a:p>
@@ -17883,7 +17540,293 @@
 </p:sld>
 </file>
 
-<file path=ppt/slides/slide29.xml><?xml version="1.0" encoding="utf-8"?>
+<file path=ppt/slides/slide3.xml><?xml version="1.0" encoding="utf-8"?>
+<p:sld xmlns:a="http://schemas.openxmlformats.org/drawingml/2006/main" xmlns:r="http://schemas.openxmlformats.org/officeDocument/2006/relationships" xmlns:p="http://schemas.openxmlformats.org/presentationml/2006/main">
+  <p:cSld>
+    <p:spTree>
+      <p:nvGrpSpPr>
+        <p:cNvPr id="1" name=""/>
+        <p:cNvGrpSpPr/>
+        <p:nvPr/>
+      </p:nvGrpSpPr>
+      <p:grpSpPr>
+        <a:xfrm>
+          <a:off x="0" y="0"/>
+          <a:ext cx="0" cy="0"/>
+          <a:chOff x="0" y="0"/>
+          <a:chExt cx="0" cy="0"/>
+        </a:xfrm>
+      </p:grpSpPr>
+      <p:sp>
+        <p:nvSpPr>
+          <p:cNvPr id="3" name="object 3"/>
+          <p:cNvSpPr txBox="1"/>
+          <p:nvPr/>
+        </p:nvSpPr>
+        <p:spPr>
+          <a:xfrm>
+            <a:off x="356840" y="1362964"/>
+            <a:ext cx="6058535" cy="2746906"/>
+          </a:xfrm>
+          <a:prstGeom prst="rect">
+            <a:avLst/>
+          </a:prstGeom>
+        </p:spPr>
+        <p:txBody>
+          <a:bodyPr vert="horz" wrap="square" lIns="0" tIns="43180" rIns="0" bIns="0" rtlCol="0">
+            <a:spAutoFit/>
+          </a:bodyPr>
+          <a:lstStyle/>
+          <a:p>
+            <a:pPr marL="140970" marR="5080" indent="-128905">
+              <a:lnSpc>
+                <a:spcPts val="1700"/>
+              </a:lnSpc>
+              <a:spcBef>
+                <a:spcPts val="340"/>
+              </a:spcBef>
+              <a:buSzPct val="81250"/>
+              <a:buFont typeface="Wingdings"/>
+              <a:buChar char=""/>
+              <a:tabLst>
+                <a:tab pos="141605" algn="l"/>
+              </a:tabLst>
+            </a:pPr>
+            <a:r>
+              <a:rPr spc="-15" dirty="0">
+                <a:latin typeface="Times New Roman" panose="02020603050405020304" pitchFamily="18" charset="0"/>
+                <a:cs typeface="Times New Roman" panose="02020603050405020304" pitchFamily="18" charset="0"/>
+              </a:rPr>
+              <a:t>Pointers allow you to refer to (semi) arbitrary memory addresses in  most programming languages</a:t>
+            </a:r>
+          </a:p>
+          <a:p>
+            <a:pPr marL="398780" lvl="1" indent="-128905">
+              <a:lnSpc>
+                <a:spcPct val="100000"/>
+              </a:lnSpc>
+              <a:spcBef>
+                <a:spcPts val="160"/>
+              </a:spcBef>
+              <a:buChar char="–"/>
+              <a:tabLst>
+                <a:tab pos="398780" algn="l"/>
+              </a:tabLst>
+            </a:pPr>
+            <a:r>
+              <a:rPr spc="-15" dirty="0">
+                <a:latin typeface="Times New Roman" panose="02020603050405020304" pitchFamily="18" charset="0"/>
+                <a:cs typeface="Times New Roman" panose="02020603050405020304" pitchFamily="18" charset="0"/>
+              </a:rPr>
+              <a:t>in C</a:t>
+            </a:r>
+          </a:p>
+          <a:p>
+            <a:pPr lvl="1">
+              <a:lnSpc>
+                <a:spcPct val="100000"/>
+              </a:lnSpc>
+              <a:buFont typeface="Arial MT"/>
+              <a:buChar char="–"/>
+            </a:pPr>
+            <a:endParaRPr spc="-15" dirty="0">
+              <a:latin typeface="Times New Roman" panose="02020603050405020304" pitchFamily="18" charset="0"/>
+              <a:cs typeface="Times New Roman" panose="02020603050405020304" pitchFamily="18" charset="0"/>
+            </a:endParaRPr>
+          </a:p>
+          <a:p>
+            <a:pPr marL="141605" indent="-128905">
+              <a:lnSpc>
+                <a:spcPct val="100000"/>
+              </a:lnSpc>
+              <a:buSzPct val="81250"/>
+              <a:buFont typeface="Wingdings"/>
+              <a:buChar char=""/>
+              <a:tabLst>
+                <a:tab pos="141605" algn="l"/>
+              </a:tabLst>
+            </a:pPr>
+            <a:r>
+              <a:rPr spc="-15" dirty="0">
+                <a:latin typeface="Times New Roman" panose="02020603050405020304" pitchFamily="18" charset="0"/>
+                <a:cs typeface="Times New Roman" panose="02020603050405020304" pitchFamily="18" charset="0"/>
+              </a:rPr>
+              <a:t>Some languages claim not to have them (e.g. Java)</a:t>
+            </a:r>
+          </a:p>
+          <a:p>
+            <a:pPr marL="398780" lvl="1" indent="-128905">
+              <a:lnSpc>
+                <a:spcPct val="100000"/>
+              </a:lnSpc>
+              <a:spcBef>
+                <a:spcPts val="80"/>
+              </a:spcBef>
+              <a:buChar char="–"/>
+              <a:tabLst>
+                <a:tab pos="398780" algn="l"/>
+              </a:tabLst>
+            </a:pPr>
+            <a:r>
+              <a:rPr spc="-15" dirty="0">
+                <a:latin typeface="Times New Roman" panose="02020603050405020304" pitchFamily="18" charset="0"/>
+                <a:cs typeface="Times New Roman" panose="02020603050405020304" pitchFamily="18" charset="0"/>
+              </a:rPr>
+              <a:t>Not strictly true… just not usually as easy to abuse as Cs</a:t>
+            </a:r>
+          </a:p>
+          <a:p>
+            <a:pPr marL="398780" lvl="1" indent="-128905">
+              <a:lnSpc>
+                <a:spcPct val="100000"/>
+              </a:lnSpc>
+              <a:spcBef>
+                <a:spcPts val="25"/>
+              </a:spcBef>
+              <a:buChar char="–"/>
+              <a:tabLst>
+                <a:tab pos="398780" algn="l"/>
+              </a:tabLst>
+            </a:pPr>
+            <a:r>
+              <a:rPr lang="en-US" spc="-15" dirty="0">
+                <a:latin typeface="Times New Roman" panose="02020603050405020304" pitchFamily="18" charset="0"/>
+                <a:cs typeface="Times New Roman" panose="02020603050405020304" pitchFamily="18" charset="0"/>
+              </a:rPr>
+              <a:t>Objects </a:t>
+            </a:r>
+            <a:endParaRPr spc="-15" dirty="0">
+              <a:latin typeface="Times New Roman" panose="02020603050405020304" pitchFamily="18" charset="0"/>
+              <a:cs typeface="Times New Roman" panose="02020603050405020304" pitchFamily="18" charset="0"/>
+            </a:endParaRPr>
+          </a:p>
+          <a:p>
+            <a:pPr lvl="1">
+              <a:lnSpc>
+                <a:spcPct val="100000"/>
+              </a:lnSpc>
+              <a:buFont typeface="Arial MT"/>
+              <a:buChar char="–"/>
+            </a:pPr>
+            <a:endParaRPr spc="-15" dirty="0">
+              <a:latin typeface="Times New Roman" panose="02020603050405020304" pitchFamily="18" charset="0"/>
+              <a:cs typeface="Times New Roman" panose="02020603050405020304" pitchFamily="18" charset="0"/>
+            </a:endParaRPr>
+          </a:p>
+          <a:p>
+            <a:pPr marL="141605" indent="-128905">
+              <a:lnSpc>
+                <a:spcPct val="100000"/>
+              </a:lnSpc>
+              <a:buSzPct val="81250"/>
+              <a:buFont typeface="Wingdings"/>
+              <a:buChar char=""/>
+              <a:tabLst>
+                <a:tab pos="141605" algn="l"/>
+              </a:tabLst>
+            </a:pPr>
+            <a:r>
+              <a:rPr spc="-15" dirty="0">
+                <a:latin typeface="Times New Roman" panose="02020603050405020304" pitchFamily="18" charset="0"/>
+                <a:cs typeface="Times New Roman" panose="02020603050405020304" pitchFamily="18" charset="0"/>
+              </a:rPr>
+              <a:t>To introduce a bug…</a:t>
+            </a:r>
+          </a:p>
+          <a:p>
+            <a:pPr marL="398780" lvl="1" indent="-128905">
+              <a:lnSpc>
+                <a:spcPct val="100000"/>
+              </a:lnSpc>
+              <a:spcBef>
+                <a:spcPts val="80"/>
+              </a:spcBef>
+              <a:buChar char="–"/>
+              <a:tabLst>
+                <a:tab pos="398780" algn="l"/>
+              </a:tabLst>
+            </a:pPr>
+            <a:r>
+              <a:rPr spc="-15" dirty="0">
+                <a:latin typeface="Times New Roman" panose="02020603050405020304" pitchFamily="18" charset="0"/>
+                <a:cs typeface="Times New Roman" panose="02020603050405020304" pitchFamily="18" charset="0"/>
+              </a:rPr>
+              <a:t>Get a pointer pointing somewhere it shouldn’t</a:t>
+            </a:r>
+          </a:p>
+        </p:txBody>
+      </p:sp>
+      <p:sp>
+        <p:nvSpPr>
+          <p:cNvPr id="5" name="Title 5">
+            <a:extLst>
+              <a:ext uri="{FF2B5EF4-FFF2-40B4-BE49-F238E27FC236}">
+                <a16:creationId xmlns:a16="http://schemas.microsoft.com/office/drawing/2014/main" id="{FF50A2BB-0137-37C2-F031-6316F0B88426}"/>
+              </a:ext>
+            </a:extLst>
+          </p:cNvPr>
+          <p:cNvSpPr txBox="1">
+            <a:spLocks/>
+          </p:cNvSpPr>
+          <p:nvPr/>
+        </p:nvSpPr>
+        <p:spPr>
+          <a:xfrm>
+            <a:off x="471487" y="76200"/>
+            <a:ext cx="5915025" cy="697706"/>
+          </a:xfrm>
+          <a:prstGeom prst="rect">
+            <a:avLst/>
+          </a:prstGeom>
+        </p:spPr>
+        <p:txBody>
+          <a:bodyPr vert="horz" lIns="91440" tIns="45720" rIns="91440" bIns="45720" rtlCol="0" anchor="ctr">
+            <a:normAutofit/>
+          </a:bodyPr>
+          <a:lstStyle>
+            <a:lvl1pPr algn="l" defTabSz="514350" rtl="0" eaLnBrk="1" latinLnBrk="0" hangingPunct="1">
+              <a:lnSpc>
+                <a:spcPct val="90000"/>
+              </a:lnSpc>
+              <a:spcBef>
+                <a:spcPct val="0"/>
+              </a:spcBef>
+              <a:buNone/>
+              <a:defRPr sz="2475" kern="1200">
+                <a:solidFill>
+                  <a:schemeClr val="tx1"/>
+                </a:solidFill>
+                <a:latin typeface="+mj-lt"/>
+                <a:ea typeface="+mj-ea"/>
+                <a:cs typeface="+mj-cs"/>
+              </a:defRPr>
+            </a:lvl1pPr>
+          </a:lstStyle>
+          <a:p>
+            <a:pPr algn="ctr"/>
+            <a:r>
+              <a:rPr lang="en-GB" sz="3200" spc="-5" dirty="0">
+                <a:latin typeface="Times New Roman" panose="02020603050405020304" pitchFamily="18" charset="0"/>
+                <a:cs typeface="Times New Roman" panose="02020603050405020304" pitchFamily="18" charset="0"/>
+              </a:rPr>
+              <a:t>Pointers</a:t>
+            </a:r>
+            <a:endParaRPr lang="en-GB" sz="3200" dirty="0">
+              <a:latin typeface="Times New Roman" panose="02020603050405020304" pitchFamily="18" charset="0"/>
+              <a:cs typeface="Times New Roman" panose="02020603050405020304" pitchFamily="18" charset="0"/>
+            </a:endParaRPr>
+          </a:p>
+        </p:txBody>
+      </p:sp>
+    </p:spTree>
+  </p:cSld>
+  <p:clrMapOvr>
+    <a:masterClrMapping/>
+  </p:clrMapOvr>
+</p:sld>
+</file>
+
+<file path=ppt/slides/slide30.xml><?xml version="1.0" encoding="utf-8"?>
 <p:sld xmlns:a="http://schemas.openxmlformats.org/drawingml/2006/main" xmlns:r="http://schemas.openxmlformats.org/officeDocument/2006/relationships" xmlns:p="http://schemas.openxmlformats.org/presentationml/2006/main">
   <p:cSld>
     <p:spTree>
@@ -17992,293 +17935,7 @@
 </p:sld>
 </file>
 
-<file path=ppt/slides/slide3.xml><?xml version="1.0" encoding="utf-8"?>
-<p:sld xmlns:a="http://schemas.openxmlformats.org/drawingml/2006/main" xmlns:r="http://schemas.openxmlformats.org/officeDocument/2006/relationships" xmlns:p="http://schemas.openxmlformats.org/presentationml/2006/main">
-  <p:cSld>
-    <p:spTree>
-      <p:nvGrpSpPr>
-        <p:cNvPr id="1" name=""/>
-        <p:cNvGrpSpPr/>
-        <p:nvPr/>
-      </p:nvGrpSpPr>
-      <p:grpSpPr>
-        <a:xfrm>
-          <a:off x="0" y="0"/>
-          <a:ext cx="0" cy="0"/>
-          <a:chOff x="0" y="0"/>
-          <a:chExt cx="0" cy="0"/>
-        </a:xfrm>
-      </p:grpSpPr>
-      <p:sp>
-        <p:nvSpPr>
-          <p:cNvPr id="3" name="object 3"/>
-          <p:cNvSpPr txBox="1"/>
-          <p:nvPr/>
-        </p:nvSpPr>
-        <p:spPr>
-          <a:xfrm>
-            <a:off x="356840" y="1362964"/>
-            <a:ext cx="6058535" cy="2746906"/>
-          </a:xfrm>
-          <a:prstGeom prst="rect">
-            <a:avLst/>
-          </a:prstGeom>
-        </p:spPr>
-        <p:txBody>
-          <a:bodyPr vert="horz" wrap="square" lIns="0" tIns="43180" rIns="0" bIns="0" rtlCol="0">
-            <a:spAutoFit/>
-          </a:bodyPr>
-          <a:lstStyle/>
-          <a:p>
-            <a:pPr marL="140970" marR="5080" indent="-128905">
-              <a:lnSpc>
-                <a:spcPts val="1700"/>
-              </a:lnSpc>
-              <a:spcBef>
-                <a:spcPts val="340"/>
-              </a:spcBef>
-              <a:buSzPct val="81250"/>
-              <a:buFont typeface="Wingdings"/>
-              <a:buChar char=""/>
-              <a:tabLst>
-                <a:tab pos="141605" algn="l"/>
-              </a:tabLst>
-            </a:pPr>
-            <a:r>
-              <a:rPr spc="-15" dirty="0">
-                <a:latin typeface="Times New Roman" panose="02020603050405020304" pitchFamily="18" charset="0"/>
-                <a:cs typeface="Times New Roman" panose="02020603050405020304" pitchFamily="18" charset="0"/>
-              </a:rPr>
-              <a:t>Pointers allow you to refer to (semi) arbitrary memory addresses in  most programming languages</a:t>
-            </a:r>
-          </a:p>
-          <a:p>
-            <a:pPr marL="398780" lvl="1" indent="-128905">
-              <a:lnSpc>
-                <a:spcPct val="100000"/>
-              </a:lnSpc>
-              <a:spcBef>
-                <a:spcPts val="160"/>
-              </a:spcBef>
-              <a:buChar char="–"/>
-              <a:tabLst>
-                <a:tab pos="398780" algn="l"/>
-              </a:tabLst>
-            </a:pPr>
-            <a:r>
-              <a:rPr spc="-15" dirty="0">
-                <a:latin typeface="Times New Roman" panose="02020603050405020304" pitchFamily="18" charset="0"/>
-                <a:cs typeface="Times New Roman" panose="02020603050405020304" pitchFamily="18" charset="0"/>
-              </a:rPr>
-              <a:t>Well… in C</a:t>
-            </a:r>
-          </a:p>
-          <a:p>
-            <a:pPr lvl="1">
-              <a:lnSpc>
-                <a:spcPct val="100000"/>
-              </a:lnSpc>
-              <a:buFont typeface="Arial MT"/>
-              <a:buChar char="–"/>
-            </a:pPr>
-            <a:endParaRPr spc="-15" dirty="0">
-              <a:latin typeface="Times New Roman" panose="02020603050405020304" pitchFamily="18" charset="0"/>
-              <a:cs typeface="Times New Roman" panose="02020603050405020304" pitchFamily="18" charset="0"/>
-            </a:endParaRPr>
-          </a:p>
-          <a:p>
-            <a:pPr marL="141605" indent="-128905">
-              <a:lnSpc>
-                <a:spcPct val="100000"/>
-              </a:lnSpc>
-              <a:buSzPct val="81250"/>
-              <a:buFont typeface="Wingdings"/>
-              <a:buChar char=""/>
-              <a:tabLst>
-                <a:tab pos="141605" algn="l"/>
-              </a:tabLst>
-            </a:pPr>
-            <a:r>
-              <a:rPr spc="-15" dirty="0">
-                <a:latin typeface="Times New Roman" panose="02020603050405020304" pitchFamily="18" charset="0"/>
-                <a:cs typeface="Times New Roman" panose="02020603050405020304" pitchFamily="18" charset="0"/>
-              </a:rPr>
-              <a:t>Some languages claim not to have them (e.g. Java)</a:t>
-            </a:r>
-          </a:p>
-          <a:p>
-            <a:pPr marL="398780" lvl="1" indent="-128905">
-              <a:lnSpc>
-                <a:spcPct val="100000"/>
-              </a:lnSpc>
-              <a:spcBef>
-                <a:spcPts val="80"/>
-              </a:spcBef>
-              <a:buChar char="–"/>
-              <a:tabLst>
-                <a:tab pos="398780" algn="l"/>
-              </a:tabLst>
-            </a:pPr>
-            <a:r>
-              <a:rPr spc="-15" dirty="0">
-                <a:latin typeface="Times New Roman" panose="02020603050405020304" pitchFamily="18" charset="0"/>
-                <a:cs typeface="Times New Roman" panose="02020603050405020304" pitchFamily="18" charset="0"/>
-              </a:rPr>
-              <a:t>Not strictly true… just not usually as easy to abuse as Cs</a:t>
-            </a:r>
-          </a:p>
-          <a:p>
-            <a:pPr marL="398780" lvl="1" indent="-128905">
-              <a:lnSpc>
-                <a:spcPct val="100000"/>
-              </a:lnSpc>
-              <a:spcBef>
-                <a:spcPts val="25"/>
-              </a:spcBef>
-              <a:buChar char="–"/>
-              <a:tabLst>
-                <a:tab pos="398780" algn="l"/>
-              </a:tabLst>
-            </a:pPr>
-            <a:r>
-              <a:rPr lang="en-US" spc="-15" dirty="0">
-                <a:latin typeface="Times New Roman" panose="02020603050405020304" pitchFamily="18" charset="0"/>
-                <a:cs typeface="Times New Roman" panose="02020603050405020304" pitchFamily="18" charset="0"/>
-              </a:rPr>
-              <a:t>Objects </a:t>
-            </a:r>
-            <a:endParaRPr spc="-15" dirty="0">
-              <a:latin typeface="Times New Roman" panose="02020603050405020304" pitchFamily="18" charset="0"/>
-              <a:cs typeface="Times New Roman" panose="02020603050405020304" pitchFamily="18" charset="0"/>
-            </a:endParaRPr>
-          </a:p>
-          <a:p>
-            <a:pPr lvl="1">
-              <a:lnSpc>
-                <a:spcPct val="100000"/>
-              </a:lnSpc>
-              <a:buFont typeface="Arial MT"/>
-              <a:buChar char="–"/>
-            </a:pPr>
-            <a:endParaRPr spc="-15" dirty="0">
-              <a:latin typeface="Times New Roman" panose="02020603050405020304" pitchFamily="18" charset="0"/>
-              <a:cs typeface="Times New Roman" panose="02020603050405020304" pitchFamily="18" charset="0"/>
-            </a:endParaRPr>
-          </a:p>
-          <a:p>
-            <a:pPr marL="141605" indent="-128905">
-              <a:lnSpc>
-                <a:spcPct val="100000"/>
-              </a:lnSpc>
-              <a:buSzPct val="81250"/>
-              <a:buFont typeface="Wingdings"/>
-              <a:buChar char=""/>
-              <a:tabLst>
-                <a:tab pos="141605" algn="l"/>
-              </a:tabLst>
-            </a:pPr>
-            <a:r>
-              <a:rPr spc="-15" dirty="0">
-                <a:latin typeface="Times New Roman" panose="02020603050405020304" pitchFamily="18" charset="0"/>
-                <a:cs typeface="Times New Roman" panose="02020603050405020304" pitchFamily="18" charset="0"/>
-              </a:rPr>
-              <a:t>To introduce a bug…</a:t>
-            </a:r>
-          </a:p>
-          <a:p>
-            <a:pPr marL="398780" lvl="1" indent="-128905">
-              <a:lnSpc>
-                <a:spcPct val="100000"/>
-              </a:lnSpc>
-              <a:spcBef>
-                <a:spcPts val="80"/>
-              </a:spcBef>
-              <a:buChar char="–"/>
-              <a:tabLst>
-                <a:tab pos="398780" algn="l"/>
-              </a:tabLst>
-            </a:pPr>
-            <a:r>
-              <a:rPr spc="-15" dirty="0">
-                <a:latin typeface="Times New Roman" panose="02020603050405020304" pitchFamily="18" charset="0"/>
-                <a:cs typeface="Times New Roman" panose="02020603050405020304" pitchFamily="18" charset="0"/>
-              </a:rPr>
-              <a:t>Get a pointer pointing somewhere it shouldn’t</a:t>
-            </a:r>
-          </a:p>
-        </p:txBody>
-      </p:sp>
-      <p:sp>
-        <p:nvSpPr>
-          <p:cNvPr id="5" name="Title 5">
-            <a:extLst>
-              <a:ext uri="{FF2B5EF4-FFF2-40B4-BE49-F238E27FC236}">
-                <a16:creationId xmlns:a16="http://schemas.microsoft.com/office/drawing/2014/main" id="{FF50A2BB-0137-37C2-F031-6316F0B88426}"/>
-              </a:ext>
-            </a:extLst>
-          </p:cNvPr>
-          <p:cNvSpPr txBox="1">
-            <a:spLocks/>
-          </p:cNvSpPr>
-          <p:nvPr/>
-        </p:nvSpPr>
-        <p:spPr>
-          <a:xfrm>
-            <a:off x="471487" y="76200"/>
-            <a:ext cx="5915025" cy="697706"/>
-          </a:xfrm>
-          <a:prstGeom prst="rect">
-            <a:avLst/>
-          </a:prstGeom>
-        </p:spPr>
-        <p:txBody>
-          <a:bodyPr vert="horz" lIns="91440" tIns="45720" rIns="91440" bIns="45720" rtlCol="0" anchor="ctr">
-            <a:normAutofit/>
-          </a:bodyPr>
-          <a:lstStyle>
-            <a:lvl1pPr algn="l" defTabSz="514350" rtl="0" eaLnBrk="1" latinLnBrk="0" hangingPunct="1">
-              <a:lnSpc>
-                <a:spcPct val="90000"/>
-              </a:lnSpc>
-              <a:spcBef>
-                <a:spcPct val="0"/>
-              </a:spcBef>
-              <a:buNone/>
-              <a:defRPr sz="2475" kern="1200">
-                <a:solidFill>
-                  <a:schemeClr val="tx1"/>
-                </a:solidFill>
-                <a:latin typeface="+mj-lt"/>
-                <a:ea typeface="+mj-ea"/>
-                <a:cs typeface="+mj-cs"/>
-              </a:defRPr>
-            </a:lvl1pPr>
-          </a:lstStyle>
-          <a:p>
-            <a:pPr algn="ctr"/>
-            <a:r>
-              <a:rPr lang="en-GB" sz="3200" spc="-5" dirty="0">
-                <a:latin typeface="Times New Roman" panose="02020603050405020304" pitchFamily="18" charset="0"/>
-                <a:cs typeface="Times New Roman" panose="02020603050405020304" pitchFamily="18" charset="0"/>
-              </a:rPr>
-              <a:t>Pointers</a:t>
-            </a:r>
-            <a:endParaRPr lang="en-GB" sz="3200" dirty="0">
-              <a:latin typeface="Times New Roman" panose="02020603050405020304" pitchFamily="18" charset="0"/>
-              <a:cs typeface="Times New Roman" panose="02020603050405020304" pitchFamily="18" charset="0"/>
-            </a:endParaRPr>
-          </a:p>
-        </p:txBody>
-      </p:sp>
-    </p:spTree>
-  </p:cSld>
-  <p:clrMapOvr>
-    <a:masterClrMapping/>
-  </p:clrMapOvr>
-</p:sld>
-</file>
-
-<file path=ppt/slides/slide30.xml><?xml version="1.0" encoding="utf-8"?>
+<file path=ppt/slides/slide31.xml><?xml version="1.0" encoding="utf-8"?>
 <p:sld xmlns:a="http://schemas.openxmlformats.org/drawingml/2006/main" xmlns:r="http://schemas.openxmlformats.org/officeDocument/2006/relationships" xmlns:p="http://schemas.openxmlformats.org/presentationml/2006/main">
   <p:cSld>
     <p:spTree>
@@ -18443,7 +18100,7 @@
 </p:sld>
 </file>
 
-<file path=ppt/slides/slide31.xml><?xml version="1.0" encoding="utf-8"?>
+<file path=ppt/slides/slide32.xml><?xml version="1.0" encoding="utf-8"?>
 <p:sld xmlns:a="http://schemas.openxmlformats.org/drawingml/2006/main" xmlns:r="http://schemas.openxmlformats.org/officeDocument/2006/relationships" xmlns:p="http://schemas.openxmlformats.org/presentationml/2006/main">
   <p:cSld>
     <p:spTree>
@@ -18859,7 +18516,7 @@
 </p:sld>
 </file>
 
-<file path=ppt/slides/slide32.xml><?xml version="1.0" encoding="utf-8"?>
+<file path=ppt/slides/slide33.xml><?xml version="1.0" encoding="utf-8"?>
 <p:sld xmlns:a="http://schemas.openxmlformats.org/drawingml/2006/main" xmlns:r="http://schemas.openxmlformats.org/officeDocument/2006/relationships" xmlns:p="http://schemas.openxmlformats.org/presentationml/2006/main">
   <p:cSld>
     <p:spTree>
@@ -19344,7 +19001,7 @@
 </p:sld>
 </file>
 
-<file path=ppt/slides/slide33.xml><?xml version="1.0" encoding="utf-8"?>
+<file path=ppt/slides/slide34.xml><?xml version="1.0" encoding="utf-8"?>
 <p:sld xmlns:a="http://schemas.openxmlformats.org/drawingml/2006/main" xmlns:r="http://schemas.openxmlformats.org/officeDocument/2006/relationships" xmlns:p="http://schemas.openxmlformats.org/presentationml/2006/main">
   <p:cSld>
     <p:spTree>
@@ -20095,7 +19752,7 @@
 </p:sld>
 </file>
 
-<file path=ppt/slides/slide34.xml><?xml version="1.0" encoding="utf-8"?>
+<file path=ppt/slides/slide35.xml><?xml version="1.0" encoding="utf-8"?>
 <p:sld xmlns:a="http://schemas.openxmlformats.org/drawingml/2006/main" xmlns:r="http://schemas.openxmlformats.org/officeDocument/2006/relationships" xmlns:p="http://schemas.openxmlformats.org/presentationml/2006/main">
   <p:cSld>
     <p:spTree>
@@ -20226,7 +19883,7 @@
 </p:sld>
 </file>
 
-<file path=ppt/slides/slide35.xml><?xml version="1.0" encoding="utf-8"?>
+<file path=ppt/slides/slide36.xml><?xml version="1.0" encoding="utf-8"?>
 <p:sld xmlns:a="http://schemas.openxmlformats.org/drawingml/2006/main" xmlns:r="http://schemas.openxmlformats.org/officeDocument/2006/relationships" xmlns:p="http://schemas.openxmlformats.org/presentationml/2006/main">
   <p:cSld>
     <p:spTree>
@@ -20829,7 +20486,7 @@
 </p:sld>
 </file>
 
-<file path=ppt/slides/slide36.xml><?xml version="1.0" encoding="utf-8"?>
+<file path=ppt/slides/slide37.xml><?xml version="1.0" encoding="utf-8"?>
 <p:sld xmlns:a="http://schemas.openxmlformats.org/drawingml/2006/main" xmlns:r="http://schemas.openxmlformats.org/officeDocument/2006/relationships" xmlns:p="http://schemas.openxmlformats.org/presentationml/2006/main">
   <p:cSld>
     <p:spTree>
@@ -21363,7 +21020,7 @@
 </p:sld>
 </file>
 
-<file path=ppt/slides/slide37.xml><?xml version="1.0" encoding="utf-8"?>
+<file path=ppt/slides/slide38.xml><?xml version="1.0" encoding="utf-8"?>
 <p:sld xmlns:a="http://schemas.openxmlformats.org/drawingml/2006/main" xmlns:r="http://schemas.openxmlformats.org/officeDocument/2006/relationships" xmlns:p="http://schemas.openxmlformats.org/presentationml/2006/main">
   <p:cSld>
     <p:spTree>
@@ -22429,6 +22086,1268 @@
 </file>
 
 <file path=ppt/slides/slide5.xml><?xml version="1.0" encoding="utf-8"?>
+<p:sld xmlns:a="http://schemas.openxmlformats.org/drawingml/2006/main" xmlns:r="http://schemas.openxmlformats.org/officeDocument/2006/relationships" xmlns:p="http://schemas.openxmlformats.org/presentationml/2006/main">
+  <p:cSld>
+    <p:spTree>
+      <p:nvGrpSpPr>
+        <p:cNvPr id="1" name=""/>
+        <p:cNvGrpSpPr/>
+        <p:nvPr/>
+      </p:nvGrpSpPr>
+      <p:grpSpPr>
+        <a:xfrm>
+          <a:off x="0" y="0"/>
+          <a:ext cx="0" cy="0"/>
+          <a:chOff x="0" y="0"/>
+          <a:chExt cx="0" cy="0"/>
+        </a:xfrm>
+      </p:grpSpPr>
+      <p:sp>
+        <p:nvSpPr>
+          <p:cNvPr id="4" name="object 4"/>
+          <p:cNvSpPr txBox="1"/>
+          <p:nvPr/>
+        </p:nvSpPr>
+        <p:spPr>
+          <a:xfrm>
+            <a:off x="228600" y="1057487"/>
+            <a:ext cx="3429000" cy="323165"/>
+          </a:xfrm>
+          <a:prstGeom prst="rect">
+            <a:avLst/>
+          </a:prstGeom>
+        </p:spPr>
+        <p:txBody>
+          <a:bodyPr vert="horz" wrap="square" lIns="0" tIns="11430" rIns="0" bIns="0" rtlCol="0">
+            <a:spAutoFit/>
+          </a:bodyPr>
+          <a:lstStyle/>
+          <a:p>
+            <a:pPr marL="371475" indent="-342900">
+              <a:spcBef>
+                <a:spcPts val="90"/>
+              </a:spcBef>
+              <a:buFont typeface="Arial" panose="020B0604020202020204" pitchFamily="34" charset="0"/>
+              <a:buChar char="•"/>
+            </a:pPr>
+            <a:r>
+              <a:rPr sz="2000" spc="-8" dirty="0">
+                <a:latin typeface="Times New Roman" panose="02020603050405020304" pitchFamily="18" charset="0"/>
+                <a:cs typeface="Times New Roman" panose="02020603050405020304" pitchFamily="18" charset="0"/>
+              </a:rPr>
+              <a:t>Temporal Safety[1]</a:t>
+            </a:r>
+          </a:p>
+        </p:txBody>
+      </p:sp>
+      <p:sp>
+        <p:nvSpPr>
+          <p:cNvPr id="6" name="object 6"/>
+          <p:cNvSpPr txBox="1">
+            <a:spLocks noGrp="1"/>
+          </p:cNvSpPr>
+          <p:nvPr>
+            <p:ph type="body" idx="1"/>
+          </p:nvPr>
+        </p:nvSpPr>
+        <p:spPr>
+          <a:xfrm>
+            <a:off x="381000" y="1809750"/>
+            <a:ext cx="6351984" cy="1284165"/>
+          </a:xfrm>
+          <a:prstGeom prst="rect">
+            <a:avLst/>
+          </a:prstGeom>
+        </p:spPr>
+        <p:txBody>
+          <a:bodyPr vert="horz" wrap="square" lIns="0" tIns="27146" rIns="0" bIns="0" rtlCol="0">
+            <a:spAutoFit/>
+          </a:bodyPr>
+          <a:lstStyle/>
+          <a:p>
+            <a:pPr marR="77153" lvl="1" defTabSz="914400">
+              <a:lnSpc>
+                <a:spcPts val="1838"/>
+              </a:lnSpc>
+              <a:spcBef>
+                <a:spcPts val="213"/>
+              </a:spcBef>
+              <a:buFont typeface="Courier New" panose="02070309020205020404" pitchFamily="49" charset="0"/>
+              <a:buChar char="o"/>
+              <a:tabLst>
+                <a:tab pos="245269" algn="l"/>
+              </a:tabLst>
+            </a:pPr>
+            <a:r>
+              <a:rPr sz="1575" spc="-15" dirty="0">
+                <a:latin typeface="Times New Roman" panose="02020603050405020304" pitchFamily="18" charset="0"/>
+                <a:cs typeface="Times New Roman" panose="02020603050405020304" pitchFamily="18" charset="0"/>
+              </a:rPr>
+              <a:t>A temporal safety violation is an error in which a pointer  is used in an attempt to access or deallocate an object  that has already been deallocated.</a:t>
+            </a:r>
+          </a:p>
+          <a:p>
+            <a:pPr marL="644842" marR="3810" lvl="1" indent="-285750" defTabSz="914400">
+              <a:lnSpc>
+                <a:spcPts val="1838"/>
+              </a:lnSpc>
+              <a:spcBef>
+                <a:spcPts val="829"/>
+              </a:spcBef>
+              <a:buFont typeface="Courier New" panose="02070309020205020404" pitchFamily="49" charset="0"/>
+              <a:buChar char="o"/>
+            </a:pPr>
+            <a:r>
+              <a:rPr sz="1575" spc="-15" dirty="0">
+                <a:latin typeface="Times New Roman" panose="02020603050405020304" pitchFamily="18" charset="0"/>
+                <a:cs typeface="Times New Roman" panose="02020603050405020304" pitchFamily="18" charset="0"/>
+              </a:rPr>
+              <a:t>The violation is ‘temporal’ in the sense that the pointer  use occurs at an invalid instance during the execution of  the program (i.e., after th</a:t>
+            </a:r>
+            <a:r>
+              <a:rPr lang="en-US" sz="1575" spc="-15" dirty="0">
+                <a:latin typeface="Times New Roman" panose="02020603050405020304" pitchFamily="18" charset="0"/>
+                <a:cs typeface="Times New Roman" panose="02020603050405020304" pitchFamily="18" charset="0"/>
+              </a:rPr>
+              <a:t>e </a:t>
+            </a:r>
+            <a:r>
+              <a:rPr sz="1575" spc="-15" dirty="0">
+                <a:latin typeface="Times New Roman" panose="02020603050405020304" pitchFamily="18" charset="0"/>
+                <a:cs typeface="Times New Roman" panose="02020603050405020304" pitchFamily="18" charset="0"/>
+              </a:rPr>
+              <a:t>object to which it refers has  been deallocated).</a:t>
+            </a:r>
+          </a:p>
+        </p:txBody>
+      </p:sp>
+      <p:sp>
+        <p:nvSpPr>
+          <p:cNvPr id="7" name="object 7"/>
+          <p:cNvSpPr txBox="1"/>
+          <p:nvPr/>
+        </p:nvSpPr>
+        <p:spPr>
+          <a:xfrm>
+            <a:off x="591502" y="4000365"/>
+            <a:ext cx="5989796" cy="217367"/>
+          </a:xfrm>
+          <a:prstGeom prst="rect">
+            <a:avLst/>
+          </a:prstGeom>
+        </p:spPr>
+        <p:txBody>
+          <a:bodyPr vert="horz" wrap="square" lIns="0" tIns="9525" rIns="0" bIns="0" rtlCol="0">
+            <a:spAutoFit/>
+          </a:bodyPr>
+          <a:lstStyle/>
+          <a:p>
+            <a:pPr marL="9525">
+              <a:spcBef>
+                <a:spcPts val="75"/>
+              </a:spcBef>
+            </a:pPr>
+            <a:r>
+              <a:rPr sz="1350" spc="-4" dirty="0">
+                <a:latin typeface="Arial MT"/>
+                <a:cs typeface="Arial MT"/>
+              </a:rPr>
+              <a:t>[1]:</a:t>
+            </a:r>
+            <a:r>
+              <a:rPr sz="1350" spc="4" dirty="0">
+                <a:latin typeface="Arial MT"/>
+                <a:cs typeface="Arial MT"/>
+              </a:rPr>
+              <a:t> </a:t>
+            </a:r>
+            <a:r>
+              <a:rPr sz="1350" spc="-4" dirty="0">
+                <a:latin typeface="Arial MT"/>
+                <a:cs typeface="Arial MT"/>
+              </a:rPr>
+              <a:t>MemSafe:</a:t>
+            </a:r>
+            <a:r>
+              <a:rPr sz="1350" spc="4" dirty="0">
+                <a:latin typeface="Arial MT"/>
+                <a:cs typeface="Arial MT"/>
+              </a:rPr>
+              <a:t> </a:t>
+            </a:r>
+            <a:r>
+              <a:rPr sz="1350" spc="-4" dirty="0">
+                <a:latin typeface="Arial MT"/>
+                <a:cs typeface="Arial MT"/>
+              </a:rPr>
+              <a:t>ensuring the spatial </a:t>
+            </a:r>
+            <a:r>
+              <a:rPr sz="1350" spc="-8" dirty="0">
+                <a:latin typeface="Arial MT"/>
+                <a:cs typeface="Arial MT"/>
+              </a:rPr>
+              <a:t>and</a:t>
+            </a:r>
+            <a:r>
+              <a:rPr sz="1350" spc="-4" dirty="0">
+                <a:latin typeface="Arial MT"/>
+                <a:cs typeface="Arial MT"/>
+              </a:rPr>
+              <a:t> temporal memory</a:t>
+            </a:r>
+            <a:r>
+              <a:rPr sz="1350" spc="4" dirty="0">
+                <a:latin typeface="Arial MT"/>
+                <a:cs typeface="Arial MT"/>
+              </a:rPr>
+              <a:t> </a:t>
+            </a:r>
+            <a:r>
+              <a:rPr sz="1350" spc="-4" dirty="0">
+                <a:latin typeface="Arial MT"/>
+                <a:cs typeface="Arial MT"/>
+              </a:rPr>
+              <a:t>safety of </a:t>
+            </a:r>
+            <a:r>
+              <a:rPr sz="1350" dirty="0">
+                <a:latin typeface="Arial MT"/>
+                <a:cs typeface="Arial MT"/>
+              </a:rPr>
+              <a:t>C</a:t>
+            </a:r>
+            <a:r>
+              <a:rPr sz="1350" spc="-109" dirty="0">
+                <a:latin typeface="Arial MT"/>
+                <a:cs typeface="Arial MT"/>
+              </a:rPr>
+              <a:t> </a:t>
+            </a:r>
+            <a:r>
+              <a:rPr sz="1350" spc="-8" dirty="0">
+                <a:latin typeface="Arial MT"/>
+                <a:cs typeface="Arial MT"/>
+              </a:rPr>
+              <a:t>at</a:t>
+            </a:r>
+            <a:r>
+              <a:rPr sz="1350" spc="4" dirty="0">
+                <a:latin typeface="Arial MT"/>
+                <a:cs typeface="Arial MT"/>
+              </a:rPr>
+              <a:t> </a:t>
+            </a:r>
+            <a:r>
+              <a:rPr sz="1350" spc="-4" dirty="0">
+                <a:latin typeface="Arial MT"/>
+                <a:cs typeface="Arial MT"/>
+              </a:rPr>
+              <a:t>runtime</a:t>
+            </a:r>
+            <a:endParaRPr sz="1350">
+              <a:latin typeface="Arial MT"/>
+              <a:cs typeface="Arial MT"/>
+            </a:endParaRPr>
+          </a:p>
+        </p:txBody>
+      </p:sp>
+      <p:sp>
+        <p:nvSpPr>
+          <p:cNvPr id="10" name="Title 5">
+            <a:extLst>
+              <a:ext uri="{FF2B5EF4-FFF2-40B4-BE49-F238E27FC236}">
+                <a16:creationId xmlns:a16="http://schemas.microsoft.com/office/drawing/2014/main" id="{59A098C3-9CAB-E677-A392-C51498C1E41A}"/>
+              </a:ext>
+            </a:extLst>
+          </p:cNvPr>
+          <p:cNvSpPr txBox="1">
+            <a:spLocks/>
+          </p:cNvSpPr>
+          <p:nvPr/>
+        </p:nvSpPr>
+        <p:spPr>
+          <a:xfrm>
+            <a:off x="471487" y="76200"/>
+            <a:ext cx="5915025" cy="697706"/>
+          </a:xfrm>
+          <a:prstGeom prst="rect">
+            <a:avLst/>
+          </a:prstGeom>
+        </p:spPr>
+        <p:txBody>
+          <a:bodyPr vert="horz" lIns="91440" tIns="45720" rIns="91440" bIns="45720" rtlCol="0" anchor="ctr">
+            <a:normAutofit/>
+          </a:bodyPr>
+          <a:lstStyle>
+            <a:lvl1pPr algn="l" defTabSz="514350" rtl="0" eaLnBrk="1" latinLnBrk="0" hangingPunct="1">
+              <a:lnSpc>
+                <a:spcPct val="90000"/>
+              </a:lnSpc>
+              <a:spcBef>
+                <a:spcPct val="0"/>
+              </a:spcBef>
+              <a:buNone/>
+              <a:defRPr sz="2475" kern="1200">
+                <a:solidFill>
+                  <a:schemeClr val="tx1"/>
+                </a:solidFill>
+                <a:latin typeface="+mj-lt"/>
+                <a:ea typeface="+mj-ea"/>
+                <a:cs typeface="+mj-cs"/>
+              </a:defRPr>
+            </a:lvl1pPr>
+          </a:lstStyle>
+          <a:p>
+            <a:pPr algn="ctr"/>
+            <a:r>
+              <a:rPr lang="en-GB" sz="3200" spc="-5" dirty="0">
+                <a:latin typeface="Times New Roman" panose="02020603050405020304" pitchFamily="18" charset="0"/>
+                <a:cs typeface="Times New Roman" panose="02020603050405020304" pitchFamily="18" charset="0"/>
+              </a:rPr>
+              <a:t>Memory Safety</a:t>
+            </a:r>
+            <a:endParaRPr lang="en-GB" sz="3200" dirty="0">
+              <a:latin typeface="Times New Roman" panose="02020603050405020304" pitchFamily="18" charset="0"/>
+              <a:cs typeface="Times New Roman" panose="02020603050405020304" pitchFamily="18" charset="0"/>
+            </a:endParaRPr>
+          </a:p>
+        </p:txBody>
+      </p:sp>
+    </p:spTree>
+  </p:cSld>
+  <p:clrMapOvr>
+    <a:masterClrMapping/>
+  </p:clrMapOvr>
+</p:sld>
+</file>
+
+<file path=ppt/slides/slide6.xml><?xml version="1.0" encoding="utf-8"?>
+<p:sld xmlns:a="http://schemas.openxmlformats.org/drawingml/2006/main" xmlns:r="http://schemas.openxmlformats.org/officeDocument/2006/relationships" xmlns:p="http://schemas.openxmlformats.org/presentationml/2006/main">
+  <p:cSld>
+    <p:spTree>
+      <p:nvGrpSpPr>
+        <p:cNvPr id="1" name=""/>
+        <p:cNvGrpSpPr/>
+        <p:nvPr/>
+      </p:nvGrpSpPr>
+      <p:grpSpPr>
+        <a:xfrm>
+          <a:off x="0" y="0"/>
+          <a:ext cx="0" cy="0"/>
+          <a:chOff x="0" y="0"/>
+          <a:chExt cx="0" cy="0"/>
+        </a:xfrm>
+      </p:grpSpPr>
+      <p:sp>
+        <p:nvSpPr>
+          <p:cNvPr id="3" name="object 3"/>
+          <p:cNvSpPr txBox="1"/>
+          <p:nvPr/>
+        </p:nvSpPr>
+        <p:spPr>
+          <a:xfrm>
+            <a:off x="356840" y="1351279"/>
+            <a:ext cx="6196360" cy="2598147"/>
+          </a:xfrm>
+          <a:prstGeom prst="rect">
+            <a:avLst/>
+          </a:prstGeom>
+        </p:spPr>
+        <p:txBody>
+          <a:bodyPr vert="horz" wrap="square" lIns="0" tIns="12700" rIns="0" bIns="0" rtlCol="0">
+            <a:spAutoFit/>
+          </a:bodyPr>
+          <a:lstStyle/>
+          <a:p>
+            <a:pPr marL="141605" indent="-128905">
+              <a:lnSpc>
+                <a:spcPct val="100000"/>
+              </a:lnSpc>
+              <a:spcBef>
+                <a:spcPts val="100"/>
+              </a:spcBef>
+              <a:buSzPct val="86666"/>
+              <a:buFont typeface="Wingdings"/>
+              <a:buChar char=""/>
+              <a:tabLst>
+                <a:tab pos="141605" algn="l"/>
+              </a:tabLst>
+            </a:pPr>
+            <a:r>
+              <a:rPr sz="1600" spc="-5" dirty="0">
+                <a:latin typeface="Times New Roman" panose="02020603050405020304" pitchFamily="18" charset="0"/>
+                <a:cs typeface="Times New Roman" panose="02020603050405020304" pitchFamily="18" charset="0"/>
+              </a:rPr>
+              <a:t>What</a:t>
+            </a:r>
+            <a:r>
+              <a:rPr sz="1600" spc="-20" dirty="0">
+                <a:latin typeface="Times New Roman" panose="02020603050405020304" pitchFamily="18" charset="0"/>
+                <a:cs typeface="Times New Roman" panose="02020603050405020304" pitchFamily="18" charset="0"/>
+              </a:rPr>
+              <a:t> </a:t>
+            </a:r>
+            <a:r>
+              <a:rPr sz="1600" dirty="0">
+                <a:latin typeface="Times New Roman" panose="02020603050405020304" pitchFamily="18" charset="0"/>
+                <a:cs typeface="Times New Roman" panose="02020603050405020304" pitchFamily="18" charset="0"/>
+              </a:rPr>
+              <a:t>happens</a:t>
+            </a:r>
+            <a:r>
+              <a:rPr sz="1600" spc="-10" dirty="0">
+                <a:latin typeface="Times New Roman" panose="02020603050405020304" pitchFamily="18" charset="0"/>
+                <a:cs typeface="Times New Roman" panose="02020603050405020304" pitchFamily="18" charset="0"/>
+              </a:rPr>
+              <a:t> </a:t>
+            </a:r>
+            <a:r>
+              <a:rPr sz="1600" dirty="0">
+                <a:latin typeface="Times New Roman" panose="02020603050405020304" pitchFamily="18" charset="0"/>
+                <a:cs typeface="Times New Roman" panose="02020603050405020304" pitchFamily="18" charset="0"/>
+              </a:rPr>
+              <a:t>if</a:t>
+            </a:r>
+            <a:r>
+              <a:rPr sz="1600" spc="-20" dirty="0">
+                <a:latin typeface="Times New Roman" panose="02020603050405020304" pitchFamily="18" charset="0"/>
+                <a:cs typeface="Times New Roman" panose="02020603050405020304" pitchFamily="18" charset="0"/>
+              </a:rPr>
+              <a:t> </a:t>
+            </a:r>
+            <a:r>
+              <a:rPr sz="1600" dirty="0">
+                <a:latin typeface="Times New Roman" panose="02020603050405020304" pitchFamily="18" charset="0"/>
+                <a:cs typeface="Times New Roman" panose="02020603050405020304" pitchFamily="18" charset="0"/>
+              </a:rPr>
+              <a:t>you</a:t>
+            </a:r>
+            <a:r>
+              <a:rPr sz="1600" spc="-10" dirty="0">
+                <a:latin typeface="Times New Roman" panose="02020603050405020304" pitchFamily="18" charset="0"/>
+                <a:cs typeface="Times New Roman" panose="02020603050405020304" pitchFamily="18" charset="0"/>
+              </a:rPr>
+              <a:t> </a:t>
+            </a:r>
+            <a:r>
+              <a:rPr sz="1600" dirty="0">
+                <a:latin typeface="Times New Roman" panose="02020603050405020304" pitchFamily="18" charset="0"/>
+                <a:cs typeface="Times New Roman" panose="02020603050405020304" pitchFamily="18" charset="0"/>
+              </a:rPr>
+              <a:t>go</a:t>
+            </a:r>
+            <a:r>
+              <a:rPr sz="1600" spc="-15" dirty="0">
+                <a:latin typeface="Times New Roman" panose="02020603050405020304" pitchFamily="18" charset="0"/>
+                <a:cs typeface="Times New Roman" panose="02020603050405020304" pitchFamily="18" charset="0"/>
+              </a:rPr>
+              <a:t> </a:t>
+            </a:r>
+            <a:r>
+              <a:rPr sz="1600" dirty="0">
+                <a:latin typeface="Times New Roman" panose="02020603050405020304" pitchFamily="18" charset="0"/>
+                <a:cs typeface="Times New Roman" panose="02020603050405020304" pitchFamily="18" charset="0"/>
+              </a:rPr>
+              <a:t>beyond</a:t>
+            </a:r>
+            <a:r>
+              <a:rPr sz="1600" spc="-10" dirty="0">
+                <a:latin typeface="Times New Roman" panose="02020603050405020304" pitchFamily="18" charset="0"/>
+                <a:cs typeface="Times New Roman" panose="02020603050405020304" pitchFamily="18" charset="0"/>
+              </a:rPr>
+              <a:t> </a:t>
+            </a:r>
+            <a:r>
+              <a:rPr sz="1600" dirty="0">
+                <a:latin typeface="Times New Roman" panose="02020603050405020304" pitchFamily="18" charset="0"/>
+                <a:cs typeface="Times New Roman" panose="02020603050405020304" pitchFamily="18" charset="0"/>
+              </a:rPr>
+              <a:t>a</a:t>
+            </a:r>
+            <a:r>
+              <a:rPr sz="1600" spc="-15" dirty="0">
+                <a:latin typeface="Times New Roman" panose="02020603050405020304" pitchFamily="18" charset="0"/>
+                <a:cs typeface="Times New Roman" panose="02020603050405020304" pitchFamily="18" charset="0"/>
+              </a:rPr>
+              <a:t> </a:t>
+            </a:r>
+            <a:r>
+              <a:rPr sz="1600" dirty="0">
+                <a:latin typeface="Times New Roman" panose="02020603050405020304" pitchFamily="18" charset="0"/>
+                <a:cs typeface="Times New Roman" panose="02020603050405020304" pitchFamily="18" charset="0"/>
+              </a:rPr>
+              <a:t>local</a:t>
+            </a:r>
+            <a:r>
+              <a:rPr sz="1600" spc="-5" dirty="0">
+                <a:latin typeface="Times New Roman" panose="02020603050405020304" pitchFamily="18" charset="0"/>
+                <a:cs typeface="Times New Roman" panose="02020603050405020304" pitchFamily="18" charset="0"/>
+              </a:rPr>
+              <a:t> array’s</a:t>
+            </a:r>
+            <a:r>
+              <a:rPr sz="1600" spc="-15" dirty="0">
+                <a:latin typeface="Times New Roman" panose="02020603050405020304" pitchFamily="18" charset="0"/>
+                <a:cs typeface="Times New Roman" panose="02020603050405020304" pitchFamily="18" charset="0"/>
+              </a:rPr>
+              <a:t> </a:t>
+            </a:r>
+            <a:r>
+              <a:rPr sz="1600" dirty="0">
+                <a:latin typeface="Times New Roman" panose="02020603050405020304" pitchFamily="18" charset="0"/>
+                <a:cs typeface="Times New Roman" panose="02020603050405020304" pitchFamily="18" charset="0"/>
+              </a:rPr>
+              <a:t>end?</a:t>
+            </a:r>
+          </a:p>
+          <a:p>
+            <a:pPr marL="398780" lvl="1" indent="-128905">
+              <a:lnSpc>
+                <a:spcPct val="100000"/>
+              </a:lnSpc>
+              <a:spcBef>
+                <a:spcPts val="10"/>
+              </a:spcBef>
+              <a:buChar char="–"/>
+              <a:tabLst>
+                <a:tab pos="398780" algn="l"/>
+              </a:tabLst>
+            </a:pPr>
+            <a:r>
+              <a:rPr sz="1400" spc="-40" dirty="0">
+                <a:latin typeface="Times New Roman" panose="02020603050405020304" pitchFamily="18" charset="0"/>
+                <a:cs typeface="Times New Roman" panose="02020603050405020304" pitchFamily="18" charset="0"/>
+              </a:rPr>
+              <a:t>You</a:t>
+            </a:r>
+            <a:r>
+              <a:rPr sz="1400" spc="-15" dirty="0">
+                <a:latin typeface="Times New Roman" panose="02020603050405020304" pitchFamily="18" charset="0"/>
+                <a:cs typeface="Times New Roman" panose="02020603050405020304" pitchFamily="18" charset="0"/>
+              </a:rPr>
+              <a:t> </a:t>
+            </a:r>
+            <a:r>
+              <a:rPr sz="1400" spc="-5" dirty="0">
+                <a:latin typeface="Times New Roman" panose="02020603050405020304" pitchFamily="18" charset="0"/>
+                <a:cs typeface="Times New Roman" panose="02020603050405020304" pitchFamily="18" charset="0"/>
+              </a:rPr>
+              <a:t>can</a:t>
+            </a:r>
+            <a:r>
+              <a:rPr sz="1400" spc="-15" dirty="0">
+                <a:latin typeface="Times New Roman" panose="02020603050405020304" pitchFamily="18" charset="0"/>
+                <a:cs typeface="Times New Roman" panose="02020603050405020304" pitchFamily="18" charset="0"/>
+              </a:rPr>
+              <a:t> </a:t>
+            </a:r>
+            <a:r>
+              <a:rPr sz="1400" spc="-5" dirty="0">
+                <a:latin typeface="Times New Roman" panose="02020603050405020304" pitchFamily="18" charset="0"/>
+                <a:cs typeface="Times New Roman" panose="02020603050405020304" pitchFamily="18" charset="0"/>
+              </a:rPr>
+              <a:t>get</a:t>
+            </a:r>
+            <a:r>
+              <a:rPr sz="1400" dirty="0">
+                <a:latin typeface="Times New Roman" panose="02020603050405020304" pitchFamily="18" charset="0"/>
+                <a:cs typeface="Times New Roman" panose="02020603050405020304" pitchFamily="18" charset="0"/>
+              </a:rPr>
+              <a:t> </a:t>
+            </a:r>
+            <a:r>
+              <a:rPr sz="1400" spc="-5" dirty="0">
+                <a:latin typeface="Times New Roman" panose="02020603050405020304" pitchFamily="18" charset="0"/>
+                <a:cs typeface="Times New Roman" panose="02020603050405020304" pitchFamily="18" charset="0"/>
+              </a:rPr>
+              <a:t>arbitrary</a:t>
+            </a:r>
+            <a:r>
+              <a:rPr sz="1400" spc="-10" dirty="0">
+                <a:latin typeface="Times New Roman" panose="02020603050405020304" pitchFamily="18" charset="0"/>
+                <a:cs typeface="Times New Roman" panose="02020603050405020304" pitchFamily="18" charset="0"/>
+              </a:rPr>
+              <a:t> </a:t>
+            </a:r>
+            <a:r>
+              <a:rPr sz="1400" spc="-5" dirty="0">
+                <a:latin typeface="Times New Roman" panose="02020603050405020304" pitchFamily="18" charset="0"/>
+                <a:cs typeface="Times New Roman" panose="02020603050405020304" pitchFamily="18" charset="0"/>
+              </a:rPr>
+              <a:t>execution…</a:t>
+            </a:r>
+            <a:endParaRPr sz="1400" dirty="0">
+              <a:latin typeface="Times New Roman" panose="02020603050405020304" pitchFamily="18" charset="0"/>
+              <a:cs typeface="Times New Roman" panose="02020603050405020304" pitchFamily="18" charset="0"/>
+            </a:endParaRPr>
+          </a:p>
+          <a:p>
+            <a:pPr marL="398780" lvl="1" indent="-128905">
+              <a:lnSpc>
+                <a:spcPts val="1415"/>
+              </a:lnSpc>
+              <a:buChar char="–"/>
+              <a:tabLst>
+                <a:tab pos="398780" algn="l"/>
+              </a:tabLst>
+            </a:pPr>
+            <a:r>
+              <a:rPr sz="1400" spc="-5" dirty="0">
+                <a:latin typeface="Times New Roman" panose="02020603050405020304" pitchFamily="18" charset="0"/>
+                <a:cs typeface="Times New Roman" panose="02020603050405020304" pitchFamily="18" charset="0"/>
+              </a:rPr>
+              <a:t>Sometimes</a:t>
+            </a:r>
+            <a:r>
+              <a:rPr sz="1400" spc="-10" dirty="0">
+                <a:latin typeface="Times New Roman" panose="02020603050405020304" pitchFamily="18" charset="0"/>
+                <a:cs typeface="Times New Roman" panose="02020603050405020304" pitchFamily="18" charset="0"/>
+              </a:rPr>
+              <a:t> </a:t>
+            </a:r>
+            <a:r>
+              <a:rPr sz="1400" spc="-5" dirty="0">
+                <a:latin typeface="Times New Roman" panose="02020603050405020304" pitchFamily="18" charset="0"/>
+                <a:cs typeface="Times New Roman" panose="02020603050405020304" pitchFamily="18" charset="0"/>
+              </a:rPr>
+              <a:t>called</a:t>
+            </a:r>
+            <a:r>
+              <a:rPr sz="1400" spc="-15" dirty="0">
+                <a:latin typeface="Times New Roman" panose="02020603050405020304" pitchFamily="18" charset="0"/>
+                <a:cs typeface="Times New Roman" panose="02020603050405020304" pitchFamily="18" charset="0"/>
+              </a:rPr>
+              <a:t> </a:t>
+            </a:r>
+            <a:r>
+              <a:rPr sz="1400" dirty="0">
+                <a:latin typeface="Times New Roman" panose="02020603050405020304" pitchFamily="18" charset="0"/>
+                <a:cs typeface="Times New Roman" panose="02020603050405020304" pitchFamily="18" charset="0"/>
+              </a:rPr>
+              <a:t>a</a:t>
+            </a:r>
+            <a:r>
+              <a:rPr sz="1400" spc="-10" dirty="0">
+                <a:latin typeface="Times New Roman" panose="02020603050405020304" pitchFamily="18" charset="0"/>
+                <a:cs typeface="Times New Roman" panose="02020603050405020304" pitchFamily="18" charset="0"/>
+              </a:rPr>
+              <a:t> </a:t>
+            </a:r>
+            <a:r>
+              <a:rPr sz="1400" i="1" spc="-5" dirty="0">
+                <a:latin typeface="Times New Roman" panose="02020603050405020304" pitchFamily="18" charset="0"/>
+                <a:cs typeface="Times New Roman" panose="02020603050405020304" pitchFamily="18" charset="0"/>
+              </a:rPr>
+              <a:t>spatial</a:t>
+            </a:r>
+            <a:r>
+              <a:rPr sz="1400" i="1" spc="-10" dirty="0">
+                <a:latin typeface="Times New Roman" panose="02020603050405020304" pitchFamily="18" charset="0"/>
+                <a:cs typeface="Times New Roman" panose="02020603050405020304" pitchFamily="18" charset="0"/>
+              </a:rPr>
+              <a:t> </a:t>
+            </a:r>
+            <a:r>
+              <a:rPr sz="1400" i="1" spc="-5" dirty="0">
+                <a:latin typeface="Times New Roman" panose="02020603050405020304" pitchFamily="18" charset="0"/>
+                <a:cs typeface="Times New Roman" panose="02020603050405020304" pitchFamily="18" charset="0"/>
+              </a:rPr>
+              <a:t>error</a:t>
+            </a:r>
+            <a:endParaRPr lang="en-US" sz="1400" i="1" spc="-5" dirty="0">
+              <a:latin typeface="Times New Roman" panose="02020603050405020304" pitchFamily="18" charset="0"/>
+              <a:cs typeface="Times New Roman" panose="02020603050405020304" pitchFamily="18" charset="0"/>
+            </a:endParaRPr>
+          </a:p>
+          <a:p>
+            <a:pPr marL="398780" lvl="1" indent="-128905">
+              <a:lnSpc>
+                <a:spcPts val="1415"/>
+              </a:lnSpc>
+              <a:buFontTx/>
+              <a:buChar char="–"/>
+              <a:tabLst>
+                <a:tab pos="398780" algn="l"/>
+              </a:tabLst>
+            </a:pPr>
+            <a:r>
+              <a:rPr lang="en-US" sz="1400" spc="-5" dirty="0">
+                <a:latin typeface="Times New Roman" panose="02020603050405020304" pitchFamily="18" charset="0"/>
+                <a:cs typeface="Times New Roman" panose="02020603050405020304" pitchFamily="18" charset="0"/>
+              </a:rPr>
+              <a:t>For further reading: See </a:t>
+            </a:r>
+            <a:r>
+              <a:rPr lang="en-US" sz="1400" i="1" spc="-5" dirty="0">
+                <a:latin typeface="Times New Roman" panose="02020603050405020304" pitchFamily="18" charset="0"/>
+                <a:cs typeface="Times New Roman" panose="02020603050405020304" pitchFamily="18" charset="0"/>
+              </a:rPr>
+              <a:t>Smashing the stack</a:t>
+            </a:r>
+            <a:r>
+              <a:rPr lang="en-US" sz="1400" i="1" dirty="0">
+                <a:latin typeface="Times New Roman" panose="02020603050405020304" pitchFamily="18" charset="0"/>
+                <a:cs typeface="Times New Roman" panose="02020603050405020304" pitchFamily="18" charset="0"/>
+              </a:rPr>
+              <a:t> </a:t>
+            </a:r>
+            <a:r>
+              <a:rPr lang="en-US" sz="1400" i="1" spc="-5" dirty="0">
+                <a:latin typeface="Times New Roman" panose="02020603050405020304" pitchFamily="18" charset="0"/>
+                <a:cs typeface="Times New Roman" panose="02020603050405020304" pitchFamily="18" charset="0"/>
+              </a:rPr>
+              <a:t>for</a:t>
+            </a:r>
+            <a:r>
+              <a:rPr lang="en-US" sz="1400" i="1" dirty="0">
+                <a:latin typeface="Times New Roman" panose="02020603050405020304" pitchFamily="18" charset="0"/>
+                <a:cs typeface="Times New Roman" panose="02020603050405020304" pitchFamily="18" charset="0"/>
+              </a:rPr>
+              <a:t> </a:t>
+            </a:r>
+            <a:r>
+              <a:rPr lang="en-US" sz="1400" i="1" spc="-5" dirty="0">
+                <a:latin typeface="Times New Roman" panose="02020603050405020304" pitchFamily="18" charset="0"/>
+                <a:cs typeface="Times New Roman" panose="02020603050405020304" pitchFamily="18" charset="0"/>
+              </a:rPr>
+              <a:t>fun and profit</a:t>
+            </a:r>
+            <a:endParaRPr lang="en-US" sz="1400" dirty="0">
+              <a:latin typeface="Times New Roman" panose="02020603050405020304" pitchFamily="18" charset="0"/>
+              <a:cs typeface="Times New Roman" panose="02020603050405020304" pitchFamily="18" charset="0"/>
+            </a:endParaRPr>
+          </a:p>
+          <a:p>
+            <a:pPr marL="398780" lvl="1" indent="-128905">
+              <a:lnSpc>
+                <a:spcPts val="1415"/>
+              </a:lnSpc>
+              <a:buChar char="–"/>
+              <a:tabLst>
+                <a:tab pos="398780" algn="l"/>
+              </a:tabLst>
+            </a:pPr>
+            <a:endParaRPr sz="1400" dirty="0">
+              <a:latin typeface="Times New Roman" panose="02020603050405020304" pitchFamily="18" charset="0"/>
+              <a:cs typeface="Times New Roman" panose="02020603050405020304" pitchFamily="18" charset="0"/>
+            </a:endParaRPr>
+          </a:p>
+          <a:p>
+            <a:pPr lvl="1">
+              <a:lnSpc>
+                <a:spcPct val="100000"/>
+              </a:lnSpc>
+              <a:buFont typeface="Arial MT"/>
+              <a:buChar char="–"/>
+            </a:pPr>
+            <a:endParaRPr sz="1600" dirty="0">
+              <a:latin typeface="Times New Roman" panose="02020603050405020304" pitchFamily="18" charset="0"/>
+              <a:cs typeface="Times New Roman" panose="02020603050405020304" pitchFamily="18" charset="0"/>
+            </a:endParaRPr>
+          </a:p>
+          <a:p>
+            <a:pPr marL="141605" indent="-128905">
+              <a:lnSpc>
+                <a:spcPct val="100000"/>
+              </a:lnSpc>
+              <a:buSzPct val="86666"/>
+              <a:buFont typeface="Wingdings"/>
+              <a:buChar char=""/>
+              <a:tabLst>
+                <a:tab pos="141605" algn="l"/>
+              </a:tabLst>
+            </a:pPr>
+            <a:r>
+              <a:rPr sz="1600" spc="-5" dirty="0">
+                <a:latin typeface="Times New Roman" panose="02020603050405020304" pitchFamily="18" charset="0"/>
+                <a:cs typeface="Times New Roman" panose="02020603050405020304" pitchFamily="18" charset="0"/>
+              </a:rPr>
+              <a:t>What</a:t>
+            </a:r>
+            <a:r>
+              <a:rPr sz="1600" spc="-15" dirty="0">
+                <a:latin typeface="Times New Roman" panose="02020603050405020304" pitchFamily="18" charset="0"/>
+                <a:cs typeface="Times New Roman" panose="02020603050405020304" pitchFamily="18" charset="0"/>
+              </a:rPr>
+              <a:t> </a:t>
+            </a:r>
+            <a:r>
+              <a:rPr sz="1600" dirty="0">
+                <a:latin typeface="Times New Roman" panose="02020603050405020304" pitchFamily="18" charset="0"/>
+                <a:cs typeface="Times New Roman" panose="02020603050405020304" pitchFamily="18" charset="0"/>
+              </a:rPr>
+              <a:t>happens</a:t>
+            </a:r>
+            <a:r>
+              <a:rPr sz="1600" spc="-10" dirty="0">
+                <a:latin typeface="Times New Roman" panose="02020603050405020304" pitchFamily="18" charset="0"/>
+                <a:cs typeface="Times New Roman" panose="02020603050405020304" pitchFamily="18" charset="0"/>
+              </a:rPr>
+              <a:t> </a:t>
+            </a:r>
+            <a:r>
+              <a:rPr sz="1600" dirty="0">
+                <a:latin typeface="Times New Roman" panose="02020603050405020304" pitchFamily="18" charset="0"/>
+                <a:cs typeface="Times New Roman" panose="02020603050405020304" pitchFamily="18" charset="0"/>
+              </a:rPr>
+              <a:t>if</a:t>
+            </a:r>
+            <a:r>
+              <a:rPr sz="1600" spc="-15" dirty="0">
+                <a:latin typeface="Times New Roman" panose="02020603050405020304" pitchFamily="18" charset="0"/>
+                <a:cs typeface="Times New Roman" panose="02020603050405020304" pitchFamily="18" charset="0"/>
+              </a:rPr>
+              <a:t> </a:t>
+            </a:r>
+            <a:r>
+              <a:rPr sz="1600" dirty="0">
+                <a:latin typeface="Times New Roman" panose="02020603050405020304" pitchFamily="18" charset="0"/>
+                <a:cs typeface="Times New Roman" panose="02020603050405020304" pitchFamily="18" charset="0"/>
+              </a:rPr>
+              <a:t>you</a:t>
+            </a:r>
+            <a:r>
+              <a:rPr sz="1600" spc="-10" dirty="0">
+                <a:latin typeface="Times New Roman" panose="02020603050405020304" pitchFamily="18" charset="0"/>
+                <a:cs typeface="Times New Roman" panose="02020603050405020304" pitchFamily="18" charset="0"/>
+              </a:rPr>
+              <a:t> </a:t>
+            </a:r>
+            <a:r>
+              <a:rPr sz="1600" dirty="0">
+                <a:latin typeface="Times New Roman" panose="02020603050405020304" pitchFamily="18" charset="0"/>
+                <a:cs typeface="Times New Roman" panose="02020603050405020304" pitchFamily="18" charset="0"/>
+              </a:rPr>
+              <a:t>use</a:t>
+            </a:r>
+            <a:r>
+              <a:rPr sz="1600" spc="-5" dirty="0">
+                <a:latin typeface="Times New Roman" panose="02020603050405020304" pitchFamily="18" charset="0"/>
+                <a:cs typeface="Times New Roman" panose="02020603050405020304" pitchFamily="18" charset="0"/>
+              </a:rPr>
+              <a:t> </a:t>
+            </a:r>
+            <a:r>
+              <a:rPr sz="1600" dirty="0">
+                <a:latin typeface="Times New Roman" panose="02020603050405020304" pitchFamily="18" charset="0"/>
+                <a:cs typeface="Times New Roman" panose="02020603050405020304" pitchFamily="18" charset="0"/>
+              </a:rPr>
+              <a:t>memory</a:t>
+            </a:r>
+            <a:r>
+              <a:rPr sz="1600" spc="-10" dirty="0">
+                <a:latin typeface="Times New Roman" panose="02020603050405020304" pitchFamily="18" charset="0"/>
+                <a:cs typeface="Times New Roman" panose="02020603050405020304" pitchFamily="18" charset="0"/>
+              </a:rPr>
+              <a:t> </a:t>
+            </a:r>
+            <a:r>
+              <a:rPr sz="1600" spc="-5" dirty="0">
+                <a:latin typeface="Times New Roman" panose="02020603050405020304" pitchFamily="18" charset="0"/>
+                <a:cs typeface="Times New Roman" panose="02020603050405020304" pitchFamily="18" charset="0"/>
+              </a:rPr>
+              <a:t>after</a:t>
+            </a:r>
+            <a:r>
+              <a:rPr sz="1600" spc="-10" dirty="0">
+                <a:latin typeface="Times New Roman" panose="02020603050405020304" pitchFamily="18" charset="0"/>
+                <a:cs typeface="Times New Roman" panose="02020603050405020304" pitchFamily="18" charset="0"/>
+              </a:rPr>
+              <a:t> </a:t>
+            </a:r>
+            <a:r>
+              <a:rPr sz="1600" dirty="0">
+                <a:latin typeface="Times New Roman" panose="02020603050405020304" pitchFamily="18" charset="0"/>
+                <a:cs typeface="Times New Roman" panose="02020603050405020304" pitchFamily="18" charset="0"/>
+              </a:rPr>
+              <a:t>you’ve</a:t>
+            </a:r>
+            <a:r>
+              <a:rPr sz="1600" spc="-10" dirty="0">
+                <a:latin typeface="Times New Roman" panose="02020603050405020304" pitchFamily="18" charset="0"/>
+                <a:cs typeface="Times New Roman" panose="02020603050405020304" pitchFamily="18" charset="0"/>
+              </a:rPr>
+              <a:t> </a:t>
+            </a:r>
+            <a:r>
+              <a:rPr sz="1600" spc="-5" dirty="0">
+                <a:latin typeface="Times New Roman" panose="02020603050405020304" pitchFamily="18" charset="0"/>
+                <a:cs typeface="Times New Roman" panose="02020603050405020304" pitchFamily="18" charset="0"/>
+              </a:rPr>
+              <a:t>freed</a:t>
+            </a:r>
+            <a:r>
+              <a:rPr sz="1600" spc="-10" dirty="0">
+                <a:latin typeface="Times New Roman" panose="02020603050405020304" pitchFamily="18" charset="0"/>
+                <a:cs typeface="Times New Roman" panose="02020603050405020304" pitchFamily="18" charset="0"/>
+              </a:rPr>
+              <a:t> </a:t>
+            </a:r>
+            <a:r>
+              <a:rPr sz="1600" spc="-5" dirty="0">
+                <a:latin typeface="Times New Roman" panose="02020603050405020304" pitchFamily="18" charset="0"/>
+                <a:cs typeface="Times New Roman" panose="02020603050405020304" pitchFamily="18" charset="0"/>
+              </a:rPr>
+              <a:t>it?</a:t>
+            </a:r>
+            <a:endParaRPr sz="1600" dirty="0">
+              <a:latin typeface="Times New Roman" panose="02020603050405020304" pitchFamily="18" charset="0"/>
+              <a:cs typeface="Times New Roman" panose="02020603050405020304" pitchFamily="18" charset="0"/>
+            </a:endParaRPr>
+          </a:p>
+          <a:p>
+            <a:pPr marL="398780" lvl="1" indent="-128905">
+              <a:lnSpc>
+                <a:spcPts val="1415"/>
+              </a:lnSpc>
+              <a:spcBef>
+                <a:spcPts val="105"/>
+              </a:spcBef>
+              <a:buChar char="–"/>
+              <a:tabLst>
+                <a:tab pos="398780" algn="l"/>
+              </a:tabLst>
+            </a:pPr>
+            <a:r>
+              <a:rPr sz="1400" spc="-40" dirty="0">
+                <a:latin typeface="Times New Roman" panose="02020603050405020304" pitchFamily="18" charset="0"/>
+                <a:cs typeface="Times New Roman" panose="02020603050405020304" pitchFamily="18" charset="0"/>
+              </a:rPr>
+              <a:t>You</a:t>
+            </a:r>
+            <a:r>
+              <a:rPr sz="1400" spc="-15" dirty="0">
+                <a:latin typeface="Times New Roman" panose="02020603050405020304" pitchFamily="18" charset="0"/>
+                <a:cs typeface="Times New Roman" panose="02020603050405020304" pitchFamily="18" charset="0"/>
+              </a:rPr>
+              <a:t> </a:t>
+            </a:r>
+            <a:r>
+              <a:rPr sz="1400" spc="-5" dirty="0">
+                <a:latin typeface="Times New Roman" panose="02020603050405020304" pitchFamily="18" charset="0"/>
+                <a:cs typeface="Times New Roman" panose="02020603050405020304" pitchFamily="18" charset="0"/>
+              </a:rPr>
+              <a:t>can</a:t>
+            </a:r>
+            <a:r>
+              <a:rPr sz="1400" spc="-10" dirty="0">
+                <a:latin typeface="Times New Roman" panose="02020603050405020304" pitchFamily="18" charset="0"/>
+                <a:cs typeface="Times New Roman" panose="02020603050405020304" pitchFamily="18" charset="0"/>
+              </a:rPr>
+              <a:t> </a:t>
+            </a:r>
+            <a:r>
+              <a:rPr sz="1400" spc="-5" dirty="0">
+                <a:latin typeface="Times New Roman" panose="02020603050405020304" pitchFamily="18" charset="0"/>
+                <a:cs typeface="Times New Roman" panose="02020603050405020304" pitchFamily="18" charset="0"/>
+              </a:rPr>
+              <a:t>get</a:t>
+            </a:r>
+            <a:r>
+              <a:rPr sz="1400" dirty="0">
+                <a:latin typeface="Times New Roman" panose="02020603050405020304" pitchFamily="18" charset="0"/>
+                <a:cs typeface="Times New Roman" panose="02020603050405020304" pitchFamily="18" charset="0"/>
+              </a:rPr>
+              <a:t> </a:t>
+            </a:r>
+            <a:r>
+              <a:rPr sz="1400" spc="-5" dirty="0">
+                <a:latin typeface="Times New Roman" panose="02020603050405020304" pitchFamily="18" charset="0"/>
+                <a:cs typeface="Times New Roman" panose="02020603050405020304" pitchFamily="18" charset="0"/>
+              </a:rPr>
+              <a:t>an</a:t>
+            </a:r>
+            <a:r>
+              <a:rPr sz="1400" spc="-15" dirty="0">
+                <a:latin typeface="Times New Roman" panose="02020603050405020304" pitchFamily="18" charset="0"/>
+                <a:cs typeface="Times New Roman" panose="02020603050405020304" pitchFamily="18" charset="0"/>
+              </a:rPr>
+              <a:t> </a:t>
+            </a:r>
+            <a:r>
+              <a:rPr sz="1400" spc="-5" dirty="0">
+                <a:latin typeface="Times New Roman" panose="02020603050405020304" pitchFamily="18" charset="0"/>
+                <a:cs typeface="Times New Roman" panose="02020603050405020304" pitchFamily="18" charset="0"/>
+              </a:rPr>
+              <a:t>arbitrary write…</a:t>
+            </a:r>
+            <a:endParaRPr sz="1400" dirty="0">
+              <a:latin typeface="Times New Roman" panose="02020603050405020304" pitchFamily="18" charset="0"/>
+              <a:cs typeface="Times New Roman" panose="02020603050405020304" pitchFamily="18" charset="0"/>
+            </a:endParaRPr>
+          </a:p>
+          <a:p>
+            <a:pPr marL="398780" lvl="1" indent="-128905">
+              <a:lnSpc>
+                <a:spcPct val="100000"/>
+              </a:lnSpc>
+              <a:spcBef>
+                <a:spcPts val="75"/>
+              </a:spcBef>
+              <a:buChar char="–"/>
+              <a:tabLst>
+                <a:tab pos="398780" algn="l"/>
+              </a:tabLst>
+            </a:pPr>
+            <a:r>
+              <a:rPr sz="1400" spc="-5" dirty="0">
+                <a:latin typeface="Times New Roman" panose="02020603050405020304" pitchFamily="18" charset="0"/>
+                <a:cs typeface="Times New Roman" panose="02020603050405020304" pitchFamily="18" charset="0"/>
+              </a:rPr>
+              <a:t>Sometimes</a:t>
+            </a:r>
+            <a:r>
+              <a:rPr sz="1400" spc="-10" dirty="0">
+                <a:latin typeface="Times New Roman" panose="02020603050405020304" pitchFamily="18" charset="0"/>
+                <a:cs typeface="Times New Roman" panose="02020603050405020304" pitchFamily="18" charset="0"/>
+              </a:rPr>
+              <a:t> </a:t>
+            </a:r>
+            <a:r>
+              <a:rPr sz="1400" spc="-5" dirty="0">
+                <a:latin typeface="Times New Roman" panose="02020603050405020304" pitchFamily="18" charset="0"/>
+                <a:cs typeface="Times New Roman" panose="02020603050405020304" pitchFamily="18" charset="0"/>
+              </a:rPr>
+              <a:t>called</a:t>
+            </a:r>
+            <a:r>
+              <a:rPr sz="1400" spc="-10" dirty="0">
+                <a:latin typeface="Times New Roman" panose="02020603050405020304" pitchFamily="18" charset="0"/>
+                <a:cs typeface="Times New Roman" panose="02020603050405020304" pitchFamily="18" charset="0"/>
+              </a:rPr>
+              <a:t> </a:t>
+            </a:r>
+            <a:r>
+              <a:rPr sz="1400" dirty="0">
+                <a:latin typeface="Times New Roman" panose="02020603050405020304" pitchFamily="18" charset="0"/>
+                <a:cs typeface="Times New Roman" panose="02020603050405020304" pitchFamily="18" charset="0"/>
+              </a:rPr>
+              <a:t>a</a:t>
+            </a:r>
+            <a:r>
+              <a:rPr sz="1400" spc="-15" dirty="0">
+                <a:latin typeface="Times New Roman" panose="02020603050405020304" pitchFamily="18" charset="0"/>
+                <a:cs typeface="Times New Roman" panose="02020603050405020304" pitchFamily="18" charset="0"/>
+              </a:rPr>
+              <a:t> </a:t>
+            </a:r>
+            <a:r>
+              <a:rPr sz="1400" i="1" spc="-5" dirty="0">
+                <a:latin typeface="Times New Roman" panose="02020603050405020304" pitchFamily="18" charset="0"/>
+                <a:cs typeface="Times New Roman" panose="02020603050405020304" pitchFamily="18" charset="0"/>
+              </a:rPr>
+              <a:t>temporal</a:t>
+            </a:r>
+            <a:r>
+              <a:rPr sz="1400" i="1" spc="-10" dirty="0">
+                <a:latin typeface="Times New Roman" panose="02020603050405020304" pitchFamily="18" charset="0"/>
+                <a:cs typeface="Times New Roman" panose="02020603050405020304" pitchFamily="18" charset="0"/>
+              </a:rPr>
+              <a:t> </a:t>
+            </a:r>
+            <a:r>
+              <a:rPr sz="1400" i="1" spc="-5" dirty="0">
+                <a:latin typeface="Times New Roman" panose="02020603050405020304" pitchFamily="18" charset="0"/>
+                <a:cs typeface="Times New Roman" panose="02020603050405020304" pitchFamily="18" charset="0"/>
+              </a:rPr>
+              <a:t>error</a:t>
+            </a:r>
+            <a:endParaRPr lang="en-US" sz="1400" i="1" spc="-5" dirty="0">
+              <a:latin typeface="Times New Roman" panose="02020603050405020304" pitchFamily="18" charset="0"/>
+              <a:cs typeface="Times New Roman" panose="02020603050405020304" pitchFamily="18" charset="0"/>
+            </a:endParaRPr>
+          </a:p>
+          <a:p>
+            <a:pPr marL="398780" lvl="1" indent="-128905">
+              <a:spcBef>
+                <a:spcPts val="75"/>
+              </a:spcBef>
+              <a:buFontTx/>
+              <a:buChar char="–"/>
+              <a:tabLst>
+                <a:tab pos="398780" algn="l"/>
+              </a:tabLst>
+            </a:pPr>
+            <a:r>
+              <a:rPr lang="en-US" sz="1400" spc="-5" dirty="0">
+                <a:latin typeface="Times New Roman" panose="02020603050405020304" pitchFamily="18" charset="0"/>
+                <a:cs typeface="Times New Roman" panose="02020603050405020304" pitchFamily="18" charset="0"/>
+              </a:rPr>
+              <a:t>For further reading: </a:t>
+            </a:r>
+            <a:r>
+              <a:rPr lang="en-GB" sz="1400" spc="-5" dirty="0">
+                <a:latin typeface="Times New Roman" panose="02020603050405020304" pitchFamily="18" charset="0"/>
+                <a:cs typeface="Times New Roman" panose="02020603050405020304" pitchFamily="18" charset="0"/>
+              </a:rPr>
+              <a:t>See</a:t>
+            </a:r>
+            <a:r>
+              <a:rPr lang="en-GB" sz="1400" spc="-15" dirty="0">
+                <a:latin typeface="Times New Roman" panose="02020603050405020304" pitchFamily="18" charset="0"/>
+                <a:cs typeface="Times New Roman" panose="02020603050405020304" pitchFamily="18" charset="0"/>
+              </a:rPr>
+              <a:t> </a:t>
+            </a:r>
+            <a:r>
+              <a:rPr lang="en-GB" sz="1400" spc="-5" dirty="0">
+                <a:latin typeface="Times New Roman" panose="02020603050405020304" pitchFamily="18" charset="0"/>
+                <a:cs typeface="Times New Roman" panose="02020603050405020304" pitchFamily="18" charset="0"/>
+              </a:rPr>
+              <a:t>the</a:t>
+            </a:r>
+            <a:r>
+              <a:rPr lang="en-GB" sz="1400" spc="-15" dirty="0">
+                <a:latin typeface="Times New Roman" panose="02020603050405020304" pitchFamily="18" charset="0"/>
+                <a:cs typeface="Times New Roman" panose="02020603050405020304" pitchFamily="18" charset="0"/>
+              </a:rPr>
+              <a:t> </a:t>
+            </a:r>
+            <a:r>
+              <a:rPr lang="en-GB" sz="1400" i="1" spc="-5" dirty="0">
+                <a:latin typeface="Times New Roman" panose="02020603050405020304" pitchFamily="18" charset="0"/>
+                <a:cs typeface="Times New Roman" panose="02020603050405020304" pitchFamily="18" charset="0"/>
+              </a:rPr>
+              <a:t>malloc</a:t>
+            </a:r>
+            <a:r>
+              <a:rPr lang="en-GB" sz="1400" i="1" spc="-10" dirty="0">
+                <a:latin typeface="Times New Roman" panose="02020603050405020304" pitchFamily="18" charset="0"/>
+                <a:cs typeface="Times New Roman" panose="02020603050405020304" pitchFamily="18" charset="0"/>
+              </a:rPr>
+              <a:t> </a:t>
+            </a:r>
+            <a:r>
+              <a:rPr lang="en-GB" sz="1400" i="1" spc="-5" dirty="0" err="1">
+                <a:latin typeface="Times New Roman" panose="02020603050405020304" pitchFamily="18" charset="0"/>
+                <a:cs typeface="Times New Roman" panose="02020603050405020304" pitchFamily="18" charset="0"/>
+              </a:rPr>
+              <a:t>maleficarum</a:t>
+            </a:r>
+            <a:endParaRPr lang="en-GB" sz="1400" dirty="0">
+              <a:latin typeface="Times New Roman" panose="02020603050405020304" pitchFamily="18" charset="0"/>
+              <a:cs typeface="Times New Roman" panose="02020603050405020304" pitchFamily="18" charset="0"/>
+            </a:endParaRPr>
+          </a:p>
+          <a:p>
+            <a:pPr marL="398780" lvl="1" indent="-128905">
+              <a:lnSpc>
+                <a:spcPct val="100000"/>
+              </a:lnSpc>
+              <a:spcBef>
+                <a:spcPts val="75"/>
+              </a:spcBef>
+              <a:buChar char="–"/>
+              <a:tabLst>
+                <a:tab pos="398780" algn="l"/>
+              </a:tabLst>
+            </a:pPr>
+            <a:endParaRPr sz="1400" dirty="0">
+              <a:latin typeface="Times New Roman" panose="02020603050405020304" pitchFamily="18" charset="0"/>
+              <a:cs typeface="Times New Roman" panose="02020603050405020304" pitchFamily="18" charset="0"/>
+            </a:endParaRPr>
+          </a:p>
+          <a:p>
+            <a:pPr marL="398780" lvl="1" indent="-128905">
+              <a:lnSpc>
+                <a:spcPct val="100000"/>
+              </a:lnSpc>
+              <a:spcBef>
+                <a:spcPts val="10"/>
+              </a:spcBef>
+              <a:buChar char="–"/>
+              <a:tabLst>
+                <a:tab pos="398780" algn="l"/>
+              </a:tabLst>
+            </a:pPr>
+            <a:endParaRPr sz="1400" dirty="0">
+              <a:latin typeface="Times New Roman" panose="02020603050405020304" pitchFamily="18" charset="0"/>
+              <a:cs typeface="Times New Roman" panose="02020603050405020304" pitchFamily="18" charset="0"/>
+            </a:endParaRPr>
+          </a:p>
+        </p:txBody>
+      </p:sp>
+      <p:sp>
+        <p:nvSpPr>
+          <p:cNvPr id="7" name="Title 5">
+            <a:extLst>
+              <a:ext uri="{FF2B5EF4-FFF2-40B4-BE49-F238E27FC236}">
+                <a16:creationId xmlns:a16="http://schemas.microsoft.com/office/drawing/2014/main" id="{3CA279C4-CBF5-4A44-9731-02A90514869A}"/>
+              </a:ext>
+            </a:extLst>
+          </p:cNvPr>
+          <p:cNvSpPr>
+            <a:spLocks noGrp="1"/>
+          </p:cNvSpPr>
+          <p:nvPr>
+            <p:ph type="title"/>
+          </p:nvPr>
+        </p:nvSpPr>
+        <p:spPr>
+          <a:xfrm>
+            <a:off x="623887" y="228600"/>
+            <a:ext cx="5915025" cy="697706"/>
+          </a:xfrm>
+        </p:spPr>
+        <p:txBody>
+          <a:bodyPr>
+            <a:normAutofit/>
+          </a:bodyPr>
+          <a:lstStyle/>
+          <a:p>
+            <a:pPr algn="ctr"/>
+            <a:r>
+              <a:rPr lang="en-GB" sz="3200" spc="-5" dirty="0">
+                <a:latin typeface="Times New Roman" panose="02020603050405020304" pitchFamily="18" charset="0"/>
+                <a:cs typeface="Times New Roman" panose="02020603050405020304" pitchFamily="18" charset="0"/>
+              </a:rPr>
+              <a:t>Memory</a:t>
+            </a:r>
+            <a:r>
+              <a:rPr lang="en-GB" sz="3200" spc="-20" dirty="0">
+                <a:latin typeface="Times New Roman" panose="02020603050405020304" pitchFamily="18" charset="0"/>
+                <a:cs typeface="Times New Roman" panose="02020603050405020304" pitchFamily="18" charset="0"/>
+              </a:rPr>
+              <a:t> </a:t>
+            </a:r>
+            <a:r>
+              <a:rPr lang="en-GB" sz="3200" spc="-10" dirty="0">
+                <a:latin typeface="Times New Roman" panose="02020603050405020304" pitchFamily="18" charset="0"/>
+                <a:cs typeface="Times New Roman" panose="02020603050405020304" pitchFamily="18" charset="0"/>
+              </a:rPr>
+              <a:t>Corruption</a:t>
+            </a:r>
+            <a:r>
+              <a:rPr lang="en-GB" sz="3200" spc="-25" dirty="0">
+                <a:latin typeface="Times New Roman" panose="02020603050405020304" pitchFamily="18" charset="0"/>
+                <a:cs typeface="Times New Roman" panose="02020603050405020304" pitchFamily="18" charset="0"/>
+              </a:rPr>
+              <a:t> </a:t>
+            </a:r>
+            <a:r>
+              <a:rPr lang="en-GB" sz="3200" spc="-10" dirty="0">
+                <a:latin typeface="Times New Roman" panose="02020603050405020304" pitchFamily="18" charset="0"/>
+                <a:cs typeface="Times New Roman" panose="02020603050405020304" pitchFamily="18" charset="0"/>
+              </a:rPr>
+              <a:t>bugs</a:t>
+            </a:r>
+            <a:endParaRPr lang="en-GB" sz="3200" dirty="0">
+              <a:latin typeface="Times New Roman" panose="02020603050405020304" pitchFamily="18" charset="0"/>
+              <a:cs typeface="Times New Roman" panose="02020603050405020304" pitchFamily="18" charset="0"/>
+            </a:endParaRPr>
+          </a:p>
+        </p:txBody>
+      </p:sp>
+    </p:spTree>
+  </p:cSld>
+  <p:clrMapOvr>
+    <a:masterClrMapping/>
+  </p:clrMapOvr>
+</p:sld>
+</file>
+
+<file path=ppt/slides/slide7.xml><?xml version="1.0" encoding="utf-8"?>
 <p:sld xmlns:a="http://schemas.openxmlformats.org/drawingml/2006/main" xmlns:r="http://schemas.openxmlformats.org/officeDocument/2006/relationships" xmlns:p="http://schemas.openxmlformats.org/presentationml/2006/main">
   <p:cSld>
     <p:spTree>
@@ -22667,7 +23586,7 @@
 </p:sld>
 </file>
 
-<file path=ppt/slides/slide6.xml><?xml version="1.0" encoding="utf-8"?>
+<file path=ppt/slides/slide8.xml><?xml version="1.0" encoding="utf-8"?>
 <p:sld xmlns:a="http://schemas.openxmlformats.org/drawingml/2006/main" xmlns:r="http://schemas.openxmlformats.org/officeDocument/2006/relationships" xmlns:p="http://schemas.openxmlformats.org/presentationml/2006/main">
   <p:cSld>
     <p:spTree>
@@ -22907,7 +23826,7 @@
 </p:sld>
 </file>
 
-<file path=ppt/slides/slide7.xml><?xml version="1.0" encoding="utf-8"?>
+<file path=ppt/slides/slide9.xml><?xml version="1.0" encoding="utf-8"?>
 <p:sld xmlns:a="http://schemas.openxmlformats.org/drawingml/2006/main" xmlns:r="http://schemas.openxmlformats.org/officeDocument/2006/relationships" xmlns:p="http://schemas.openxmlformats.org/presentationml/2006/main">
   <p:cSld>
     <p:spTree>
@@ -23068,1275 +23987,6 @@
                 <a:cs typeface="Times New Roman" panose="02020603050405020304" pitchFamily="18" charset="0"/>
               </a:rPr>
               <a:t>Example</a:t>
-            </a:r>
-            <a:endParaRPr lang="en-GB" sz="3200" dirty="0">
-              <a:latin typeface="Times New Roman" panose="02020603050405020304" pitchFamily="18" charset="0"/>
-              <a:cs typeface="Times New Roman" panose="02020603050405020304" pitchFamily="18" charset="0"/>
-            </a:endParaRPr>
-          </a:p>
-        </p:txBody>
-      </p:sp>
-    </p:spTree>
-  </p:cSld>
-  <p:clrMapOvr>
-    <a:masterClrMapping/>
-  </p:clrMapOvr>
-</p:sld>
-</file>
-
-<file path=ppt/slides/slide8.xml><?xml version="1.0" encoding="utf-8"?>
-<p:sld xmlns:a="http://schemas.openxmlformats.org/drawingml/2006/main" xmlns:r="http://schemas.openxmlformats.org/officeDocument/2006/relationships" xmlns:p="http://schemas.openxmlformats.org/presentationml/2006/main">
-  <p:cSld>
-    <p:spTree>
-      <p:nvGrpSpPr>
-        <p:cNvPr id="1" name=""/>
-        <p:cNvGrpSpPr/>
-        <p:nvPr/>
-      </p:nvGrpSpPr>
-      <p:grpSpPr>
-        <a:xfrm>
-          <a:off x="0" y="0"/>
-          <a:ext cx="0" cy="0"/>
-          <a:chOff x="0" y="0"/>
-          <a:chExt cx="0" cy="0"/>
-        </a:xfrm>
-      </p:grpSpPr>
-      <p:sp>
-        <p:nvSpPr>
-          <p:cNvPr id="3" name="object 3"/>
-          <p:cNvSpPr txBox="1"/>
-          <p:nvPr/>
-        </p:nvSpPr>
-        <p:spPr>
-          <a:xfrm>
-            <a:off x="356840" y="1351279"/>
-            <a:ext cx="6196360" cy="2598147"/>
-          </a:xfrm>
-          <a:prstGeom prst="rect">
-            <a:avLst/>
-          </a:prstGeom>
-        </p:spPr>
-        <p:txBody>
-          <a:bodyPr vert="horz" wrap="square" lIns="0" tIns="12700" rIns="0" bIns="0" rtlCol="0">
-            <a:spAutoFit/>
-          </a:bodyPr>
-          <a:lstStyle/>
-          <a:p>
-            <a:pPr marL="141605" indent="-128905">
-              <a:lnSpc>
-                <a:spcPct val="100000"/>
-              </a:lnSpc>
-              <a:spcBef>
-                <a:spcPts val="100"/>
-              </a:spcBef>
-              <a:buSzPct val="86666"/>
-              <a:buFont typeface="Wingdings"/>
-              <a:buChar char=""/>
-              <a:tabLst>
-                <a:tab pos="141605" algn="l"/>
-              </a:tabLst>
-            </a:pPr>
-            <a:r>
-              <a:rPr sz="1600" spc="-5" dirty="0">
-                <a:latin typeface="Times New Roman" panose="02020603050405020304" pitchFamily="18" charset="0"/>
-                <a:cs typeface="Times New Roman" panose="02020603050405020304" pitchFamily="18" charset="0"/>
-              </a:rPr>
-              <a:t>What</a:t>
-            </a:r>
-            <a:r>
-              <a:rPr sz="1600" spc="-20" dirty="0">
-                <a:latin typeface="Times New Roman" panose="02020603050405020304" pitchFamily="18" charset="0"/>
-                <a:cs typeface="Times New Roman" panose="02020603050405020304" pitchFamily="18" charset="0"/>
-              </a:rPr>
-              <a:t> </a:t>
-            </a:r>
-            <a:r>
-              <a:rPr sz="1600" dirty="0">
-                <a:latin typeface="Times New Roman" panose="02020603050405020304" pitchFamily="18" charset="0"/>
-                <a:cs typeface="Times New Roman" panose="02020603050405020304" pitchFamily="18" charset="0"/>
-              </a:rPr>
-              <a:t>happens</a:t>
-            </a:r>
-            <a:r>
-              <a:rPr sz="1600" spc="-10" dirty="0">
-                <a:latin typeface="Times New Roman" panose="02020603050405020304" pitchFamily="18" charset="0"/>
-                <a:cs typeface="Times New Roman" panose="02020603050405020304" pitchFamily="18" charset="0"/>
-              </a:rPr>
-              <a:t> </a:t>
-            </a:r>
-            <a:r>
-              <a:rPr sz="1600" dirty="0">
-                <a:latin typeface="Times New Roman" panose="02020603050405020304" pitchFamily="18" charset="0"/>
-                <a:cs typeface="Times New Roman" panose="02020603050405020304" pitchFamily="18" charset="0"/>
-              </a:rPr>
-              <a:t>if</a:t>
-            </a:r>
-            <a:r>
-              <a:rPr sz="1600" spc="-20" dirty="0">
-                <a:latin typeface="Times New Roman" panose="02020603050405020304" pitchFamily="18" charset="0"/>
-                <a:cs typeface="Times New Roman" panose="02020603050405020304" pitchFamily="18" charset="0"/>
-              </a:rPr>
-              <a:t> </a:t>
-            </a:r>
-            <a:r>
-              <a:rPr sz="1600" dirty="0">
-                <a:latin typeface="Times New Roman" panose="02020603050405020304" pitchFamily="18" charset="0"/>
-                <a:cs typeface="Times New Roman" panose="02020603050405020304" pitchFamily="18" charset="0"/>
-              </a:rPr>
-              <a:t>you</a:t>
-            </a:r>
-            <a:r>
-              <a:rPr sz="1600" spc="-10" dirty="0">
-                <a:latin typeface="Times New Roman" panose="02020603050405020304" pitchFamily="18" charset="0"/>
-                <a:cs typeface="Times New Roman" panose="02020603050405020304" pitchFamily="18" charset="0"/>
-              </a:rPr>
-              <a:t> </a:t>
-            </a:r>
-            <a:r>
-              <a:rPr sz="1600" dirty="0">
-                <a:latin typeface="Times New Roman" panose="02020603050405020304" pitchFamily="18" charset="0"/>
-                <a:cs typeface="Times New Roman" panose="02020603050405020304" pitchFamily="18" charset="0"/>
-              </a:rPr>
-              <a:t>go</a:t>
-            </a:r>
-            <a:r>
-              <a:rPr sz="1600" spc="-15" dirty="0">
-                <a:latin typeface="Times New Roman" panose="02020603050405020304" pitchFamily="18" charset="0"/>
-                <a:cs typeface="Times New Roman" panose="02020603050405020304" pitchFamily="18" charset="0"/>
-              </a:rPr>
-              <a:t> </a:t>
-            </a:r>
-            <a:r>
-              <a:rPr sz="1600" dirty="0">
-                <a:latin typeface="Times New Roman" panose="02020603050405020304" pitchFamily="18" charset="0"/>
-                <a:cs typeface="Times New Roman" panose="02020603050405020304" pitchFamily="18" charset="0"/>
-              </a:rPr>
-              <a:t>beyond</a:t>
-            </a:r>
-            <a:r>
-              <a:rPr sz="1600" spc="-10" dirty="0">
-                <a:latin typeface="Times New Roman" panose="02020603050405020304" pitchFamily="18" charset="0"/>
-                <a:cs typeface="Times New Roman" panose="02020603050405020304" pitchFamily="18" charset="0"/>
-              </a:rPr>
-              <a:t> </a:t>
-            </a:r>
-            <a:r>
-              <a:rPr sz="1600" dirty="0">
-                <a:latin typeface="Times New Roman" panose="02020603050405020304" pitchFamily="18" charset="0"/>
-                <a:cs typeface="Times New Roman" panose="02020603050405020304" pitchFamily="18" charset="0"/>
-              </a:rPr>
-              <a:t>a</a:t>
-            </a:r>
-            <a:r>
-              <a:rPr sz="1600" spc="-15" dirty="0">
-                <a:latin typeface="Times New Roman" panose="02020603050405020304" pitchFamily="18" charset="0"/>
-                <a:cs typeface="Times New Roman" panose="02020603050405020304" pitchFamily="18" charset="0"/>
-              </a:rPr>
-              <a:t> </a:t>
-            </a:r>
-            <a:r>
-              <a:rPr sz="1600" dirty="0">
-                <a:latin typeface="Times New Roman" panose="02020603050405020304" pitchFamily="18" charset="0"/>
-                <a:cs typeface="Times New Roman" panose="02020603050405020304" pitchFamily="18" charset="0"/>
-              </a:rPr>
-              <a:t>local</a:t>
-            </a:r>
-            <a:r>
-              <a:rPr sz="1600" spc="-5" dirty="0">
-                <a:latin typeface="Times New Roman" panose="02020603050405020304" pitchFamily="18" charset="0"/>
-                <a:cs typeface="Times New Roman" panose="02020603050405020304" pitchFamily="18" charset="0"/>
-              </a:rPr>
-              <a:t> array’s</a:t>
-            </a:r>
-            <a:r>
-              <a:rPr sz="1600" spc="-15" dirty="0">
-                <a:latin typeface="Times New Roman" panose="02020603050405020304" pitchFamily="18" charset="0"/>
-                <a:cs typeface="Times New Roman" panose="02020603050405020304" pitchFamily="18" charset="0"/>
-              </a:rPr>
-              <a:t> </a:t>
-            </a:r>
-            <a:r>
-              <a:rPr sz="1600" dirty="0">
-                <a:latin typeface="Times New Roman" panose="02020603050405020304" pitchFamily="18" charset="0"/>
-                <a:cs typeface="Times New Roman" panose="02020603050405020304" pitchFamily="18" charset="0"/>
-              </a:rPr>
-              <a:t>end?</a:t>
-            </a:r>
-          </a:p>
-          <a:p>
-            <a:pPr marL="398780" lvl="1" indent="-128905">
-              <a:lnSpc>
-                <a:spcPct val="100000"/>
-              </a:lnSpc>
-              <a:spcBef>
-                <a:spcPts val="10"/>
-              </a:spcBef>
-              <a:buChar char="–"/>
-              <a:tabLst>
-                <a:tab pos="398780" algn="l"/>
-              </a:tabLst>
-            </a:pPr>
-            <a:r>
-              <a:rPr sz="1400" spc="-40" dirty="0">
-                <a:latin typeface="Times New Roman" panose="02020603050405020304" pitchFamily="18" charset="0"/>
-                <a:cs typeface="Times New Roman" panose="02020603050405020304" pitchFamily="18" charset="0"/>
-              </a:rPr>
-              <a:t>You</a:t>
-            </a:r>
-            <a:r>
-              <a:rPr sz="1400" spc="-15" dirty="0">
-                <a:latin typeface="Times New Roman" panose="02020603050405020304" pitchFamily="18" charset="0"/>
-                <a:cs typeface="Times New Roman" panose="02020603050405020304" pitchFamily="18" charset="0"/>
-              </a:rPr>
-              <a:t> </a:t>
-            </a:r>
-            <a:r>
-              <a:rPr sz="1400" spc="-5" dirty="0">
-                <a:latin typeface="Times New Roman" panose="02020603050405020304" pitchFamily="18" charset="0"/>
-                <a:cs typeface="Times New Roman" panose="02020603050405020304" pitchFamily="18" charset="0"/>
-              </a:rPr>
-              <a:t>can</a:t>
-            </a:r>
-            <a:r>
-              <a:rPr sz="1400" spc="-15" dirty="0">
-                <a:latin typeface="Times New Roman" panose="02020603050405020304" pitchFamily="18" charset="0"/>
-                <a:cs typeface="Times New Roman" panose="02020603050405020304" pitchFamily="18" charset="0"/>
-              </a:rPr>
-              <a:t> </a:t>
-            </a:r>
-            <a:r>
-              <a:rPr sz="1400" spc="-5" dirty="0">
-                <a:latin typeface="Times New Roman" panose="02020603050405020304" pitchFamily="18" charset="0"/>
-                <a:cs typeface="Times New Roman" panose="02020603050405020304" pitchFamily="18" charset="0"/>
-              </a:rPr>
-              <a:t>get</a:t>
-            </a:r>
-            <a:r>
-              <a:rPr sz="1400" dirty="0">
-                <a:latin typeface="Times New Roman" panose="02020603050405020304" pitchFamily="18" charset="0"/>
-                <a:cs typeface="Times New Roman" panose="02020603050405020304" pitchFamily="18" charset="0"/>
-              </a:rPr>
-              <a:t> </a:t>
-            </a:r>
-            <a:r>
-              <a:rPr sz="1400" spc="-5" dirty="0">
-                <a:latin typeface="Times New Roman" panose="02020603050405020304" pitchFamily="18" charset="0"/>
-                <a:cs typeface="Times New Roman" panose="02020603050405020304" pitchFamily="18" charset="0"/>
-              </a:rPr>
-              <a:t>arbitrary</a:t>
-            </a:r>
-            <a:r>
-              <a:rPr sz="1400" spc="-10" dirty="0">
-                <a:latin typeface="Times New Roman" panose="02020603050405020304" pitchFamily="18" charset="0"/>
-                <a:cs typeface="Times New Roman" panose="02020603050405020304" pitchFamily="18" charset="0"/>
-              </a:rPr>
-              <a:t> </a:t>
-            </a:r>
-            <a:r>
-              <a:rPr sz="1400" spc="-5" dirty="0">
-                <a:latin typeface="Times New Roman" panose="02020603050405020304" pitchFamily="18" charset="0"/>
-                <a:cs typeface="Times New Roman" panose="02020603050405020304" pitchFamily="18" charset="0"/>
-              </a:rPr>
-              <a:t>execution…</a:t>
-            </a:r>
-            <a:endParaRPr sz="1400" dirty="0">
-              <a:latin typeface="Times New Roman" panose="02020603050405020304" pitchFamily="18" charset="0"/>
-              <a:cs typeface="Times New Roman" panose="02020603050405020304" pitchFamily="18" charset="0"/>
-            </a:endParaRPr>
-          </a:p>
-          <a:p>
-            <a:pPr marL="398780" lvl="1" indent="-128905">
-              <a:lnSpc>
-                <a:spcPts val="1415"/>
-              </a:lnSpc>
-              <a:buChar char="–"/>
-              <a:tabLst>
-                <a:tab pos="398780" algn="l"/>
-              </a:tabLst>
-            </a:pPr>
-            <a:r>
-              <a:rPr sz="1400" spc="-5" dirty="0">
-                <a:latin typeface="Times New Roman" panose="02020603050405020304" pitchFamily="18" charset="0"/>
-                <a:cs typeface="Times New Roman" panose="02020603050405020304" pitchFamily="18" charset="0"/>
-              </a:rPr>
-              <a:t>Sometimes</a:t>
-            </a:r>
-            <a:r>
-              <a:rPr sz="1400" spc="-10" dirty="0">
-                <a:latin typeface="Times New Roman" panose="02020603050405020304" pitchFamily="18" charset="0"/>
-                <a:cs typeface="Times New Roman" panose="02020603050405020304" pitchFamily="18" charset="0"/>
-              </a:rPr>
-              <a:t> </a:t>
-            </a:r>
-            <a:r>
-              <a:rPr sz="1400" spc="-5" dirty="0">
-                <a:latin typeface="Times New Roman" panose="02020603050405020304" pitchFamily="18" charset="0"/>
-                <a:cs typeface="Times New Roman" panose="02020603050405020304" pitchFamily="18" charset="0"/>
-              </a:rPr>
-              <a:t>called</a:t>
-            </a:r>
-            <a:r>
-              <a:rPr sz="1400" spc="-15" dirty="0">
-                <a:latin typeface="Times New Roman" panose="02020603050405020304" pitchFamily="18" charset="0"/>
-                <a:cs typeface="Times New Roman" panose="02020603050405020304" pitchFamily="18" charset="0"/>
-              </a:rPr>
-              <a:t> </a:t>
-            </a:r>
-            <a:r>
-              <a:rPr sz="1400" dirty="0">
-                <a:latin typeface="Times New Roman" panose="02020603050405020304" pitchFamily="18" charset="0"/>
-                <a:cs typeface="Times New Roman" panose="02020603050405020304" pitchFamily="18" charset="0"/>
-              </a:rPr>
-              <a:t>a</a:t>
-            </a:r>
-            <a:r>
-              <a:rPr sz="1400" spc="-10" dirty="0">
-                <a:latin typeface="Times New Roman" panose="02020603050405020304" pitchFamily="18" charset="0"/>
-                <a:cs typeface="Times New Roman" panose="02020603050405020304" pitchFamily="18" charset="0"/>
-              </a:rPr>
-              <a:t> </a:t>
-            </a:r>
-            <a:r>
-              <a:rPr sz="1400" i="1" spc="-5" dirty="0">
-                <a:latin typeface="Times New Roman" panose="02020603050405020304" pitchFamily="18" charset="0"/>
-                <a:cs typeface="Times New Roman" panose="02020603050405020304" pitchFamily="18" charset="0"/>
-              </a:rPr>
-              <a:t>spatial</a:t>
-            </a:r>
-            <a:r>
-              <a:rPr sz="1400" i="1" spc="-10" dirty="0">
-                <a:latin typeface="Times New Roman" panose="02020603050405020304" pitchFamily="18" charset="0"/>
-                <a:cs typeface="Times New Roman" panose="02020603050405020304" pitchFamily="18" charset="0"/>
-              </a:rPr>
-              <a:t> </a:t>
-            </a:r>
-            <a:r>
-              <a:rPr sz="1400" i="1" spc="-5" dirty="0">
-                <a:latin typeface="Times New Roman" panose="02020603050405020304" pitchFamily="18" charset="0"/>
-                <a:cs typeface="Times New Roman" panose="02020603050405020304" pitchFamily="18" charset="0"/>
-              </a:rPr>
-              <a:t>error</a:t>
-            </a:r>
-            <a:endParaRPr lang="en-US" sz="1400" i="1" spc="-5" dirty="0">
-              <a:latin typeface="Times New Roman" panose="02020603050405020304" pitchFamily="18" charset="0"/>
-              <a:cs typeface="Times New Roman" panose="02020603050405020304" pitchFamily="18" charset="0"/>
-            </a:endParaRPr>
-          </a:p>
-          <a:p>
-            <a:pPr marL="398780" lvl="1" indent="-128905">
-              <a:lnSpc>
-                <a:spcPts val="1415"/>
-              </a:lnSpc>
-              <a:buFontTx/>
-              <a:buChar char="–"/>
-              <a:tabLst>
-                <a:tab pos="398780" algn="l"/>
-              </a:tabLst>
-            </a:pPr>
-            <a:r>
-              <a:rPr lang="en-US" sz="1400" spc="-5" dirty="0">
-                <a:latin typeface="Times New Roman" panose="02020603050405020304" pitchFamily="18" charset="0"/>
-                <a:cs typeface="Times New Roman" panose="02020603050405020304" pitchFamily="18" charset="0"/>
-              </a:rPr>
-              <a:t>For further reading: See </a:t>
-            </a:r>
-            <a:r>
-              <a:rPr lang="en-US" sz="1400" i="1" spc="-5" dirty="0">
-                <a:latin typeface="Times New Roman" panose="02020603050405020304" pitchFamily="18" charset="0"/>
-                <a:cs typeface="Times New Roman" panose="02020603050405020304" pitchFamily="18" charset="0"/>
-              </a:rPr>
-              <a:t>Smashing the stack</a:t>
-            </a:r>
-            <a:r>
-              <a:rPr lang="en-US" sz="1400" i="1" dirty="0">
-                <a:latin typeface="Times New Roman" panose="02020603050405020304" pitchFamily="18" charset="0"/>
-                <a:cs typeface="Times New Roman" panose="02020603050405020304" pitchFamily="18" charset="0"/>
-              </a:rPr>
-              <a:t> </a:t>
-            </a:r>
-            <a:r>
-              <a:rPr lang="en-US" sz="1400" i="1" spc="-5" dirty="0">
-                <a:latin typeface="Times New Roman" panose="02020603050405020304" pitchFamily="18" charset="0"/>
-                <a:cs typeface="Times New Roman" panose="02020603050405020304" pitchFamily="18" charset="0"/>
-              </a:rPr>
-              <a:t>for</a:t>
-            </a:r>
-            <a:r>
-              <a:rPr lang="en-US" sz="1400" i="1" dirty="0">
-                <a:latin typeface="Times New Roman" panose="02020603050405020304" pitchFamily="18" charset="0"/>
-                <a:cs typeface="Times New Roman" panose="02020603050405020304" pitchFamily="18" charset="0"/>
-              </a:rPr>
-              <a:t> </a:t>
-            </a:r>
-            <a:r>
-              <a:rPr lang="en-US" sz="1400" i="1" spc="-5" dirty="0">
-                <a:latin typeface="Times New Roman" panose="02020603050405020304" pitchFamily="18" charset="0"/>
-                <a:cs typeface="Times New Roman" panose="02020603050405020304" pitchFamily="18" charset="0"/>
-              </a:rPr>
-              <a:t>fun and profit</a:t>
-            </a:r>
-            <a:endParaRPr lang="en-US" sz="1400" dirty="0">
-              <a:latin typeface="Times New Roman" panose="02020603050405020304" pitchFamily="18" charset="0"/>
-              <a:cs typeface="Times New Roman" panose="02020603050405020304" pitchFamily="18" charset="0"/>
-            </a:endParaRPr>
-          </a:p>
-          <a:p>
-            <a:pPr marL="398780" lvl="1" indent="-128905">
-              <a:lnSpc>
-                <a:spcPts val="1415"/>
-              </a:lnSpc>
-              <a:buChar char="–"/>
-              <a:tabLst>
-                <a:tab pos="398780" algn="l"/>
-              </a:tabLst>
-            </a:pPr>
-            <a:endParaRPr sz="1400" dirty="0">
-              <a:latin typeface="Times New Roman" panose="02020603050405020304" pitchFamily="18" charset="0"/>
-              <a:cs typeface="Times New Roman" panose="02020603050405020304" pitchFamily="18" charset="0"/>
-            </a:endParaRPr>
-          </a:p>
-          <a:p>
-            <a:pPr lvl="1">
-              <a:lnSpc>
-                <a:spcPct val="100000"/>
-              </a:lnSpc>
-              <a:buFont typeface="Arial MT"/>
-              <a:buChar char="–"/>
-            </a:pPr>
-            <a:endParaRPr sz="1600" dirty="0">
-              <a:latin typeface="Times New Roman" panose="02020603050405020304" pitchFamily="18" charset="0"/>
-              <a:cs typeface="Times New Roman" panose="02020603050405020304" pitchFamily="18" charset="0"/>
-            </a:endParaRPr>
-          </a:p>
-          <a:p>
-            <a:pPr marL="141605" indent="-128905">
-              <a:lnSpc>
-                <a:spcPct val="100000"/>
-              </a:lnSpc>
-              <a:buSzPct val="86666"/>
-              <a:buFont typeface="Wingdings"/>
-              <a:buChar char=""/>
-              <a:tabLst>
-                <a:tab pos="141605" algn="l"/>
-              </a:tabLst>
-            </a:pPr>
-            <a:r>
-              <a:rPr sz="1600" spc="-5" dirty="0">
-                <a:latin typeface="Times New Roman" panose="02020603050405020304" pitchFamily="18" charset="0"/>
-                <a:cs typeface="Times New Roman" panose="02020603050405020304" pitchFamily="18" charset="0"/>
-              </a:rPr>
-              <a:t>What</a:t>
-            </a:r>
-            <a:r>
-              <a:rPr sz="1600" spc="-15" dirty="0">
-                <a:latin typeface="Times New Roman" panose="02020603050405020304" pitchFamily="18" charset="0"/>
-                <a:cs typeface="Times New Roman" panose="02020603050405020304" pitchFamily="18" charset="0"/>
-              </a:rPr>
-              <a:t> </a:t>
-            </a:r>
-            <a:r>
-              <a:rPr sz="1600" dirty="0">
-                <a:latin typeface="Times New Roman" panose="02020603050405020304" pitchFamily="18" charset="0"/>
-                <a:cs typeface="Times New Roman" panose="02020603050405020304" pitchFamily="18" charset="0"/>
-              </a:rPr>
-              <a:t>happens</a:t>
-            </a:r>
-            <a:r>
-              <a:rPr sz="1600" spc="-10" dirty="0">
-                <a:latin typeface="Times New Roman" panose="02020603050405020304" pitchFamily="18" charset="0"/>
-                <a:cs typeface="Times New Roman" panose="02020603050405020304" pitchFamily="18" charset="0"/>
-              </a:rPr>
-              <a:t> </a:t>
-            </a:r>
-            <a:r>
-              <a:rPr sz="1600" dirty="0">
-                <a:latin typeface="Times New Roman" panose="02020603050405020304" pitchFamily="18" charset="0"/>
-                <a:cs typeface="Times New Roman" panose="02020603050405020304" pitchFamily="18" charset="0"/>
-              </a:rPr>
-              <a:t>if</a:t>
-            </a:r>
-            <a:r>
-              <a:rPr sz="1600" spc="-15" dirty="0">
-                <a:latin typeface="Times New Roman" panose="02020603050405020304" pitchFamily="18" charset="0"/>
-                <a:cs typeface="Times New Roman" panose="02020603050405020304" pitchFamily="18" charset="0"/>
-              </a:rPr>
-              <a:t> </a:t>
-            </a:r>
-            <a:r>
-              <a:rPr sz="1600" dirty="0">
-                <a:latin typeface="Times New Roman" panose="02020603050405020304" pitchFamily="18" charset="0"/>
-                <a:cs typeface="Times New Roman" panose="02020603050405020304" pitchFamily="18" charset="0"/>
-              </a:rPr>
-              <a:t>you</a:t>
-            </a:r>
-            <a:r>
-              <a:rPr sz="1600" spc="-10" dirty="0">
-                <a:latin typeface="Times New Roman" panose="02020603050405020304" pitchFamily="18" charset="0"/>
-                <a:cs typeface="Times New Roman" panose="02020603050405020304" pitchFamily="18" charset="0"/>
-              </a:rPr>
-              <a:t> </a:t>
-            </a:r>
-            <a:r>
-              <a:rPr sz="1600" dirty="0">
-                <a:latin typeface="Times New Roman" panose="02020603050405020304" pitchFamily="18" charset="0"/>
-                <a:cs typeface="Times New Roman" panose="02020603050405020304" pitchFamily="18" charset="0"/>
-              </a:rPr>
-              <a:t>use</a:t>
-            </a:r>
-            <a:r>
-              <a:rPr sz="1600" spc="-5" dirty="0">
-                <a:latin typeface="Times New Roman" panose="02020603050405020304" pitchFamily="18" charset="0"/>
-                <a:cs typeface="Times New Roman" panose="02020603050405020304" pitchFamily="18" charset="0"/>
-              </a:rPr>
-              <a:t> </a:t>
-            </a:r>
-            <a:r>
-              <a:rPr sz="1600" dirty="0">
-                <a:latin typeface="Times New Roman" panose="02020603050405020304" pitchFamily="18" charset="0"/>
-                <a:cs typeface="Times New Roman" panose="02020603050405020304" pitchFamily="18" charset="0"/>
-              </a:rPr>
-              <a:t>memory</a:t>
-            </a:r>
-            <a:r>
-              <a:rPr sz="1600" spc="-10" dirty="0">
-                <a:latin typeface="Times New Roman" panose="02020603050405020304" pitchFamily="18" charset="0"/>
-                <a:cs typeface="Times New Roman" panose="02020603050405020304" pitchFamily="18" charset="0"/>
-              </a:rPr>
-              <a:t> </a:t>
-            </a:r>
-            <a:r>
-              <a:rPr sz="1600" spc="-5" dirty="0">
-                <a:latin typeface="Times New Roman" panose="02020603050405020304" pitchFamily="18" charset="0"/>
-                <a:cs typeface="Times New Roman" panose="02020603050405020304" pitchFamily="18" charset="0"/>
-              </a:rPr>
-              <a:t>after</a:t>
-            </a:r>
-            <a:r>
-              <a:rPr sz="1600" spc="-10" dirty="0">
-                <a:latin typeface="Times New Roman" panose="02020603050405020304" pitchFamily="18" charset="0"/>
-                <a:cs typeface="Times New Roman" panose="02020603050405020304" pitchFamily="18" charset="0"/>
-              </a:rPr>
-              <a:t> </a:t>
-            </a:r>
-            <a:r>
-              <a:rPr sz="1600" dirty="0">
-                <a:latin typeface="Times New Roman" panose="02020603050405020304" pitchFamily="18" charset="0"/>
-                <a:cs typeface="Times New Roman" panose="02020603050405020304" pitchFamily="18" charset="0"/>
-              </a:rPr>
-              <a:t>you’ve</a:t>
-            </a:r>
-            <a:r>
-              <a:rPr sz="1600" spc="-10" dirty="0">
-                <a:latin typeface="Times New Roman" panose="02020603050405020304" pitchFamily="18" charset="0"/>
-                <a:cs typeface="Times New Roman" panose="02020603050405020304" pitchFamily="18" charset="0"/>
-              </a:rPr>
-              <a:t> </a:t>
-            </a:r>
-            <a:r>
-              <a:rPr sz="1600" spc="-5" dirty="0">
-                <a:latin typeface="Times New Roman" panose="02020603050405020304" pitchFamily="18" charset="0"/>
-                <a:cs typeface="Times New Roman" panose="02020603050405020304" pitchFamily="18" charset="0"/>
-              </a:rPr>
-              <a:t>freed</a:t>
-            </a:r>
-            <a:r>
-              <a:rPr sz="1600" spc="-10" dirty="0">
-                <a:latin typeface="Times New Roman" panose="02020603050405020304" pitchFamily="18" charset="0"/>
-                <a:cs typeface="Times New Roman" panose="02020603050405020304" pitchFamily="18" charset="0"/>
-              </a:rPr>
-              <a:t> </a:t>
-            </a:r>
-            <a:r>
-              <a:rPr sz="1600" spc="-5" dirty="0">
-                <a:latin typeface="Times New Roman" panose="02020603050405020304" pitchFamily="18" charset="0"/>
-                <a:cs typeface="Times New Roman" panose="02020603050405020304" pitchFamily="18" charset="0"/>
-              </a:rPr>
-              <a:t>it?</a:t>
-            </a:r>
-            <a:endParaRPr sz="1600" dirty="0">
-              <a:latin typeface="Times New Roman" panose="02020603050405020304" pitchFamily="18" charset="0"/>
-              <a:cs typeface="Times New Roman" panose="02020603050405020304" pitchFamily="18" charset="0"/>
-            </a:endParaRPr>
-          </a:p>
-          <a:p>
-            <a:pPr marL="398780" lvl="1" indent="-128905">
-              <a:lnSpc>
-                <a:spcPts val="1415"/>
-              </a:lnSpc>
-              <a:spcBef>
-                <a:spcPts val="105"/>
-              </a:spcBef>
-              <a:buChar char="–"/>
-              <a:tabLst>
-                <a:tab pos="398780" algn="l"/>
-              </a:tabLst>
-            </a:pPr>
-            <a:r>
-              <a:rPr sz="1400" spc="-40" dirty="0">
-                <a:latin typeface="Times New Roman" panose="02020603050405020304" pitchFamily="18" charset="0"/>
-                <a:cs typeface="Times New Roman" panose="02020603050405020304" pitchFamily="18" charset="0"/>
-              </a:rPr>
-              <a:t>You</a:t>
-            </a:r>
-            <a:r>
-              <a:rPr sz="1400" spc="-15" dirty="0">
-                <a:latin typeface="Times New Roman" panose="02020603050405020304" pitchFamily="18" charset="0"/>
-                <a:cs typeface="Times New Roman" panose="02020603050405020304" pitchFamily="18" charset="0"/>
-              </a:rPr>
-              <a:t> </a:t>
-            </a:r>
-            <a:r>
-              <a:rPr sz="1400" spc="-5" dirty="0">
-                <a:latin typeface="Times New Roman" panose="02020603050405020304" pitchFamily="18" charset="0"/>
-                <a:cs typeface="Times New Roman" panose="02020603050405020304" pitchFamily="18" charset="0"/>
-              </a:rPr>
-              <a:t>can</a:t>
-            </a:r>
-            <a:r>
-              <a:rPr sz="1400" spc="-10" dirty="0">
-                <a:latin typeface="Times New Roman" panose="02020603050405020304" pitchFamily="18" charset="0"/>
-                <a:cs typeface="Times New Roman" panose="02020603050405020304" pitchFamily="18" charset="0"/>
-              </a:rPr>
-              <a:t> </a:t>
-            </a:r>
-            <a:r>
-              <a:rPr sz="1400" spc="-5" dirty="0">
-                <a:latin typeface="Times New Roman" panose="02020603050405020304" pitchFamily="18" charset="0"/>
-                <a:cs typeface="Times New Roman" panose="02020603050405020304" pitchFamily="18" charset="0"/>
-              </a:rPr>
-              <a:t>get</a:t>
-            </a:r>
-            <a:r>
-              <a:rPr sz="1400" dirty="0">
-                <a:latin typeface="Times New Roman" panose="02020603050405020304" pitchFamily="18" charset="0"/>
-                <a:cs typeface="Times New Roman" panose="02020603050405020304" pitchFamily="18" charset="0"/>
-              </a:rPr>
-              <a:t> </a:t>
-            </a:r>
-            <a:r>
-              <a:rPr sz="1400" spc="-5" dirty="0">
-                <a:latin typeface="Times New Roman" panose="02020603050405020304" pitchFamily="18" charset="0"/>
-                <a:cs typeface="Times New Roman" panose="02020603050405020304" pitchFamily="18" charset="0"/>
-              </a:rPr>
-              <a:t>an</a:t>
-            </a:r>
-            <a:r>
-              <a:rPr sz="1400" spc="-15" dirty="0">
-                <a:latin typeface="Times New Roman" panose="02020603050405020304" pitchFamily="18" charset="0"/>
-                <a:cs typeface="Times New Roman" panose="02020603050405020304" pitchFamily="18" charset="0"/>
-              </a:rPr>
-              <a:t> </a:t>
-            </a:r>
-            <a:r>
-              <a:rPr sz="1400" spc="-5" dirty="0">
-                <a:latin typeface="Times New Roman" panose="02020603050405020304" pitchFamily="18" charset="0"/>
-                <a:cs typeface="Times New Roman" panose="02020603050405020304" pitchFamily="18" charset="0"/>
-              </a:rPr>
-              <a:t>arbitrary write…</a:t>
-            </a:r>
-            <a:endParaRPr sz="1400" dirty="0">
-              <a:latin typeface="Times New Roman" panose="02020603050405020304" pitchFamily="18" charset="0"/>
-              <a:cs typeface="Times New Roman" panose="02020603050405020304" pitchFamily="18" charset="0"/>
-            </a:endParaRPr>
-          </a:p>
-          <a:p>
-            <a:pPr marL="398780" lvl="1" indent="-128905">
-              <a:lnSpc>
-                <a:spcPct val="100000"/>
-              </a:lnSpc>
-              <a:spcBef>
-                <a:spcPts val="75"/>
-              </a:spcBef>
-              <a:buChar char="–"/>
-              <a:tabLst>
-                <a:tab pos="398780" algn="l"/>
-              </a:tabLst>
-            </a:pPr>
-            <a:r>
-              <a:rPr sz="1400" spc="-5" dirty="0">
-                <a:latin typeface="Times New Roman" panose="02020603050405020304" pitchFamily="18" charset="0"/>
-                <a:cs typeface="Times New Roman" panose="02020603050405020304" pitchFamily="18" charset="0"/>
-              </a:rPr>
-              <a:t>Sometimes</a:t>
-            </a:r>
-            <a:r>
-              <a:rPr sz="1400" spc="-10" dirty="0">
-                <a:latin typeface="Times New Roman" panose="02020603050405020304" pitchFamily="18" charset="0"/>
-                <a:cs typeface="Times New Roman" panose="02020603050405020304" pitchFamily="18" charset="0"/>
-              </a:rPr>
-              <a:t> </a:t>
-            </a:r>
-            <a:r>
-              <a:rPr sz="1400" spc="-5" dirty="0">
-                <a:latin typeface="Times New Roman" panose="02020603050405020304" pitchFamily="18" charset="0"/>
-                <a:cs typeface="Times New Roman" panose="02020603050405020304" pitchFamily="18" charset="0"/>
-              </a:rPr>
-              <a:t>called</a:t>
-            </a:r>
-            <a:r>
-              <a:rPr sz="1400" spc="-10" dirty="0">
-                <a:latin typeface="Times New Roman" panose="02020603050405020304" pitchFamily="18" charset="0"/>
-                <a:cs typeface="Times New Roman" panose="02020603050405020304" pitchFamily="18" charset="0"/>
-              </a:rPr>
-              <a:t> </a:t>
-            </a:r>
-            <a:r>
-              <a:rPr sz="1400" dirty="0">
-                <a:latin typeface="Times New Roman" panose="02020603050405020304" pitchFamily="18" charset="0"/>
-                <a:cs typeface="Times New Roman" panose="02020603050405020304" pitchFamily="18" charset="0"/>
-              </a:rPr>
-              <a:t>a</a:t>
-            </a:r>
-            <a:r>
-              <a:rPr sz="1400" spc="-15" dirty="0">
-                <a:latin typeface="Times New Roman" panose="02020603050405020304" pitchFamily="18" charset="0"/>
-                <a:cs typeface="Times New Roman" panose="02020603050405020304" pitchFamily="18" charset="0"/>
-              </a:rPr>
-              <a:t> </a:t>
-            </a:r>
-            <a:r>
-              <a:rPr sz="1400" i="1" spc="-5" dirty="0">
-                <a:latin typeface="Times New Roman" panose="02020603050405020304" pitchFamily="18" charset="0"/>
-                <a:cs typeface="Times New Roman" panose="02020603050405020304" pitchFamily="18" charset="0"/>
-              </a:rPr>
-              <a:t>temporal</a:t>
-            </a:r>
-            <a:r>
-              <a:rPr sz="1400" i="1" spc="-10" dirty="0">
-                <a:latin typeface="Times New Roman" panose="02020603050405020304" pitchFamily="18" charset="0"/>
-                <a:cs typeface="Times New Roman" panose="02020603050405020304" pitchFamily="18" charset="0"/>
-              </a:rPr>
-              <a:t> </a:t>
-            </a:r>
-            <a:r>
-              <a:rPr sz="1400" i="1" spc="-5" dirty="0">
-                <a:latin typeface="Times New Roman" panose="02020603050405020304" pitchFamily="18" charset="0"/>
-                <a:cs typeface="Times New Roman" panose="02020603050405020304" pitchFamily="18" charset="0"/>
-              </a:rPr>
-              <a:t>error</a:t>
-            </a:r>
-            <a:endParaRPr lang="en-US" sz="1400" i="1" spc="-5" dirty="0">
-              <a:latin typeface="Times New Roman" panose="02020603050405020304" pitchFamily="18" charset="0"/>
-              <a:cs typeface="Times New Roman" panose="02020603050405020304" pitchFamily="18" charset="0"/>
-            </a:endParaRPr>
-          </a:p>
-          <a:p>
-            <a:pPr marL="398780" lvl="1" indent="-128905">
-              <a:spcBef>
-                <a:spcPts val="75"/>
-              </a:spcBef>
-              <a:buFontTx/>
-              <a:buChar char="–"/>
-              <a:tabLst>
-                <a:tab pos="398780" algn="l"/>
-              </a:tabLst>
-            </a:pPr>
-            <a:r>
-              <a:rPr lang="en-US" sz="1400" spc="-5" dirty="0">
-                <a:latin typeface="Times New Roman" panose="02020603050405020304" pitchFamily="18" charset="0"/>
-                <a:cs typeface="Times New Roman" panose="02020603050405020304" pitchFamily="18" charset="0"/>
-              </a:rPr>
-              <a:t>For further reading: </a:t>
-            </a:r>
-            <a:r>
-              <a:rPr lang="en-GB" sz="1400" spc="-5" dirty="0">
-                <a:latin typeface="Times New Roman" panose="02020603050405020304" pitchFamily="18" charset="0"/>
-                <a:cs typeface="Times New Roman" panose="02020603050405020304" pitchFamily="18" charset="0"/>
-              </a:rPr>
-              <a:t>See</a:t>
-            </a:r>
-            <a:r>
-              <a:rPr lang="en-GB" sz="1400" spc="-15" dirty="0">
-                <a:latin typeface="Times New Roman" panose="02020603050405020304" pitchFamily="18" charset="0"/>
-                <a:cs typeface="Times New Roman" panose="02020603050405020304" pitchFamily="18" charset="0"/>
-              </a:rPr>
-              <a:t> </a:t>
-            </a:r>
-            <a:r>
-              <a:rPr lang="en-GB" sz="1400" spc="-5" dirty="0">
-                <a:latin typeface="Times New Roman" panose="02020603050405020304" pitchFamily="18" charset="0"/>
-                <a:cs typeface="Times New Roman" panose="02020603050405020304" pitchFamily="18" charset="0"/>
-              </a:rPr>
-              <a:t>the</a:t>
-            </a:r>
-            <a:r>
-              <a:rPr lang="en-GB" sz="1400" spc="-15" dirty="0">
-                <a:latin typeface="Times New Roman" panose="02020603050405020304" pitchFamily="18" charset="0"/>
-                <a:cs typeface="Times New Roman" panose="02020603050405020304" pitchFamily="18" charset="0"/>
-              </a:rPr>
-              <a:t> </a:t>
-            </a:r>
-            <a:r>
-              <a:rPr lang="en-GB" sz="1400" i="1" spc="-5" dirty="0">
-                <a:latin typeface="Times New Roman" panose="02020603050405020304" pitchFamily="18" charset="0"/>
-                <a:cs typeface="Times New Roman" panose="02020603050405020304" pitchFamily="18" charset="0"/>
-              </a:rPr>
-              <a:t>malloc</a:t>
-            </a:r>
-            <a:r>
-              <a:rPr lang="en-GB" sz="1400" i="1" spc="-10" dirty="0">
-                <a:latin typeface="Times New Roman" panose="02020603050405020304" pitchFamily="18" charset="0"/>
-                <a:cs typeface="Times New Roman" panose="02020603050405020304" pitchFamily="18" charset="0"/>
-              </a:rPr>
-              <a:t> </a:t>
-            </a:r>
-            <a:r>
-              <a:rPr lang="en-GB" sz="1400" i="1" spc="-5" dirty="0" err="1">
-                <a:latin typeface="Times New Roman" panose="02020603050405020304" pitchFamily="18" charset="0"/>
-                <a:cs typeface="Times New Roman" panose="02020603050405020304" pitchFamily="18" charset="0"/>
-              </a:rPr>
-              <a:t>maleficarum</a:t>
-            </a:r>
-            <a:endParaRPr lang="en-GB" sz="1400" dirty="0">
-              <a:latin typeface="Times New Roman" panose="02020603050405020304" pitchFamily="18" charset="0"/>
-              <a:cs typeface="Times New Roman" panose="02020603050405020304" pitchFamily="18" charset="0"/>
-            </a:endParaRPr>
-          </a:p>
-          <a:p>
-            <a:pPr marL="398780" lvl="1" indent="-128905">
-              <a:lnSpc>
-                <a:spcPct val="100000"/>
-              </a:lnSpc>
-              <a:spcBef>
-                <a:spcPts val="75"/>
-              </a:spcBef>
-              <a:buChar char="–"/>
-              <a:tabLst>
-                <a:tab pos="398780" algn="l"/>
-              </a:tabLst>
-            </a:pPr>
-            <a:endParaRPr sz="1400" dirty="0">
-              <a:latin typeface="Times New Roman" panose="02020603050405020304" pitchFamily="18" charset="0"/>
-              <a:cs typeface="Times New Roman" panose="02020603050405020304" pitchFamily="18" charset="0"/>
-            </a:endParaRPr>
-          </a:p>
-          <a:p>
-            <a:pPr marL="398780" lvl="1" indent="-128905">
-              <a:lnSpc>
-                <a:spcPct val="100000"/>
-              </a:lnSpc>
-              <a:spcBef>
-                <a:spcPts val="10"/>
-              </a:spcBef>
-              <a:buChar char="–"/>
-              <a:tabLst>
-                <a:tab pos="398780" algn="l"/>
-              </a:tabLst>
-            </a:pPr>
-            <a:endParaRPr sz="1400" dirty="0">
-              <a:latin typeface="Times New Roman" panose="02020603050405020304" pitchFamily="18" charset="0"/>
-              <a:cs typeface="Times New Roman" panose="02020603050405020304" pitchFamily="18" charset="0"/>
-            </a:endParaRPr>
-          </a:p>
-        </p:txBody>
-      </p:sp>
-      <p:sp>
-        <p:nvSpPr>
-          <p:cNvPr id="7" name="Title 5">
-            <a:extLst>
-              <a:ext uri="{FF2B5EF4-FFF2-40B4-BE49-F238E27FC236}">
-                <a16:creationId xmlns:a16="http://schemas.microsoft.com/office/drawing/2014/main" id="{3CA279C4-CBF5-4A44-9731-02A90514869A}"/>
-              </a:ext>
-            </a:extLst>
-          </p:cNvPr>
-          <p:cNvSpPr>
-            <a:spLocks noGrp="1"/>
-          </p:cNvSpPr>
-          <p:nvPr>
-            <p:ph type="title"/>
-          </p:nvPr>
-        </p:nvSpPr>
-        <p:spPr>
-          <a:xfrm>
-            <a:off x="623887" y="228600"/>
-            <a:ext cx="5915025" cy="697706"/>
-          </a:xfrm>
-        </p:spPr>
-        <p:txBody>
-          <a:bodyPr>
-            <a:normAutofit/>
-          </a:bodyPr>
-          <a:lstStyle/>
-          <a:p>
-            <a:pPr algn="ctr"/>
-            <a:r>
-              <a:rPr lang="en-GB" sz="3200" spc="-5" dirty="0">
-                <a:latin typeface="Times New Roman" panose="02020603050405020304" pitchFamily="18" charset="0"/>
-                <a:cs typeface="Times New Roman" panose="02020603050405020304" pitchFamily="18" charset="0"/>
-              </a:rPr>
-              <a:t>Memory</a:t>
-            </a:r>
-            <a:r>
-              <a:rPr lang="en-GB" sz="3200" spc="-20" dirty="0">
-                <a:latin typeface="Times New Roman" panose="02020603050405020304" pitchFamily="18" charset="0"/>
-                <a:cs typeface="Times New Roman" panose="02020603050405020304" pitchFamily="18" charset="0"/>
-              </a:rPr>
-              <a:t> </a:t>
-            </a:r>
-            <a:r>
-              <a:rPr lang="en-GB" sz="3200" spc="-10" dirty="0">
-                <a:latin typeface="Times New Roman" panose="02020603050405020304" pitchFamily="18" charset="0"/>
-                <a:cs typeface="Times New Roman" panose="02020603050405020304" pitchFamily="18" charset="0"/>
-              </a:rPr>
-              <a:t>Corruption</a:t>
-            </a:r>
-            <a:r>
-              <a:rPr lang="en-GB" sz="3200" spc="-25" dirty="0">
-                <a:latin typeface="Times New Roman" panose="02020603050405020304" pitchFamily="18" charset="0"/>
-                <a:cs typeface="Times New Roman" panose="02020603050405020304" pitchFamily="18" charset="0"/>
-              </a:rPr>
-              <a:t> </a:t>
-            </a:r>
-            <a:r>
-              <a:rPr lang="en-GB" sz="3200" spc="-10" dirty="0">
-                <a:latin typeface="Times New Roman" panose="02020603050405020304" pitchFamily="18" charset="0"/>
-                <a:cs typeface="Times New Roman" panose="02020603050405020304" pitchFamily="18" charset="0"/>
-              </a:rPr>
-              <a:t>bugs</a:t>
-            </a:r>
-            <a:endParaRPr lang="en-GB" sz="3200" dirty="0">
-              <a:latin typeface="Times New Roman" panose="02020603050405020304" pitchFamily="18" charset="0"/>
-              <a:cs typeface="Times New Roman" panose="02020603050405020304" pitchFamily="18" charset="0"/>
-            </a:endParaRPr>
-          </a:p>
-        </p:txBody>
-      </p:sp>
-    </p:spTree>
-  </p:cSld>
-  <p:clrMapOvr>
-    <a:masterClrMapping/>
-  </p:clrMapOvr>
-</p:sld>
-</file>
-
-<file path=ppt/slides/slide9.xml><?xml version="1.0" encoding="utf-8"?>
-<p:sld xmlns:a="http://schemas.openxmlformats.org/drawingml/2006/main" xmlns:r="http://schemas.openxmlformats.org/officeDocument/2006/relationships" xmlns:p="http://schemas.openxmlformats.org/presentationml/2006/main">
-  <p:cSld>
-    <p:spTree>
-      <p:nvGrpSpPr>
-        <p:cNvPr id="1" name=""/>
-        <p:cNvGrpSpPr/>
-        <p:nvPr/>
-      </p:nvGrpSpPr>
-      <p:grpSpPr>
-        <a:xfrm>
-          <a:off x="0" y="0"/>
-          <a:ext cx="0" cy="0"/>
-          <a:chOff x="0" y="0"/>
-          <a:chExt cx="0" cy="0"/>
-        </a:xfrm>
-      </p:grpSpPr>
-      <p:sp>
-        <p:nvSpPr>
-          <p:cNvPr id="3" name="object 3"/>
-          <p:cNvSpPr txBox="1"/>
-          <p:nvPr/>
-        </p:nvSpPr>
-        <p:spPr>
-          <a:xfrm>
-            <a:off x="356840" y="1314196"/>
-            <a:ext cx="5897880" cy="2741776"/>
-          </a:xfrm>
-          <a:prstGeom prst="rect">
-            <a:avLst/>
-          </a:prstGeom>
-        </p:spPr>
-        <p:txBody>
-          <a:bodyPr vert="horz" wrap="square" lIns="0" tIns="60960" rIns="0" bIns="0" rtlCol="0">
-            <a:spAutoFit/>
-          </a:bodyPr>
-          <a:lstStyle/>
-          <a:p>
-            <a:pPr marL="141605" indent="-128905">
-              <a:lnSpc>
-                <a:spcPct val="100000"/>
-              </a:lnSpc>
-              <a:spcBef>
-                <a:spcPts val="480"/>
-              </a:spcBef>
-              <a:buSzPct val="81250"/>
-              <a:buFont typeface="Wingdings"/>
-              <a:buChar char=""/>
-              <a:tabLst>
-                <a:tab pos="141605" algn="l"/>
-              </a:tabLst>
-            </a:pPr>
-            <a:r>
-              <a:rPr sz="1600" dirty="0">
-                <a:latin typeface="Times New Roman" panose="02020603050405020304" pitchFamily="18" charset="0"/>
-                <a:cs typeface="Times New Roman" panose="02020603050405020304" pitchFamily="18" charset="0"/>
-              </a:rPr>
-              <a:t>C was designed to write operating systems</a:t>
-            </a:r>
-          </a:p>
-          <a:p>
-            <a:pPr marL="141605" indent="-128905">
-              <a:lnSpc>
-                <a:spcPct val="100000"/>
-              </a:lnSpc>
-              <a:spcBef>
-                <a:spcPts val="385"/>
-              </a:spcBef>
-              <a:buSzPct val="81250"/>
-              <a:buFont typeface="Wingdings"/>
-              <a:buChar char=""/>
-              <a:tabLst>
-                <a:tab pos="141605" algn="l"/>
-              </a:tabLst>
-            </a:pPr>
-            <a:r>
-              <a:rPr sz="1600" dirty="0">
-                <a:latin typeface="Times New Roman" panose="02020603050405020304" pitchFamily="18" charset="0"/>
-                <a:cs typeface="Times New Roman" panose="02020603050405020304" pitchFamily="18" charset="0"/>
-              </a:rPr>
-              <a:t>Programmers were expected to know what they were doing</a:t>
-            </a:r>
-          </a:p>
-          <a:p>
-            <a:pPr marL="398780" lvl="1" indent="-128905">
-              <a:lnSpc>
-                <a:spcPct val="100000"/>
-              </a:lnSpc>
-              <a:spcBef>
-                <a:spcPts val="175"/>
-              </a:spcBef>
-              <a:buChar char="–"/>
-              <a:tabLst>
-                <a:tab pos="398780" algn="l"/>
-              </a:tabLst>
-            </a:pPr>
-            <a:r>
-              <a:rPr sz="1600" dirty="0">
-                <a:latin typeface="Times New Roman" panose="02020603050405020304" pitchFamily="18" charset="0"/>
-                <a:cs typeface="Times New Roman" panose="02020603050405020304" pitchFamily="18" charset="0"/>
-              </a:rPr>
-              <a:t>i.e. if you</a:t>
-            </a:r>
-            <a:r>
-              <a:rPr lang="en-US" sz="1600" dirty="0">
-                <a:latin typeface="Times New Roman" panose="02020603050405020304" pitchFamily="18" charset="0"/>
-                <a:cs typeface="Times New Roman" panose="02020603050405020304" pitchFamily="18" charset="0"/>
-              </a:rPr>
-              <a:t> a</a:t>
-            </a:r>
-            <a:r>
-              <a:rPr sz="1600" dirty="0">
-                <a:latin typeface="Times New Roman" panose="02020603050405020304" pitchFamily="18" charset="0"/>
-                <a:cs typeface="Times New Roman" panose="02020603050405020304" pitchFamily="18" charset="0"/>
-              </a:rPr>
-              <a:t>re going off the end of an array its deliberate and not a mistake</a:t>
-            </a:r>
-          </a:p>
-          <a:p>
-            <a:pPr lvl="1">
-              <a:lnSpc>
-                <a:spcPct val="100000"/>
-              </a:lnSpc>
-              <a:buFont typeface="Arial MT"/>
-              <a:buChar char="–"/>
-            </a:pPr>
-            <a:endParaRPr sz="1600" dirty="0">
-              <a:latin typeface="Times New Roman" panose="02020603050405020304" pitchFamily="18" charset="0"/>
-              <a:cs typeface="Times New Roman" panose="02020603050405020304" pitchFamily="18" charset="0"/>
-            </a:endParaRPr>
-          </a:p>
-          <a:p>
-            <a:pPr marL="141605" indent="-128905">
-              <a:lnSpc>
-                <a:spcPct val="100000"/>
-              </a:lnSpc>
-              <a:spcBef>
-                <a:spcPts val="910"/>
-              </a:spcBef>
-              <a:buSzPct val="81250"/>
-              <a:buFont typeface="Wingdings"/>
-              <a:buChar char=""/>
-              <a:tabLst>
-                <a:tab pos="141605" algn="l"/>
-              </a:tabLst>
-            </a:pPr>
-            <a:r>
-              <a:rPr sz="1600" dirty="0">
-                <a:latin typeface="Times New Roman" panose="02020603050405020304" pitchFamily="18" charset="0"/>
-                <a:cs typeface="Times New Roman" panose="02020603050405020304" pitchFamily="18" charset="0"/>
-              </a:rPr>
-              <a:t>If you do</a:t>
-            </a:r>
-            <a:r>
-              <a:rPr lang="en-US" sz="1600" dirty="0">
-                <a:latin typeface="Times New Roman" panose="02020603050405020304" pitchFamily="18" charset="0"/>
-                <a:cs typeface="Times New Roman" panose="02020603050405020304" pitchFamily="18" charset="0"/>
-              </a:rPr>
-              <a:t> </a:t>
-            </a:r>
-            <a:r>
-              <a:rPr sz="1600" dirty="0">
-                <a:latin typeface="Times New Roman" panose="02020603050405020304" pitchFamily="18" charset="0"/>
-                <a:cs typeface="Times New Roman" panose="02020603050405020304" pitchFamily="18" charset="0"/>
-              </a:rPr>
-              <a:t>n</a:t>
-            </a:r>
-            <a:r>
-              <a:rPr lang="en-US" sz="1600" dirty="0">
-                <a:latin typeface="Times New Roman" panose="02020603050405020304" pitchFamily="18" charset="0"/>
-                <a:cs typeface="Times New Roman" panose="02020603050405020304" pitchFamily="18" charset="0"/>
-              </a:rPr>
-              <a:t>o</a:t>
-            </a:r>
-            <a:r>
-              <a:rPr sz="1600" dirty="0">
-                <a:latin typeface="Times New Roman" panose="02020603050405020304" pitchFamily="18" charset="0"/>
-                <a:cs typeface="Times New Roman" panose="02020603050405020304" pitchFamily="18" charset="0"/>
-              </a:rPr>
-              <a:t>t know what you</a:t>
-            </a:r>
-            <a:r>
-              <a:rPr lang="en-US" sz="1600" dirty="0">
-                <a:latin typeface="Times New Roman" panose="02020603050405020304" pitchFamily="18" charset="0"/>
-                <a:cs typeface="Times New Roman" panose="02020603050405020304" pitchFamily="18" charset="0"/>
-              </a:rPr>
-              <a:t> a</a:t>
-            </a:r>
-            <a:r>
-              <a:rPr sz="1600" dirty="0">
-                <a:latin typeface="Times New Roman" panose="02020603050405020304" pitchFamily="18" charset="0"/>
-                <a:cs typeface="Times New Roman" panose="02020603050405020304" pitchFamily="18" charset="0"/>
-              </a:rPr>
-              <a:t>re doing C can be dangerous…</a:t>
-            </a:r>
-          </a:p>
-          <a:p>
-            <a:pPr marL="398780" lvl="1" indent="-128905">
-              <a:lnSpc>
-                <a:spcPct val="100000"/>
-              </a:lnSpc>
-              <a:spcBef>
-                <a:spcPts val="80"/>
-              </a:spcBef>
-              <a:buChar char="–"/>
-              <a:tabLst>
-                <a:tab pos="398780" algn="l"/>
-              </a:tabLst>
-            </a:pPr>
-            <a:r>
-              <a:rPr sz="1600" dirty="0">
-                <a:latin typeface="Times New Roman" panose="02020603050405020304" pitchFamily="18" charset="0"/>
-                <a:cs typeface="Times New Roman" panose="02020603050405020304" pitchFamily="18" charset="0"/>
-              </a:rPr>
-              <a:t>There is no type safety like Java or Haskell</a:t>
-            </a:r>
-          </a:p>
-          <a:p>
-            <a:pPr marL="398780" lvl="1" indent="-128905">
-              <a:lnSpc>
-                <a:spcPct val="100000"/>
-              </a:lnSpc>
-              <a:spcBef>
-                <a:spcPts val="120"/>
-              </a:spcBef>
-              <a:buChar char="–"/>
-              <a:tabLst>
-                <a:tab pos="398780" algn="l"/>
-              </a:tabLst>
-            </a:pPr>
-            <a:r>
-              <a:rPr sz="1600" dirty="0">
-                <a:latin typeface="Times New Roman" panose="02020603050405020304" pitchFamily="18" charset="0"/>
-                <a:cs typeface="Times New Roman" panose="02020603050405020304" pitchFamily="18" charset="0"/>
-              </a:rPr>
-              <a:t>You can do strange maths with pointers</a:t>
-            </a:r>
-          </a:p>
-          <a:p>
-            <a:pPr lvl="1">
-              <a:lnSpc>
-                <a:spcPct val="100000"/>
-              </a:lnSpc>
-              <a:spcBef>
-                <a:spcPts val="40"/>
-              </a:spcBef>
-              <a:buFont typeface="Arial MT"/>
-              <a:buChar char="–"/>
-            </a:pPr>
-            <a:endParaRPr sz="1600" dirty="0">
-              <a:latin typeface="Times New Roman" panose="02020603050405020304" pitchFamily="18" charset="0"/>
-              <a:cs typeface="Times New Roman" panose="02020603050405020304" pitchFamily="18" charset="0"/>
-            </a:endParaRPr>
-          </a:p>
-          <a:p>
-            <a:pPr marL="398780" lvl="1" indent="-128905">
-              <a:lnSpc>
-                <a:spcPct val="100000"/>
-              </a:lnSpc>
-              <a:buChar char="–"/>
-              <a:tabLst>
-                <a:tab pos="398780" algn="l"/>
-              </a:tabLst>
-            </a:pPr>
-            <a:r>
-              <a:rPr sz="1600" dirty="0">
-                <a:latin typeface="Times New Roman" panose="02020603050405020304" pitchFamily="18" charset="0"/>
-                <a:cs typeface="Times New Roman" panose="02020603050405020304" pitchFamily="18" charset="0"/>
-              </a:rPr>
-              <a:t>Programmers have been trained to ignore warnings…</a:t>
-            </a:r>
-          </a:p>
-        </p:txBody>
-      </p:sp>
-      <p:sp>
-        <p:nvSpPr>
-          <p:cNvPr id="5" name="Title 5">
-            <a:extLst>
-              <a:ext uri="{FF2B5EF4-FFF2-40B4-BE49-F238E27FC236}">
-                <a16:creationId xmlns:a16="http://schemas.microsoft.com/office/drawing/2014/main" id="{BA061914-B249-9973-3FF3-FACEB3EF7B4C}"/>
-              </a:ext>
-            </a:extLst>
-          </p:cNvPr>
-          <p:cNvSpPr txBox="1">
-            <a:spLocks/>
-          </p:cNvSpPr>
-          <p:nvPr/>
-        </p:nvSpPr>
-        <p:spPr>
-          <a:xfrm>
-            <a:off x="471487" y="76200"/>
-            <a:ext cx="5915025" cy="697706"/>
-          </a:xfrm>
-          <a:prstGeom prst="rect">
-            <a:avLst/>
-          </a:prstGeom>
-        </p:spPr>
-        <p:txBody>
-          <a:bodyPr vert="horz" lIns="91440" tIns="45720" rIns="91440" bIns="45720" rtlCol="0" anchor="ctr">
-            <a:normAutofit/>
-          </a:bodyPr>
-          <a:lstStyle>
-            <a:lvl1pPr algn="l" defTabSz="514350" rtl="0" eaLnBrk="1" latinLnBrk="0" hangingPunct="1">
-              <a:lnSpc>
-                <a:spcPct val="90000"/>
-              </a:lnSpc>
-              <a:spcBef>
-                <a:spcPct val="0"/>
-              </a:spcBef>
-              <a:buNone/>
-              <a:defRPr sz="2475" kern="1200">
-                <a:solidFill>
-                  <a:schemeClr val="tx1"/>
-                </a:solidFill>
-                <a:latin typeface="+mj-lt"/>
-                <a:ea typeface="+mj-ea"/>
-                <a:cs typeface="+mj-cs"/>
-              </a:defRPr>
-            </a:lvl1pPr>
-          </a:lstStyle>
-          <a:p>
-            <a:pPr algn="ctr"/>
-            <a:r>
-              <a:rPr lang="en-US" sz="3200" spc="-5" dirty="0">
-                <a:latin typeface="Times New Roman" panose="02020603050405020304" pitchFamily="18" charset="0"/>
-                <a:cs typeface="Times New Roman" panose="02020603050405020304" pitchFamily="18" charset="0"/>
-              </a:rPr>
-              <a:t>The problem with C (and C++)</a:t>
             </a:r>
             <a:endParaRPr lang="en-GB" sz="3200" dirty="0">
               <a:latin typeface="Times New Roman" panose="02020603050405020304" pitchFamily="18" charset="0"/>
